--- a/Team Name_Caliber Presentation -Caliber 2020 Hack the Cloud finale presentation.pptx
+++ b/Team Name_Caliber Presentation -Caliber 2020 Hack the Cloud finale presentation.pptx
@@ -7,35 +7,37 @@
     <p:sldMasterId id="2147483742" r:id="rId3"/>
   </p:sldMasterIdLst>
   <p:notesMasterIdLst>
-    <p:notesMasterId r:id="rId22"/>
+    <p:notesMasterId r:id="rId24"/>
   </p:notesMasterIdLst>
   <p:handoutMasterIdLst>
-    <p:handoutMasterId r:id="rId23"/>
+    <p:handoutMasterId r:id="rId25"/>
   </p:handoutMasterIdLst>
   <p:sldIdLst>
     <p:sldId id="283" r:id="rId4"/>
     <p:sldId id="314" r:id="rId5"/>
     <p:sldId id="279" r:id="rId6"/>
     <p:sldId id="312" r:id="rId7"/>
-    <p:sldId id="323" r:id="rId8"/>
-    <p:sldId id="315" r:id="rId9"/>
-    <p:sldId id="318" r:id="rId10"/>
-    <p:sldId id="316" r:id="rId11"/>
-    <p:sldId id="320" r:id="rId12"/>
-    <p:sldId id="327" r:id="rId13"/>
-    <p:sldId id="288" r:id="rId14"/>
-    <p:sldId id="325" r:id="rId15"/>
-    <p:sldId id="321" r:id="rId16"/>
-    <p:sldId id="299" r:id="rId17"/>
-    <p:sldId id="322" r:id="rId18"/>
-    <p:sldId id="304" r:id="rId19"/>
-    <p:sldId id="324" r:id="rId20"/>
-    <p:sldId id="307" r:id="rId21"/>
+    <p:sldId id="333" r:id="rId8"/>
+    <p:sldId id="323" r:id="rId9"/>
+    <p:sldId id="328" r:id="rId10"/>
+    <p:sldId id="329" r:id="rId11"/>
+    <p:sldId id="330" r:id="rId12"/>
+    <p:sldId id="331" r:id="rId13"/>
+    <p:sldId id="334" r:id="rId14"/>
+    <p:sldId id="256" r:id="rId15"/>
+    <p:sldId id="288" r:id="rId16"/>
+    <p:sldId id="325" r:id="rId17"/>
+    <p:sldId id="332" r:id="rId18"/>
+    <p:sldId id="299" r:id="rId19"/>
+    <p:sldId id="322" r:id="rId20"/>
+    <p:sldId id="304" r:id="rId21"/>
+    <p:sldId id="324" r:id="rId22"/>
+    <p:sldId id="307" r:id="rId23"/>
   </p:sldIdLst>
   <p:sldSz cx="9144000" cy="5143500" type="screen16x9"/>
   <p:notesSz cx="6858000" cy="9144000"/>
   <p:custDataLst>
-    <p:tags r:id="rId24"/>
+    <p:tags r:id="rId26"/>
   </p:custDataLst>
   <p:defaultTextStyle>
     <a:defPPr>
@@ -742,90 +744,6 @@
     <p:extLst>
       <p:ext uri="{BB962C8B-B14F-4D97-AF65-F5344CB8AC3E}">
         <p14:creationId xmlns:p14="http://schemas.microsoft.com/office/powerpoint/2010/main" val="4144049832"/>
-      </p:ext>
-    </p:extLst>
-  </p:cSld>
-  <p:clrMapOvr>
-    <a:masterClrMapping/>
-  </p:clrMapOvr>
-</p:notes>
-</file>
-
-<file path=ppt/notesSlides/notesSlide2.xml><?xml version="1.0" encoding="utf-8"?>
-<p:notes xmlns:a="http://schemas.openxmlformats.org/drawingml/2006/main" xmlns:r="http://schemas.openxmlformats.org/officeDocument/2006/relationships" xmlns:p="http://schemas.openxmlformats.org/presentationml/2006/main">
-  <p:cSld>
-    <p:spTree>
-      <p:nvGrpSpPr>
-        <p:cNvPr id="1" name=""/>
-        <p:cNvGrpSpPr/>
-        <p:nvPr/>
-      </p:nvGrpSpPr>
-      <p:grpSpPr>
-        <a:xfrm>
-          <a:off x="0" y="0"/>
-          <a:ext cx="0" cy="0"/>
-          <a:chOff x="0" y="0"/>
-          <a:chExt cx="0" cy="0"/>
-        </a:xfrm>
-      </p:grpSpPr>
-      <p:sp>
-        <p:nvSpPr>
-          <p:cNvPr id="2" name="Slide Image Placeholder 1"/>
-          <p:cNvSpPr>
-            <a:spLocks noGrp="1" noRot="1" noChangeAspect="1"/>
-          </p:cNvSpPr>
-          <p:nvPr>
-            <p:ph type="sldImg"/>
-          </p:nvPr>
-        </p:nvSpPr>
-        <p:spPr/>
-      </p:sp>
-      <p:sp>
-        <p:nvSpPr>
-          <p:cNvPr id="3" name="Notes Placeholder 2"/>
-          <p:cNvSpPr>
-            <a:spLocks noGrp="1"/>
-          </p:cNvSpPr>
-          <p:nvPr>
-            <p:ph type="body" idx="1"/>
-          </p:nvPr>
-        </p:nvSpPr>
-        <p:spPr/>
-        <p:txBody>
-          <a:bodyPr/>
-          <a:lstStyle/>
-          <a:p>
-            <a:endParaRPr lang="en-US" dirty="0"/>
-          </a:p>
-        </p:txBody>
-      </p:sp>
-      <p:sp>
-        <p:nvSpPr>
-          <p:cNvPr id="4" name="Slide Number Placeholder 3"/>
-          <p:cNvSpPr>
-            <a:spLocks noGrp="1"/>
-          </p:cNvSpPr>
-          <p:nvPr>
-            <p:ph type="sldNum" sz="quarter" idx="10"/>
-          </p:nvPr>
-        </p:nvSpPr>
-        <p:spPr/>
-        <p:txBody>
-          <a:bodyPr/>
-          <a:lstStyle/>
-          <a:p>
-            <a:fld id="{53FFCFF5-268C-450A-90CA-A9303B69089F}" type="slidenum">
-              <a:rPr lang="en-US" smtClean="0"/>
-              <a:t>16</a:t>
-            </a:fld>
-            <a:endParaRPr lang="en-US"/>
-          </a:p>
-        </p:txBody>
-      </p:sp>
-    </p:spTree>
-    <p:extLst>
-      <p:ext uri="{BB962C8B-B14F-4D97-AF65-F5344CB8AC3E}">
-        <p14:creationId xmlns:p14="http://schemas.microsoft.com/office/powerpoint/2010/main" val="2608478894"/>
       </p:ext>
     </p:extLst>
   </p:cSld>
@@ -5017,7 +4935,7 @@
                 <a16:creationId xmlns:a16="http://schemas.microsoft.com/office/drawing/2014/main" id="{B9FD800B-7DF4-487A-ADA4-F44FB0D5A337}"/>
               </a:ext>
               <a:ext uri="{C183D7F6-B498-43B3-948B-1728B52AA6E4}">
-                <adec:decorative xmlns="" xmlns:adec="http://schemas.microsoft.com/office/drawing/2017/decorative" val="1"/>
+                <adec:decorative xmlns:adec="http://schemas.microsoft.com/office/drawing/2017/decorative" val="1"/>
               </a:ext>
             </a:extLst>
           </p:cNvPr>
@@ -5063,7 +4981,7 @@
                 <a16:creationId xmlns:a16="http://schemas.microsoft.com/office/drawing/2014/main" id="{317D0DD9-81B9-4F58-9346-51EE2B8F81A3}"/>
               </a:ext>
               <a:ext uri="{C183D7F6-B498-43B3-948B-1728B52AA6E4}">
-                <adec:decorative xmlns="" xmlns:adec="http://schemas.microsoft.com/office/drawing/2017/decorative" val="1"/>
+                <adec:decorative xmlns:adec="http://schemas.microsoft.com/office/drawing/2017/decorative" val="1"/>
               </a:ext>
             </a:extLst>
           </p:cNvPr>
@@ -5282,7 +5200,7 @@
                 <a16:creationId xmlns:a16="http://schemas.microsoft.com/office/drawing/2014/main" id="{AEDEC010-DDB9-42D4-B78F-4D54E3BEA4FF}"/>
               </a:ext>
               <a:ext uri="{C183D7F6-B498-43B3-948B-1728B52AA6E4}">
-                <adec:decorative xmlns="" xmlns:adec="http://schemas.microsoft.com/office/drawing/2017/decorative" val="1"/>
+                <adec:decorative xmlns:adec="http://schemas.microsoft.com/office/drawing/2017/decorative" val="1"/>
               </a:ext>
             </a:extLst>
           </p:cNvPr>
@@ -5685,7 +5603,7 @@
                 <a16:creationId xmlns:a16="http://schemas.microsoft.com/office/drawing/2014/main" id="{23268861-55BD-4B42-9602-50B6350788AD}"/>
               </a:ext>
               <a:ext uri="{C183D7F6-B498-43B3-948B-1728B52AA6E4}">
-                <adec:decorative xmlns="" xmlns:adec="http://schemas.microsoft.com/office/drawing/2017/decorative" val="1"/>
+                <adec:decorative xmlns:adec="http://schemas.microsoft.com/office/drawing/2017/decorative" val="1"/>
               </a:ext>
             </a:extLst>
           </p:cNvPr>
@@ -12593,7 +12511,7 @@
                 <a16:creationId xmlns:a16="http://schemas.microsoft.com/office/drawing/2014/main" id="{B9FD800B-7DF4-487A-ADA4-F44FB0D5A337}"/>
               </a:ext>
               <a:ext uri="{C183D7F6-B498-43B3-948B-1728B52AA6E4}">
-                <adec:decorative xmlns="" xmlns:adec="http://schemas.microsoft.com/office/drawing/2017/decorative" val="1"/>
+                <adec:decorative xmlns:adec="http://schemas.microsoft.com/office/drawing/2017/decorative" val="1"/>
               </a:ext>
             </a:extLst>
           </p:cNvPr>
@@ -12639,7 +12557,7 @@
                 <a16:creationId xmlns:a16="http://schemas.microsoft.com/office/drawing/2014/main" id="{317D0DD9-81B9-4F58-9346-51EE2B8F81A3}"/>
               </a:ext>
               <a:ext uri="{C183D7F6-B498-43B3-948B-1728B52AA6E4}">
-                <adec:decorative xmlns="" xmlns:adec="http://schemas.microsoft.com/office/drawing/2017/decorative" val="1"/>
+                <adec:decorative xmlns:adec="http://schemas.microsoft.com/office/drawing/2017/decorative" val="1"/>
               </a:ext>
             </a:extLst>
           </p:cNvPr>
@@ -12859,7 +12777,7 @@
                 <a16:creationId xmlns:a16="http://schemas.microsoft.com/office/drawing/2014/main" id="{AEDEC010-DDB9-42D4-B78F-4D54E3BEA4FF}"/>
               </a:ext>
               <a:ext uri="{C183D7F6-B498-43B3-948B-1728B52AA6E4}">
-                <adec:decorative xmlns="" xmlns:adec="http://schemas.microsoft.com/office/drawing/2017/decorative" val="1"/>
+                <adec:decorative xmlns:adec="http://schemas.microsoft.com/office/drawing/2017/decorative" val="1"/>
               </a:ext>
             </a:extLst>
           </p:cNvPr>
@@ -13263,7 +13181,7 @@
                 <a16:creationId xmlns:a16="http://schemas.microsoft.com/office/drawing/2014/main" id="{23268861-55BD-4B42-9602-50B6350788AD}"/>
               </a:ext>
               <a:ext uri="{C183D7F6-B498-43B3-948B-1728B52AA6E4}">
-                <adec:decorative xmlns="" xmlns:adec="http://schemas.microsoft.com/office/drawing/2017/decorative" val="1"/>
+                <adec:decorative xmlns:adec="http://schemas.microsoft.com/office/drawing/2017/decorative" val="1"/>
               </a:ext>
             </a:extLst>
           </p:cNvPr>
@@ -21936,15 +21854,7 @@
           <a:p>
             <a:r>
               <a:rPr lang="en-US" dirty="0"/>
-              <a:t>CALIBER </a:t>
-            </a:r>
-            <a:r>
-              <a:rPr lang="en-US" dirty="0" smtClean="0"/>
-              <a:t>2020 </a:t>
-            </a:r>
-            <a:r>
-              <a:rPr lang="en-US" dirty="0"/>
-              <a:t>Hackathon Submission</a:t>
+              <a:t>CALIBER 2020 Hackathon Submission</a:t>
             </a:r>
           </a:p>
         </p:txBody>
@@ -21975,18 +21885,13 @@
               <a:buNone/>
             </a:pPr>
             <a:r>
-              <a:rPr lang="en-US" sz="2200" b="1" dirty="0" smtClean="0">
+              <a:rPr lang="en-US" sz="2200" b="1" dirty="0">
                 <a:solidFill>
                   <a:schemeClr val="tx1"/>
                 </a:solidFill>
               </a:rPr>
               <a:t>Team Cognitive Searchers</a:t>
             </a:r>
-            <a:endParaRPr lang="en-US" sz="2200" b="1" dirty="0">
-              <a:solidFill>
-                <a:schemeClr val="tx1"/>
-              </a:solidFill>
-            </a:endParaRPr>
           </a:p>
           <a:p>
             <a:pPr lvl="1">
@@ -21994,7 +21899,7 @@
               <a:buChar char="•"/>
             </a:pPr>
             <a:r>
-              <a:rPr lang="en-US" sz="1400" dirty="0" smtClean="0"/>
+              <a:rPr lang="en-US" sz="1400" dirty="0"/>
               <a:t>Sabarish V</a:t>
             </a:r>
           </a:p>
@@ -22004,7 +21909,7 @@
               <a:buChar char="•"/>
             </a:pPr>
             <a:r>
-              <a:rPr lang="en-US" sz="1400" dirty="0" err="1" smtClean="0">
+              <a:rPr lang="en-US" sz="1400" dirty="0" err="1">
                 <a:solidFill>
                   <a:schemeClr val="tx1"/>
                 </a:solidFill>
@@ -22012,7 +21917,7 @@
               <a:t>Pandiyan</a:t>
             </a:r>
             <a:r>
-              <a:rPr lang="en-US" sz="1400" dirty="0" smtClean="0">
+              <a:rPr lang="en-US" sz="1400" dirty="0">
                 <a:solidFill>
                   <a:schemeClr val="tx1"/>
                 </a:solidFill>
@@ -22026,7 +21931,7 @@
               <a:buChar char="•"/>
             </a:pPr>
             <a:r>
-              <a:rPr lang="en-US" sz="1400" dirty="0" err="1" smtClean="0">
+              <a:rPr lang="en-US" sz="1400" dirty="0" err="1">
                 <a:solidFill>
                   <a:schemeClr val="tx1"/>
                 </a:solidFill>
@@ -22034,7 +21939,7 @@
               <a:t>Karthikeyan</a:t>
             </a:r>
             <a:r>
-              <a:rPr lang="en-US" sz="1400" dirty="0" smtClean="0">
+              <a:rPr lang="en-US" sz="1400" dirty="0">
                 <a:solidFill>
                   <a:schemeClr val="tx1"/>
                 </a:solidFill>
@@ -22042,7 +21947,7 @@
               <a:t> </a:t>
             </a:r>
             <a:r>
-              <a:rPr lang="en-US" sz="1400" dirty="0" err="1" smtClean="0">
+              <a:rPr lang="en-US" sz="1400" dirty="0" err="1">
                 <a:solidFill>
                   <a:schemeClr val="tx1"/>
                 </a:solidFill>
@@ -22061,11 +21966,11 @@
               <a:buChar char="•"/>
             </a:pPr>
             <a:r>
-              <a:rPr lang="en-US" sz="1400" dirty="0" err="1" smtClean="0"/>
+              <a:rPr lang="en-US" sz="1400" dirty="0" err="1"/>
               <a:t>Sriram</a:t>
             </a:r>
             <a:r>
-              <a:rPr lang="en-US" sz="1400" dirty="0" smtClean="0"/>
+              <a:rPr lang="en-US" sz="1400" dirty="0"/>
               <a:t> T</a:t>
             </a:r>
           </a:p>
@@ -22075,7 +21980,7 @@
               <a:buChar char="•"/>
             </a:pPr>
             <a:r>
-              <a:rPr lang="en-US" sz="1400" dirty="0" err="1" smtClean="0">
+              <a:rPr lang="en-US" sz="1400" dirty="0" err="1">
                 <a:solidFill>
                   <a:schemeClr val="tx1"/>
                 </a:solidFill>
@@ -22083,7 +21988,7 @@
               <a:t>Vetrivel</a:t>
             </a:r>
             <a:r>
-              <a:rPr lang="en-US" sz="1400" dirty="0" smtClean="0">
+              <a:rPr lang="en-US" sz="1400" dirty="0">
                 <a:solidFill>
                   <a:schemeClr val="tx1"/>
                 </a:solidFill>
@@ -22091,7 +21996,7 @@
               <a:t> </a:t>
             </a:r>
             <a:r>
-              <a:rPr lang="en-US" sz="1400" dirty="0" err="1" smtClean="0">
+              <a:rPr lang="en-US" sz="1400" dirty="0" err="1">
                 <a:solidFill>
                   <a:schemeClr val="tx1"/>
                 </a:solidFill>
@@ -22151,6 +22056,728 @@
           <a:chExt cx="0" cy="0"/>
         </a:xfrm>
       </p:grpSpPr>
+      <p:sp>
+        <p:nvSpPr>
+          <p:cNvPr id="2" name="Title 1">
+            <a:extLst>
+              <a:ext uri="{FF2B5EF4-FFF2-40B4-BE49-F238E27FC236}">
+                <a16:creationId xmlns:a16="http://schemas.microsoft.com/office/drawing/2014/main" id="{92BE1FC7-897F-4923-B824-0B64913A5BBC}"/>
+              </a:ext>
+            </a:extLst>
+          </p:cNvPr>
+          <p:cNvSpPr>
+            <a:spLocks noGrp="1"/>
+          </p:cNvSpPr>
+          <p:nvPr>
+            <p:ph type="title"/>
+          </p:nvPr>
+        </p:nvSpPr>
+        <p:spPr/>
+        <p:txBody>
+          <a:bodyPr/>
+          <a:lstStyle/>
+          <a:p>
+            <a:r>
+              <a:rPr lang="en-US" dirty="0"/>
+              <a:t>What it does (detail it out)?</a:t>
+            </a:r>
+          </a:p>
+        </p:txBody>
+      </p:sp>
+      <p:sp>
+        <p:nvSpPr>
+          <p:cNvPr id="3" name="Slide Number Placeholder 2">
+            <a:extLst>
+              <a:ext uri="{FF2B5EF4-FFF2-40B4-BE49-F238E27FC236}">
+                <a16:creationId xmlns:a16="http://schemas.microsoft.com/office/drawing/2014/main" id="{91D6EE68-3801-4537-A046-02005B96209C}"/>
+              </a:ext>
+            </a:extLst>
+          </p:cNvPr>
+          <p:cNvSpPr>
+            <a:spLocks noGrp="1"/>
+          </p:cNvSpPr>
+          <p:nvPr>
+            <p:ph type="sldNum" sz="quarter" idx="4294967295"/>
+          </p:nvPr>
+        </p:nvSpPr>
+        <p:spPr>
+          <a:xfrm>
+            <a:off x="8704263" y="4786313"/>
+            <a:ext cx="439737" cy="325437"/>
+          </a:xfrm>
+          <a:prstGeom prst="rect">
+            <a:avLst/>
+          </a:prstGeom>
+        </p:spPr>
+        <p:txBody>
+          <a:bodyPr/>
+          <a:lstStyle/>
+          <a:p>
+            <a:fld id="{B32AB80A-78BA-6B42-BA0D-B44ACF890F5A}" type="slidenum">
+              <a:rPr lang="en-US" smtClean="0">
+                <a:solidFill>
+                  <a:prstClr val="white"/>
+                </a:solidFill>
+              </a:rPr>
+              <a:pPr/>
+              <a:t>10</a:t>
+            </a:fld>
+            <a:endParaRPr lang="en-US" dirty="0">
+              <a:solidFill>
+                <a:prstClr val="white"/>
+              </a:solidFill>
+            </a:endParaRPr>
+          </a:p>
+        </p:txBody>
+      </p:sp>
+      <p:sp>
+        <p:nvSpPr>
+          <p:cNvPr id="4" name="TextBox 3">
+            <a:extLst>
+              <a:ext uri="{FF2B5EF4-FFF2-40B4-BE49-F238E27FC236}">
+                <a16:creationId xmlns:a16="http://schemas.microsoft.com/office/drawing/2014/main" id="{D35C41E9-9C3F-4DBC-B364-FCAE3676D463}"/>
+              </a:ext>
+            </a:extLst>
+          </p:cNvPr>
+          <p:cNvSpPr txBox="1"/>
+          <p:nvPr/>
+        </p:nvSpPr>
+        <p:spPr>
+          <a:xfrm>
+            <a:off x="440055" y="866898"/>
+            <a:ext cx="8263890" cy="4484176"/>
+          </a:xfrm>
+          <a:prstGeom prst="rect">
+            <a:avLst/>
+          </a:prstGeom>
+          <a:noFill/>
+        </p:spPr>
+        <p:txBody>
+          <a:bodyPr wrap="square" lIns="0" tIns="0" rIns="0" bIns="0" rtlCol="0">
+            <a:spAutoFit/>
+          </a:bodyPr>
+          <a:lstStyle/>
+          <a:p>
+            <a:pPr algn="just">
+              <a:lnSpc>
+                <a:spcPct val="150000"/>
+              </a:lnSpc>
+            </a:pPr>
+            <a:r>
+              <a:rPr lang="en-US" sz="1400" dirty="0">
+                <a:gradFill>
+                  <a:gsLst>
+                    <a:gs pos="2917">
+                      <a:schemeClr val="tx1"/>
+                    </a:gs>
+                    <a:gs pos="30000">
+                      <a:schemeClr val="tx1"/>
+                    </a:gs>
+                  </a:gsLst>
+                  <a:lin ang="5400000" scaled="0"/>
+                </a:gradFill>
+              </a:rPr>
+              <a:t> We are going to handle structured and unstructured data using Azure Cognitive Search.</a:t>
+            </a:r>
+          </a:p>
+          <a:p>
+            <a:pPr marL="285750" indent="-285750" algn="just">
+              <a:lnSpc>
+                <a:spcPct val="150000"/>
+              </a:lnSpc>
+              <a:buFont typeface="Arial" panose="020B0604020202020204" pitchFamily="34" charset="0"/>
+              <a:buChar char="•"/>
+            </a:pPr>
+            <a:r>
+              <a:rPr lang="en-US" sz="1400" dirty="0">
+                <a:gradFill>
+                  <a:gsLst>
+                    <a:gs pos="2917">
+                      <a:schemeClr val="tx1"/>
+                    </a:gs>
+                    <a:gs pos="30000">
+                      <a:schemeClr val="tx1"/>
+                    </a:gs>
+                  </a:gsLst>
+                  <a:lin ang="5400000" scaled="0"/>
+                </a:gradFill>
+              </a:rPr>
+              <a:t>How we handled structured data? </a:t>
+            </a:r>
+          </a:p>
+          <a:p>
+            <a:pPr marL="742950" lvl="1" indent="-285750" algn="just">
+              <a:lnSpc>
+                <a:spcPct val="150000"/>
+              </a:lnSpc>
+              <a:buFont typeface="Arial" panose="020B0604020202020204" pitchFamily="34" charset="0"/>
+              <a:buChar char="•"/>
+            </a:pPr>
+            <a:r>
+              <a:rPr lang="en-US" sz="1400" dirty="0">
+                <a:gradFill>
+                  <a:gsLst>
+                    <a:gs pos="2917">
+                      <a:schemeClr val="tx1"/>
+                    </a:gs>
+                    <a:gs pos="30000">
+                      <a:schemeClr val="tx1"/>
+                    </a:gs>
+                  </a:gsLst>
+                  <a:lin ang="5400000" scaled="0"/>
+                </a:gradFill>
+              </a:rPr>
+              <a:t>Structured data’s are processing as json output and uploaded to blob storage using MVC Web App and will create a separate azure search index for structured json content</a:t>
+            </a:r>
+          </a:p>
+          <a:p>
+            <a:pPr marL="285750" indent="-285750" algn="just">
+              <a:lnSpc>
+                <a:spcPct val="150000"/>
+              </a:lnSpc>
+              <a:buFont typeface="Arial" panose="020B0604020202020204" pitchFamily="34" charset="0"/>
+              <a:buChar char="•"/>
+            </a:pPr>
+            <a:r>
+              <a:rPr lang="en-US" sz="1400" dirty="0">
+                <a:gradFill>
+                  <a:gsLst>
+                    <a:gs pos="2917">
+                      <a:schemeClr val="tx1"/>
+                    </a:gs>
+                    <a:gs pos="30000">
+                      <a:schemeClr val="tx1"/>
+                    </a:gs>
+                  </a:gsLst>
+                  <a:lin ang="5400000" scaled="0"/>
+                </a:gradFill>
+              </a:rPr>
+              <a:t>How we handled un-structured data’s ? (Image, Documents, Audio and Video files)</a:t>
+            </a:r>
+          </a:p>
+          <a:p>
+            <a:pPr marL="742950" lvl="1" indent="-285750" algn="just">
+              <a:lnSpc>
+                <a:spcPct val="150000"/>
+              </a:lnSpc>
+              <a:buFont typeface="Arial" panose="020B0604020202020204" pitchFamily="34" charset="0"/>
+              <a:buChar char="•"/>
+            </a:pPr>
+            <a:r>
+              <a:rPr lang="en-US" sz="1400" dirty="0">
+                <a:gradFill>
+                  <a:gsLst>
+                    <a:gs pos="2917">
+                      <a:schemeClr val="tx1"/>
+                    </a:gs>
+                    <a:gs pos="30000">
+                      <a:schemeClr val="tx1"/>
+                    </a:gs>
+                  </a:gsLst>
+                  <a:lin ang="5400000" scaled="0"/>
+                </a:gradFill>
+              </a:rPr>
+              <a:t>Image and Documents</a:t>
+            </a:r>
+          </a:p>
+          <a:p>
+            <a:pPr marL="1200150" lvl="2" indent="-285750" algn="just">
+              <a:lnSpc>
+                <a:spcPct val="150000"/>
+              </a:lnSpc>
+              <a:buFont typeface="Arial" panose="020B0604020202020204" pitchFamily="34" charset="0"/>
+              <a:buChar char="•"/>
+            </a:pPr>
+            <a:r>
+              <a:rPr lang="en-US" sz="1400" dirty="0">
+                <a:gradFill>
+                  <a:gsLst>
+                    <a:gs pos="2917">
+                      <a:schemeClr val="tx1"/>
+                    </a:gs>
+                    <a:gs pos="30000">
+                      <a:schemeClr val="tx1"/>
+                    </a:gs>
+                  </a:gsLst>
+                  <a:lin ang="5400000" scaled="0"/>
+                </a:gradFill>
+              </a:rPr>
+              <a:t>We are using Azure Cognitive AI Enrichment Skill Set to read the image and documents content. It will convert the output as json and it indexed and store it target search index.</a:t>
+            </a:r>
+          </a:p>
+          <a:p>
+            <a:pPr marL="742950" lvl="1" indent="-285750" algn="just">
+              <a:lnSpc>
+                <a:spcPct val="150000"/>
+              </a:lnSpc>
+              <a:buFont typeface="Arial" panose="020B0604020202020204" pitchFamily="34" charset="0"/>
+              <a:buChar char="•"/>
+            </a:pPr>
+            <a:r>
+              <a:rPr lang="en-US" sz="1400" dirty="0">
+                <a:gradFill>
+                  <a:gsLst>
+                    <a:gs pos="2917">
+                      <a:schemeClr val="tx1"/>
+                    </a:gs>
+                    <a:gs pos="30000">
+                      <a:schemeClr val="tx1"/>
+                    </a:gs>
+                  </a:gsLst>
+                  <a:lin ang="5400000" scaled="0"/>
+                </a:gradFill>
+              </a:rPr>
+              <a:t>Audio files</a:t>
+            </a:r>
+          </a:p>
+          <a:p>
+            <a:pPr marL="1200150" lvl="2" indent="-285750" algn="just">
+              <a:lnSpc>
+                <a:spcPct val="150000"/>
+              </a:lnSpc>
+              <a:buFont typeface="Arial" panose="020B0604020202020204" pitchFamily="34" charset="0"/>
+              <a:buChar char="•"/>
+            </a:pPr>
+            <a:r>
+              <a:rPr lang="en-US" sz="1400" dirty="0">
+                <a:gradFill>
+                  <a:gsLst>
+                    <a:gs pos="2917">
+                      <a:schemeClr val="tx1"/>
+                    </a:gs>
+                    <a:gs pos="30000">
+                      <a:schemeClr val="tx1"/>
+                    </a:gs>
+                  </a:gsLst>
+                  <a:lin ang="5400000" scaled="0"/>
+                </a:gradFill>
+              </a:rPr>
+              <a:t>Audio files contents are extracted using Cognitive Speech Recognizer Services and stored to Cosmos DB. Creating a separate azure search index for audio files using Cosmos DB as data source.</a:t>
+            </a:r>
+          </a:p>
+          <a:p>
+            <a:pPr lvl="1" algn="just">
+              <a:lnSpc>
+                <a:spcPct val="150000"/>
+              </a:lnSpc>
+            </a:pPr>
+            <a:endParaRPr lang="en-US" sz="1400" dirty="0">
+              <a:gradFill>
+                <a:gsLst>
+                  <a:gs pos="2917">
+                    <a:schemeClr val="tx1"/>
+                  </a:gs>
+                  <a:gs pos="30000">
+                    <a:schemeClr val="tx1"/>
+                  </a:gs>
+                </a:gsLst>
+                <a:lin ang="5400000" scaled="0"/>
+              </a:gradFill>
+            </a:endParaRPr>
+          </a:p>
+          <a:p>
+            <a:pPr marL="285750" indent="-285750" algn="just">
+              <a:lnSpc>
+                <a:spcPct val="150000"/>
+              </a:lnSpc>
+              <a:buFont typeface="Arial" panose="020B0604020202020204" pitchFamily="34" charset="0"/>
+              <a:buChar char="•"/>
+            </a:pPr>
+            <a:endParaRPr lang="en-US" sz="1400" dirty="0">
+              <a:gradFill>
+                <a:gsLst>
+                  <a:gs pos="2917">
+                    <a:schemeClr val="tx1"/>
+                  </a:gs>
+                  <a:gs pos="30000">
+                    <a:schemeClr val="tx1"/>
+                  </a:gs>
+                </a:gsLst>
+                <a:lin ang="5400000" scaled="0"/>
+              </a:gradFill>
+            </a:endParaRPr>
+          </a:p>
+        </p:txBody>
+      </p:sp>
+    </p:spTree>
+    <p:extLst>
+      <p:ext uri="{BB962C8B-B14F-4D97-AF65-F5344CB8AC3E}">
+        <p14:creationId xmlns:p14="http://schemas.microsoft.com/office/powerpoint/2010/main" val="4285347726"/>
+      </p:ext>
+    </p:extLst>
+  </p:cSld>
+  <p:clrMapOvr>
+    <a:masterClrMapping/>
+  </p:clrMapOvr>
+  <p:transition>
+    <p:fade/>
+  </p:transition>
+</p:sld>
+</file>
+
+<file path=ppt/slides/slide11.xml><?xml version="1.0" encoding="utf-8"?>
+<p:sld xmlns:a="http://schemas.openxmlformats.org/drawingml/2006/main" xmlns:r="http://schemas.openxmlformats.org/officeDocument/2006/relationships" xmlns:p="http://schemas.openxmlformats.org/presentationml/2006/main">
+  <p:cSld>
+    <p:spTree>
+      <p:nvGrpSpPr>
+        <p:cNvPr id="1" name=""/>
+        <p:cNvGrpSpPr/>
+        <p:nvPr/>
+      </p:nvGrpSpPr>
+      <p:grpSpPr>
+        <a:xfrm>
+          <a:off x="0" y="0"/>
+          <a:ext cx="0" cy="0"/>
+          <a:chOff x="0" y="0"/>
+          <a:chExt cx="0" cy="0"/>
+        </a:xfrm>
+      </p:grpSpPr>
+      <p:sp>
+        <p:nvSpPr>
+          <p:cNvPr id="2" name="Title 1">
+            <a:extLst>
+              <a:ext uri="{FF2B5EF4-FFF2-40B4-BE49-F238E27FC236}">
+                <a16:creationId xmlns:a16="http://schemas.microsoft.com/office/drawing/2014/main" id="{92BE1FC7-897F-4923-B824-0B64913A5BBC}"/>
+              </a:ext>
+            </a:extLst>
+          </p:cNvPr>
+          <p:cNvSpPr>
+            <a:spLocks noGrp="1"/>
+          </p:cNvSpPr>
+          <p:nvPr>
+            <p:ph type="title"/>
+          </p:nvPr>
+        </p:nvSpPr>
+        <p:spPr/>
+        <p:txBody>
+          <a:bodyPr/>
+          <a:lstStyle/>
+          <a:p>
+            <a:r>
+              <a:rPr lang="en-US" dirty="0"/>
+              <a:t>What it does (detail it out) – Continued…</a:t>
+            </a:r>
+          </a:p>
+        </p:txBody>
+      </p:sp>
+      <p:sp>
+        <p:nvSpPr>
+          <p:cNvPr id="3" name="Slide Number Placeholder 2">
+            <a:extLst>
+              <a:ext uri="{FF2B5EF4-FFF2-40B4-BE49-F238E27FC236}">
+                <a16:creationId xmlns:a16="http://schemas.microsoft.com/office/drawing/2014/main" id="{91D6EE68-3801-4537-A046-02005B96209C}"/>
+              </a:ext>
+            </a:extLst>
+          </p:cNvPr>
+          <p:cNvSpPr>
+            <a:spLocks noGrp="1"/>
+          </p:cNvSpPr>
+          <p:nvPr>
+            <p:ph type="sldNum" sz="quarter" idx="4294967295"/>
+          </p:nvPr>
+        </p:nvSpPr>
+        <p:spPr>
+          <a:xfrm>
+            <a:off x="8704263" y="4786313"/>
+            <a:ext cx="439737" cy="325437"/>
+          </a:xfrm>
+          <a:prstGeom prst="rect">
+            <a:avLst/>
+          </a:prstGeom>
+        </p:spPr>
+        <p:txBody>
+          <a:bodyPr/>
+          <a:lstStyle/>
+          <a:p>
+            <a:fld id="{B32AB80A-78BA-6B42-BA0D-B44ACF890F5A}" type="slidenum">
+              <a:rPr lang="en-US" smtClean="0">
+                <a:solidFill>
+                  <a:prstClr val="white"/>
+                </a:solidFill>
+              </a:rPr>
+              <a:pPr/>
+              <a:t>11</a:t>
+            </a:fld>
+            <a:endParaRPr lang="en-US" dirty="0">
+              <a:solidFill>
+                <a:prstClr val="white"/>
+              </a:solidFill>
+            </a:endParaRPr>
+          </a:p>
+        </p:txBody>
+      </p:sp>
+      <p:sp>
+        <p:nvSpPr>
+          <p:cNvPr id="4" name="TextBox 3">
+            <a:extLst>
+              <a:ext uri="{FF2B5EF4-FFF2-40B4-BE49-F238E27FC236}">
+                <a16:creationId xmlns:a16="http://schemas.microsoft.com/office/drawing/2014/main" id="{D35C41E9-9C3F-4DBC-B364-FCAE3676D463}"/>
+              </a:ext>
+            </a:extLst>
+          </p:cNvPr>
+          <p:cNvSpPr txBox="1"/>
+          <p:nvPr/>
+        </p:nvSpPr>
+        <p:spPr>
+          <a:xfrm>
+            <a:off x="440055" y="866898"/>
+            <a:ext cx="8263890" cy="2949141"/>
+          </a:xfrm>
+          <a:prstGeom prst="rect">
+            <a:avLst/>
+          </a:prstGeom>
+          <a:noFill/>
+        </p:spPr>
+        <p:txBody>
+          <a:bodyPr wrap="square" lIns="0" tIns="0" rIns="0" bIns="0" rtlCol="0">
+            <a:spAutoFit/>
+          </a:bodyPr>
+          <a:lstStyle/>
+          <a:p>
+            <a:pPr marL="285750" indent="-285750" algn="just">
+              <a:lnSpc>
+                <a:spcPct val="150000"/>
+              </a:lnSpc>
+              <a:buFont typeface="Arial" panose="020B0604020202020204" pitchFamily="34" charset="0"/>
+              <a:buChar char="•"/>
+            </a:pPr>
+            <a:r>
+              <a:rPr lang="en-US" sz="1400" dirty="0">
+                <a:gradFill>
+                  <a:gsLst>
+                    <a:gs pos="2917">
+                      <a:schemeClr val="tx1"/>
+                    </a:gs>
+                    <a:gs pos="30000">
+                      <a:schemeClr val="tx1"/>
+                    </a:gs>
+                  </a:gsLst>
+                  <a:lin ang="5400000" scaled="0"/>
+                </a:gradFill>
+              </a:rPr>
+              <a:t>Video files</a:t>
+            </a:r>
+          </a:p>
+          <a:p>
+            <a:pPr marL="742950" lvl="1" indent="-285750" algn="just">
+              <a:lnSpc>
+                <a:spcPct val="150000"/>
+              </a:lnSpc>
+              <a:buFont typeface="Arial" panose="020B0604020202020204" pitchFamily="34" charset="0"/>
+              <a:buChar char="•"/>
+            </a:pPr>
+            <a:r>
+              <a:rPr lang="en-US" sz="1400" dirty="0">
+                <a:gradFill>
+                  <a:gsLst>
+                    <a:gs pos="2917">
+                      <a:schemeClr val="tx1"/>
+                    </a:gs>
+                    <a:gs pos="30000">
+                      <a:schemeClr val="tx1"/>
+                    </a:gs>
+                  </a:gsLst>
+                  <a:lin ang="5400000" scaled="0"/>
+                </a:gradFill>
+              </a:rPr>
+              <a:t>Video files contents are extracted using Azure Media Services (Video Indexer) and the output as json content stored to blob storage. Creating a separate azure search index for extracted video content as source from blob storage.</a:t>
+            </a:r>
+          </a:p>
+          <a:p>
+            <a:pPr marL="285750" indent="-285750" algn="just">
+              <a:lnSpc>
+                <a:spcPct val="150000"/>
+              </a:lnSpc>
+              <a:buFont typeface="Arial" panose="020B0604020202020204" pitchFamily="34" charset="0"/>
+              <a:buChar char="•"/>
+            </a:pPr>
+            <a:r>
+              <a:rPr lang="en-US" sz="1400" dirty="0">
+                <a:gradFill>
+                  <a:gsLst>
+                    <a:gs pos="2917">
+                      <a:schemeClr val="tx1"/>
+                    </a:gs>
+                    <a:gs pos="30000">
+                      <a:schemeClr val="tx1"/>
+                    </a:gs>
+                  </a:gsLst>
+                  <a:lin ang="5400000" scaled="0"/>
+                </a:gradFill>
+              </a:rPr>
+              <a:t>How we are merging structured and un-structured data?</a:t>
+            </a:r>
+          </a:p>
+          <a:p>
+            <a:pPr marL="742950" lvl="1" indent="-285750" algn="just">
+              <a:lnSpc>
+                <a:spcPct val="150000"/>
+              </a:lnSpc>
+              <a:buFont typeface="Arial" panose="020B0604020202020204" pitchFamily="34" charset="0"/>
+              <a:buChar char="•"/>
+            </a:pPr>
+            <a:r>
+              <a:rPr lang="en-US" sz="1400" dirty="0">
+                <a:gradFill>
+                  <a:gsLst>
+                    <a:gs pos="2917">
+                      <a:schemeClr val="tx1"/>
+                    </a:gs>
+                    <a:gs pos="30000">
+                      <a:schemeClr val="tx1"/>
+                    </a:gs>
+                  </a:gsLst>
+                  <a:lin ang="5400000" scaled="0"/>
+                </a:gradFill>
+              </a:rPr>
+              <a:t>We are creating another index as target from merging of all Search Indexers.</a:t>
+            </a:r>
+          </a:p>
+          <a:p>
+            <a:pPr marL="742950" lvl="1" indent="-285750" algn="just">
+              <a:lnSpc>
+                <a:spcPct val="150000"/>
+              </a:lnSpc>
+              <a:buFont typeface="Arial" panose="020B0604020202020204" pitchFamily="34" charset="0"/>
+              <a:buChar char="•"/>
+            </a:pPr>
+            <a:r>
+              <a:rPr lang="en-US" sz="1400" dirty="0">
+                <a:gradFill>
+                  <a:gsLst>
+                    <a:gs pos="2917">
+                      <a:schemeClr val="tx1"/>
+                    </a:gs>
+                    <a:gs pos="30000">
+                      <a:schemeClr val="tx1"/>
+                    </a:gs>
+                  </a:gsLst>
+                  <a:lin ang="5400000" scaled="0"/>
+                </a:gradFill>
+              </a:rPr>
+              <a:t>Updating all indexer pointing to target search index. Now the contents are merged from all indexers to target index.</a:t>
+            </a:r>
+          </a:p>
+          <a:p>
+            <a:pPr marL="285750" indent="-285750" algn="just">
+              <a:lnSpc>
+                <a:spcPct val="200000"/>
+              </a:lnSpc>
+              <a:buFont typeface="Arial" panose="020B0604020202020204" pitchFamily="34" charset="0"/>
+              <a:buChar char="•"/>
+            </a:pPr>
+            <a:r>
+              <a:rPr lang="en-US" sz="1400" dirty="0">
+                <a:gradFill>
+                  <a:gsLst>
+                    <a:gs pos="2917">
+                      <a:schemeClr val="tx1"/>
+                    </a:gs>
+                    <a:gs pos="30000">
+                      <a:schemeClr val="tx1"/>
+                    </a:gs>
+                  </a:gsLst>
+                  <a:lin ang="5400000" scaled="0"/>
+                </a:gradFill>
+              </a:rPr>
+              <a:t>Enterprise Search and Chat Bot Service uses the above target index.</a:t>
+            </a:r>
+          </a:p>
+        </p:txBody>
+      </p:sp>
+    </p:spTree>
+    <p:extLst>
+      <p:ext uri="{BB962C8B-B14F-4D97-AF65-F5344CB8AC3E}">
+        <p14:creationId xmlns:p14="http://schemas.microsoft.com/office/powerpoint/2010/main" val="4109946066"/>
+      </p:ext>
+    </p:extLst>
+  </p:cSld>
+  <p:clrMapOvr>
+    <a:masterClrMapping/>
+  </p:clrMapOvr>
+  <p:transition>
+    <p:fade/>
+  </p:transition>
+</p:sld>
+</file>
+
+<file path=ppt/slides/slide12.xml><?xml version="1.0" encoding="utf-8"?>
+<p:sld xmlns:a="http://schemas.openxmlformats.org/drawingml/2006/main" xmlns:r="http://schemas.openxmlformats.org/officeDocument/2006/relationships" xmlns:p="http://schemas.openxmlformats.org/presentationml/2006/main">
+  <p:cSld>
+    <p:spTree>
+      <p:nvGrpSpPr>
+        <p:cNvPr id="1" name=""/>
+        <p:cNvGrpSpPr/>
+        <p:nvPr/>
+      </p:nvGrpSpPr>
+      <p:grpSpPr>
+        <a:xfrm>
+          <a:off x="0" y="0"/>
+          <a:ext cx="0" cy="0"/>
+          <a:chOff x="0" y="0"/>
+          <a:chExt cx="0" cy="0"/>
+        </a:xfrm>
+      </p:grpSpPr>
+      <p:pic>
+        <p:nvPicPr>
+          <p:cNvPr id="67" name="Picture 66">
+            <a:extLst>
+              <a:ext uri="{FF2B5EF4-FFF2-40B4-BE49-F238E27FC236}">
+                <a16:creationId xmlns:a16="http://schemas.microsoft.com/office/drawing/2014/main" id="{0B2BA0FB-ABED-4AEC-AC5F-B54F4543C97F}"/>
+              </a:ext>
+            </a:extLst>
+          </p:cNvPr>
+          <p:cNvPicPr>
+            <a:picLocks noChangeAspect="1"/>
+          </p:cNvPicPr>
+          <p:nvPr/>
+        </p:nvPicPr>
+        <p:blipFill>
+          <a:blip r:embed="rId2"/>
+          <a:stretch>
+            <a:fillRect/>
+          </a:stretch>
+        </p:blipFill>
+        <p:spPr>
+          <a:xfrm>
+            <a:off x="1749115" y="2794662"/>
+            <a:ext cx="857250" cy="171450"/>
+          </a:xfrm>
+          <a:prstGeom prst="rect">
+            <a:avLst/>
+          </a:prstGeom>
+        </p:spPr>
+      </p:pic>
+      <p:pic>
+        <p:nvPicPr>
+          <p:cNvPr id="47" name="Picture 46">
+            <a:extLst>
+              <a:ext uri="{FF2B5EF4-FFF2-40B4-BE49-F238E27FC236}">
+                <a16:creationId xmlns:a16="http://schemas.microsoft.com/office/drawing/2014/main" id="{AFA0B42D-89CE-4B90-8EAF-D4F2506E09FE}"/>
+              </a:ext>
+            </a:extLst>
+          </p:cNvPr>
+          <p:cNvPicPr>
+            <a:picLocks noChangeAspect="1"/>
+          </p:cNvPicPr>
+          <p:nvPr/>
+        </p:nvPicPr>
+        <p:blipFill>
+          <a:blip r:embed="rId3"/>
+          <a:stretch>
+            <a:fillRect/>
+          </a:stretch>
+        </p:blipFill>
+        <p:spPr>
+          <a:xfrm>
+            <a:off x="2307443" y="2573323"/>
+            <a:ext cx="665533" cy="123446"/>
+          </a:xfrm>
+          <a:prstGeom prst="rect">
+            <a:avLst/>
+          </a:prstGeom>
+        </p:spPr>
+      </p:pic>
       <p:sp>
         <p:nvSpPr>
           <p:cNvPr id="9" name="Rectangle 8">
@@ -22296,7 +22923,7 @@
           <p:nvPr/>
         </p:nvPicPr>
         <p:blipFill>
-          <a:blip r:embed="rId2"/>
+          <a:blip r:embed="rId4"/>
           <a:stretch>
             <a:fillRect/>
           </a:stretch>
@@ -22326,7 +22953,7 @@
           <p:nvPr/>
         </p:nvPicPr>
         <p:blipFill>
-          <a:blip r:embed="rId3"/>
+          <a:blip r:embed="rId5"/>
           <a:stretch>
             <a:fillRect/>
           </a:stretch>
@@ -22356,7 +22983,7 @@
           <p:nvPr/>
         </p:nvPicPr>
         <p:blipFill>
-          <a:blip r:embed="rId4"/>
+          <a:blip r:embed="rId6"/>
           <a:stretch>
             <a:fillRect/>
           </a:stretch>
@@ -22386,7 +23013,7 @@
           <p:nvPr/>
         </p:nvPicPr>
         <p:blipFill>
-          <a:blip r:embed="rId5"/>
+          <a:blip r:embed="rId7"/>
           <a:stretch>
             <a:fillRect/>
           </a:stretch>
@@ -22416,7 +23043,7 @@
           <p:nvPr/>
         </p:nvPicPr>
         <p:blipFill>
-          <a:blip r:embed="rId6"/>
+          <a:blip r:embed="rId8"/>
           <a:stretch>
             <a:fillRect/>
           </a:stretch>
@@ -22560,7 +23187,7 @@
           <p:nvPr/>
         </p:nvPicPr>
         <p:blipFill>
-          <a:blip r:embed="rId7"/>
+          <a:blip r:embed="rId9"/>
           <a:stretch>
             <a:fillRect/>
           </a:stretch>
@@ -22783,7 +23410,7 @@
           <p:nvPr/>
         </p:nvPicPr>
         <p:blipFill>
-          <a:blip r:embed="rId8"/>
+          <a:blip r:embed="rId10"/>
           <a:stretch>
             <a:fillRect/>
           </a:stretch>
@@ -22848,7 +23475,7 @@
           <p:nvPr/>
         </p:nvPicPr>
         <p:blipFill>
-          <a:blip r:embed="rId9"/>
+          <a:blip r:embed="rId11"/>
           <a:stretch>
             <a:fillRect/>
           </a:stretch>
@@ -22878,7 +23505,7 @@
           <p:nvPr/>
         </p:nvPicPr>
         <p:blipFill>
-          <a:blip r:embed="rId10"/>
+          <a:blip r:embed="rId12"/>
           <a:stretch>
             <a:fillRect/>
           </a:stretch>
@@ -22908,7 +23535,7 @@
           <p:nvPr/>
         </p:nvPicPr>
         <p:blipFill>
-          <a:blip r:embed="rId11"/>
+          <a:blip r:embed="rId13"/>
           <a:stretch>
             <a:fillRect/>
           </a:stretch>
@@ -22938,7 +23565,7 @@
           <p:nvPr/>
         </p:nvPicPr>
         <p:blipFill>
-          <a:blip r:embed="rId12"/>
+          <a:blip r:embed="rId14"/>
           <a:stretch>
             <a:fillRect/>
           </a:stretch>
@@ -22968,15 +23595,15 @@
           <p:nvPr/>
         </p:nvPicPr>
         <p:blipFill>
-          <a:blip r:embed="rId13"/>
+          <a:blip r:embed="rId15"/>
           <a:stretch>
             <a:fillRect/>
           </a:stretch>
         </p:blipFill>
         <p:spPr>
           <a:xfrm>
-            <a:off x="3384660" y="1094212"/>
-            <a:ext cx="589949" cy="558899"/>
+            <a:off x="3496478" y="973644"/>
+            <a:ext cx="366312" cy="347032"/>
           </a:xfrm>
           <a:prstGeom prst="rect">
             <a:avLst/>
@@ -22998,7 +23625,7 @@
           <p:nvPr/>
         </p:nvPicPr>
         <p:blipFill>
-          <a:blip r:embed="rId14"/>
+          <a:blip r:embed="rId16"/>
           <a:stretch>
             <a:fillRect/>
           </a:stretch>
@@ -23028,7 +23655,7 @@
           <p:nvPr/>
         </p:nvPicPr>
         <p:blipFill>
-          <a:blip r:embed="rId15"/>
+          <a:blip r:embed="rId17"/>
           <a:stretch>
             <a:fillRect/>
           </a:stretch>
@@ -23058,7 +23685,7 @@
           <p:nvPr/>
         </p:nvPicPr>
         <p:blipFill>
-          <a:blip r:embed="rId16"/>
+          <a:blip r:embed="rId18"/>
           <a:stretch>
             <a:fillRect/>
           </a:stretch>
@@ -23088,7 +23715,7 @@
           <p:nvPr/>
         </p:nvPicPr>
         <p:blipFill>
-          <a:blip r:embed="rId17"/>
+          <a:blip r:embed="rId19"/>
           <a:stretch>
             <a:fillRect/>
           </a:stretch>
@@ -23118,7 +23745,7 @@
           <p:nvPr/>
         </p:nvPicPr>
         <p:blipFill>
-          <a:blip r:embed="rId18"/>
+          <a:blip r:embed="rId20"/>
           <a:stretch>
             <a:fillRect/>
           </a:stretch>
@@ -23148,7 +23775,7 @@
           <p:nvPr/>
         </p:nvPicPr>
         <p:blipFill>
-          <a:blip r:embed="rId19"/>
+          <a:blip r:embed="rId21"/>
           <a:stretch>
             <a:fillRect/>
           </a:stretch>
@@ -23178,7 +23805,7 @@
           <p:nvPr/>
         </p:nvPicPr>
         <p:blipFill>
-          <a:blip r:embed="rId20"/>
+          <a:blip r:embed="rId22"/>
           <a:stretch>
             <a:fillRect/>
           </a:stretch>
@@ -23208,7 +23835,7 @@
           <p:nvPr/>
         </p:nvPicPr>
         <p:blipFill>
-          <a:blip r:embed="rId21"/>
+          <a:blip r:embed="rId23"/>
           <a:stretch>
             <a:fillRect/>
           </a:stretch>
@@ -23238,7 +23865,7 @@
           <p:nvPr/>
         </p:nvPicPr>
         <p:blipFill>
-          <a:blip r:embed="rId22"/>
+          <a:blip r:embed="rId24"/>
           <a:stretch>
             <a:fillRect/>
           </a:stretch>
@@ -23347,7 +23974,7 @@
         <p:spPr>
           <a:xfrm>
             <a:off x="7433746" y="709117"/>
-            <a:ext cx="1223936" cy="507831"/>
+            <a:ext cx="1223936" cy="276999"/>
           </a:xfrm>
           <a:prstGeom prst="rect">
             <a:avLst/>
@@ -23361,7 +23988,7 @@
           <a:lstStyle/>
           <a:p>
             <a:r>
-              <a:rPr lang="en-IN" sz="1350" dirty="0"/>
+              <a:rPr lang="en-IN" sz="1200" dirty="0"/>
               <a:t>PRESENTATION</a:t>
             </a:r>
           </a:p>
@@ -23382,14 +24009,14 @@
           <p:nvPr/>
         </p:nvPicPr>
         <p:blipFill>
-          <a:blip r:embed="rId23"/>
+          <a:blip r:embed="rId25"/>
           <a:stretch>
             <a:fillRect/>
           </a:stretch>
         </p:blipFill>
         <p:spPr>
           <a:xfrm>
-            <a:off x="7560190" y="1861955"/>
+            <a:off x="7560190" y="3000762"/>
             <a:ext cx="921544" cy="507206"/>
           </a:xfrm>
           <a:prstGeom prst="rect">
@@ -23412,7 +24039,7 @@
           <p:nvPr/>
         </p:nvPicPr>
         <p:blipFill>
-          <a:blip r:embed="rId24"/>
+          <a:blip r:embed="rId2"/>
           <a:stretch>
             <a:fillRect/>
           </a:stretch>
@@ -23421,36 +24048,6 @@
           <a:xfrm>
             <a:off x="7599394" y="1535264"/>
             <a:ext cx="857250" cy="171450"/>
-          </a:xfrm>
-          <a:prstGeom prst="rect">
-            <a:avLst/>
-          </a:prstGeom>
-        </p:spPr>
-      </p:pic>
-      <p:pic>
-        <p:nvPicPr>
-          <p:cNvPr id="50" name="Picture 49">
-            <a:extLst>
-              <a:ext uri="{FF2B5EF4-FFF2-40B4-BE49-F238E27FC236}">
-                <a16:creationId xmlns:a16="http://schemas.microsoft.com/office/drawing/2014/main" id="{1CA960D6-9E52-4EB2-8AC1-74FDEAA14054}"/>
-              </a:ext>
-            </a:extLst>
-          </p:cNvPr>
-          <p:cNvPicPr>
-            <a:picLocks noChangeAspect="1"/>
-          </p:cNvPicPr>
-          <p:nvPr/>
-        </p:nvPicPr>
-        <p:blipFill>
-          <a:blip r:embed="rId25"/>
-          <a:stretch>
-            <a:fillRect/>
-          </a:stretch>
-        </p:blipFill>
-        <p:spPr>
-          <a:xfrm>
-            <a:off x="7648768" y="3145449"/>
-            <a:ext cx="834356" cy="453773"/>
           </a:xfrm>
           <a:prstGeom prst="rect">
             <a:avLst/>
@@ -23653,6 +24250,7 @@
           </p:cNvPr>
           <p:cNvCxnSpPr>
             <a:cxnSpLocks/>
+            <a:endCxn id="28" idx="2"/>
           </p:cNvCxnSpPr>
           <p:nvPr/>
         </p:nvCxnSpPr>
@@ -23768,47 +24366,6 @@
       </p:cxnSp>
       <p:cxnSp>
         <p:nvCxnSpPr>
-          <p:cNvPr id="76" name="Straight Arrow Connector 75">
-            <a:extLst>
-              <a:ext uri="{FF2B5EF4-FFF2-40B4-BE49-F238E27FC236}">
-                <a16:creationId xmlns:a16="http://schemas.microsoft.com/office/drawing/2014/main" id="{DB17CDDA-BAB3-4869-A7F6-949239478EAE}"/>
-              </a:ext>
-            </a:extLst>
-          </p:cNvPr>
-          <p:cNvCxnSpPr>
-            <a:cxnSpLocks/>
-          </p:cNvCxnSpPr>
-          <p:nvPr/>
-        </p:nvCxnSpPr>
-        <p:spPr>
-          <a:xfrm flipH="1" flipV="1">
-            <a:off x="2867910" y="2544949"/>
-            <a:ext cx="527574" cy="495218"/>
-          </a:xfrm>
-          <a:prstGeom prst="straightConnector1">
-            <a:avLst/>
-          </a:prstGeom>
-          <a:ln>
-            <a:tailEnd type="triangle"/>
-          </a:ln>
-        </p:spPr>
-        <p:style>
-          <a:lnRef idx="1">
-            <a:schemeClr val="accent1"/>
-          </a:lnRef>
-          <a:fillRef idx="0">
-            <a:schemeClr val="accent1"/>
-          </a:fillRef>
-          <a:effectRef idx="0">
-            <a:schemeClr val="accent1"/>
-          </a:effectRef>
-          <a:fontRef idx="minor">
-            <a:schemeClr val="tx1"/>
-          </a:fontRef>
-        </p:style>
-      </p:cxnSp>
-      <p:cxnSp>
-        <p:nvCxnSpPr>
           <p:cNvPr id="89" name="Straight Arrow Connector 88">
             <a:extLst>
               <a:ext uri="{FF2B5EF4-FFF2-40B4-BE49-F238E27FC236}">
@@ -23863,7 +24420,7 @@
           <p:nvPr/>
         </p:nvPicPr>
         <p:blipFill>
-          <a:blip r:embed="rId2"/>
+          <a:blip r:embed="rId4"/>
           <a:stretch>
             <a:fillRect/>
           </a:stretch>
@@ -23908,6 +24465,41 @@
           </a:prstGeom>
         </p:spPr>
       </p:pic>
+      <p:sp>
+        <p:nvSpPr>
+          <p:cNvPr id="98" name="TextBox 97">
+            <a:extLst>
+              <a:ext uri="{FF2B5EF4-FFF2-40B4-BE49-F238E27FC236}">
+                <a16:creationId xmlns:a16="http://schemas.microsoft.com/office/drawing/2014/main" id="{23B4201E-CD6F-4100-B440-12F2BF11EAAD}"/>
+              </a:ext>
+            </a:extLst>
+          </p:cNvPr>
+          <p:cNvSpPr txBox="1"/>
+          <p:nvPr/>
+        </p:nvSpPr>
+        <p:spPr>
+          <a:xfrm>
+            <a:off x="1303373" y="4767550"/>
+            <a:ext cx="5732173" cy="307777"/>
+          </a:xfrm>
+          <a:prstGeom prst="rect">
+            <a:avLst/>
+          </a:prstGeom>
+          <a:noFill/>
+        </p:spPr>
+        <p:txBody>
+          <a:bodyPr wrap="square" rtlCol="0">
+            <a:spAutoFit/>
+          </a:bodyPr>
+          <a:lstStyle/>
+          <a:p>
+            <a:r>
+              <a:rPr lang="en-IN" sz="1400" dirty="0"/>
+              <a:t>               DETAILED– ARCHITECTURE DIAGRAM</a:t>
+            </a:r>
+          </a:p>
+        </p:txBody>
+      </p:sp>
       <p:pic>
         <p:nvPicPr>
           <p:cNvPr id="2" name="Picture 1">
@@ -24033,36 +24625,6 @@
           <a:xfrm>
             <a:off x="7825949" y="1084404"/>
             <a:ext cx="402541" cy="397174"/>
-          </a:xfrm>
-          <a:prstGeom prst="rect">
-            <a:avLst/>
-          </a:prstGeom>
-        </p:spPr>
-      </p:pic>
-      <p:pic>
-        <p:nvPicPr>
-          <p:cNvPr id="67" name="Picture 66">
-            <a:extLst>
-              <a:ext uri="{FF2B5EF4-FFF2-40B4-BE49-F238E27FC236}">
-                <a16:creationId xmlns:a16="http://schemas.microsoft.com/office/drawing/2014/main" id="{0B2BA0FB-ABED-4AEC-AC5F-B54F4543C97F}"/>
-              </a:ext>
-            </a:extLst>
-          </p:cNvPr>
-          <p:cNvPicPr>
-            <a:picLocks noChangeAspect="1"/>
-          </p:cNvPicPr>
-          <p:nvPr/>
-        </p:nvPicPr>
-        <p:blipFill>
-          <a:blip r:embed="rId24"/>
-          <a:stretch>
-            <a:fillRect/>
-          </a:stretch>
-        </p:blipFill>
-        <p:spPr>
-          <a:xfrm>
-            <a:off x="1736531" y="2675119"/>
-            <a:ext cx="857250" cy="171450"/>
           </a:xfrm>
           <a:prstGeom prst="rect">
             <a:avLst/>
@@ -24401,14 +24963,14 @@
           <p:nvPr/>
         </p:nvPicPr>
         <p:blipFill>
-          <a:blip r:embed="rId19"/>
+          <a:blip r:embed="rId21"/>
           <a:stretch>
             <a:fillRect/>
           </a:stretch>
         </p:blipFill>
         <p:spPr>
           <a:xfrm>
-            <a:off x="3601891" y="2190631"/>
+            <a:off x="3910573" y="1556627"/>
             <a:ext cx="202850" cy="217875"/>
           </a:xfrm>
           <a:prstGeom prst="rect">
@@ -24944,7 +25506,7 @@
           <p:nvPr/>
         </p:nvPicPr>
         <p:blipFill>
-          <a:blip r:embed="rId16"/>
+          <a:blip r:embed="rId18"/>
           <a:stretch>
             <a:fillRect/>
           </a:stretch>
@@ -25045,7 +25607,7 @@
       </p:cxnSp>
       <p:pic>
         <p:nvPicPr>
-          <p:cNvPr id="162" name="Picture 161"/>
+          <p:cNvPr id="163" name="Picture 162"/>
           <p:cNvPicPr>
             <a:picLocks noChangeAspect="1"/>
           </p:cNvPicPr>
@@ -25053,30 +25615,6 @@
         </p:nvPicPr>
         <p:blipFill>
           <a:blip r:embed="rId46"/>
-          <a:stretch>
-            <a:fillRect/>
-          </a:stretch>
-        </p:blipFill>
-        <p:spPr>
-          <a:xfrm>
-            <a:off x="7774944" y="2375507"/>
-            <a:ext cx="563394" cy="722135"/>
-          </a:xfrm>
-          <a:prstGeom prst="rect">
-            <a:avLst/>
-          </a:prstGeom>
-        </p:spPr>
-      </p:pic>
-      <p:pic>
-        <p:nvPicPr>
-          <p:cNvPr id="163" name="Picture 162"/>
-          <p:cNvPicPr>
-            <a:picLocks noChangeAspect="1"/>
-          </p:cNvPicPr>
-          <p:nvPr/>
-        </p:nvPicPr>
-        <p:blipFill>
-          <a:blip r:embed="rId47"/>
           <a:stretch>
             <a:fillRect/>
           </a:stretch>
@@ -25166,7 +25704,7 @@
           <p:nvPr/>
         </p:nvPicPr>
         <p:blipFill>
-          <a:blip r:embed="rId48"/>
+          <a:blip r:embed="rId47"/>
           <a:stretch>
             <a:fillRect/>
           </a:stretch>
@@ -25190,7 +25728,7 @@
           <p:nvPr/>
         </p:nvPicPr>
         <p:blipFill>
-          <a:blip r:embed="rId48"/>
+          <a:blip r:embed="rId47"/>
           <a:stretch>
             <a:fillRect/>
           </a:stretch>
@@ -25307,12 +25845,313 @@
           </a:p>
         </p:txBody>
       </p:sp>
+      <p:pic>
+        <p:nvPicPr>
+          <p:cNvPr id="95" name="Picture 94">
+            <a:extLst>
+              <a:ext uri="{FF2B5EF4-FFF2-40B4-BE49-F238E27FC236}">
+                <a16:creationId xmlns:a16="http://schemas.microsoft.com/office/drawing/2014/main" id="{321833AE-68B8-4FEF-AEEB-CF1938528D91}"/>
+              </a:ext>
+            </a:extLst>
+          </p:cNvPr>
+          <p:cNvPicPr>
+            <a:picLocks noChangeAspect="1"/>
+          </p:cNvPicPr>
+          <p:nvPr/>
+        </p:nvPicPr>
+        <p:blipFill>
+          <a:blip r:embed="rId46"/>
+          <a:stretch>
+            <a:fillRect/>
+          </a:stretch>
+        </p:blipFill>
+        <p:spPr>
+          <a:xfrm>
+            <a:off x="3544745" y="1272963"/>
+            <a:ext cx="229540" cy="321452"/>
+          </a:xfrm>
+          <a:prstGeom prst="rect">
+            <a:avLst/>
+          </a:prstGeom>
+        </p:spPr>
+      </p:pic>
+      <p:cxnSp>
+        <p:nvCxnSpPr>
+          <p:cNvPr id="99" name="Straight Arrow Connector 98">
+            <a:extLst>
+              <a:ext uri="{FF2B5EF4-FFF2-40B4-BE49-F238E27FC236}">
+                <a16:creationId xmlns:a16="http://schemas.microsoft.com/office/drawing/2014/main" id="{CE8AABE6-CC00-4871-B37F-63DF9C98B8C8}"/>
+              </a:ext>
+            </a:extLst>
+          </p:cNvPr>
+          <p:cNvCxnSpPr>
+            <a:cxnSpLocks/>
+          </p:cNvCxnSpPr>
+          <p:nvPr/>
+        </p:nvCxnSpPr>
+        <p:spPr>
+          <a:xfrm>
+            <a:off x="3663769" y="1589585"/>
+            <a:ext cx="1097162" cy="765177"/>
+          </a:xfrm>
+          <a:prstGeom prst="straightConnector1">
+            <a:avLst/>
+          </a:prstGeom>
+          <a:ln>
+            <a:tailEnd type="triangle"/>
+          </a:ln>
+        </p:spPr>
+        <p:style>
+          <a:lnRef idx="1">
+            <a:schemeClr val="accent1"/>
+          </a:lnRef>
+          <a:fillRef idx="0">
+            <a:schemeClr val="accent1"/>
+          </a:fillRef>
+          <a:effectRef idx="0">
+            <a:schemeClr val="accent1"/>
+          </a:effectRef>
+          <a:fontRef idx="minor">
+            <a:schemeClr val="tx1"/>
+          </a:fontRef>
+        </p:style>
+      </p:cxnSp>
+      <p:pic>
+        <p:nvPicPr>
+          <p:cNvPr id="103" name="Picture 102">
+            <a:extLst>
+              <a:ext uri="{FF2B5EF4-FFF2-40B4-BE49-F238E27FC236}">
+                <a16:creationId xmlns:a16="http://schemas.microsoft.com/office/drawing/2014/main" id="{35310CA7-7E2E-41FC-A5A5-96C634FFEC99}"/>
+              </a:ext>
+            </a:extLst>
+          </p:cNvPr>
+          <p:cNvPicPr>
+            <a:picLocks noChangeAspect="1"/>
+          </p:cNvPicPr>
+          <p:nvPr/>
+        </p:nvPicPr>
+        <p:blipFill>
+          <a:blip r:embed="rId48"/>
+          <a:stretch>
+            <a:fillRect/>
+          </a:stretch>
+        </p:blipFill>
+        <p:spPr>
+          <a:xfrm>
+            <a:off x="7615919" y="2083047"/>
+            <a:ext cx="834356" cy="453773"/>
+          </a:xfrm>
+          <a:prstGeom prst="rect">
+            <a:avLst/>
+          </a:prstGeom>
+        </p:spPr>
+      </p:pic>
       <p:sp>
         <p:nvSpPr>
-          <p:cNvPr id="99" name="TextBox 98">
+          <p:cNvPr id="104" name="Rectangle 103">
             <a:extLst>
               <a:ext uri="{FF2B5EF4-FFF2-40B4-BE49-F238E27FC236}">
-                <a16:creationId xmlns:a16="http://schemas.microsoft.com/office/drawing/2014/main" id="{23B4201E-CD6F-4100-B440-12F2BF11EAAD}"/>
+                <a16:creationId xmlns:a16="http://schemas.microsoft.com/office/drawing/2014/main" id="{762E567D-C024-4BF4-92E5-962A776BCD44}"/>
+              </a:ext>
+            </a:extLst>
+          </p:cNvPr>
+          <p:cNvSpPr/>
+          <p:nvPr/>
+        </p:nvSpPr>
+        <p:spPr>
+          <a:xfrm>
+            <a:off x="1742068" y="959814"/>
+            <a:ext cx="1176134" cy="2040948"/>
+          </a:xfrm>
+          <a:prstGeom prst="rect">
+            <a:avLst/>
+          </a:prstGeom>
+          <a:noFill/>
+          <a:ln w="25400">
+            <a:solidFill>
+              <a:srgbClr val="FFC000"/>
+            </a:solidFill>
+            <a:prstDash val="sysDot"/>
+          </a:ln>
+        </p:spPr>
+        <p:style>
+          <a:lnRef idx="2">
+            <a:schemeClr val="accent1">
+              <a:shade val="50000"/>
+            </a:schemeClr>
+          </a:lnRef>
+          <a:fillRef idx="1">
+            <a:schemeClr val="accent1"/>
+          </a:fillRef>
+          <a:effectRef idx="0">
+            <a:schemeClr val="accent1"/>
+          </a:effectRef>
+          <a:fontRef idx="minor">
+            <a:schemeClr val="lt1"/>
+          </a:fontRef>
+        </p:style>
+        <p:txBody>
+          <a:bodyPr rtlCol="0" anchor="ctr"/>
+          <a:lstStyle/>
+          <a:p>
+            <a:pPr algn="ctr"/>
+            <a:endParaRPr lang="en-IN" sz="1350"/>
+          </a:p>
+        </p:txBody>
+      </p:sp>
+      <p:sp>
+        <p:nvSpPr>
+          <p:cNvPr id="106" name="Rectangle 105">
+            <a:extLst>
+              <a:ext uri="{FF2B5EF4-FFF2-40B4-BE49-F238E27FC236}">
+                <a16:creationId xmlns:a16="http://schemas.microsoft.com/office/drawing/2014/main" id="{AF64D10C-6176-4F1C-A849-E93BADA41424}"/>
+              </a:ext>
+            </a:extLst>
+          </p:cNvPr>
+          <p:cNvSpPr/>
+          <p:nvPr/>
+        </p:nvSpPr>
+        <p:spPr>
+          <a:xfrm>
+            <a:off x="7487484" y="973643"/>
+            <a:ext cx="1019324" cy="1821020"/>
+          </a:xfrm>
+          <a:prstGeom prst="rect">
+            <a:avLst/>
+          </a:prstGeom>
+          <a:noFill/>
+          <a:ln w="25400">
+            <a:solidFill>
+              <a:srgbClr val="FFC000"/>
+            </a:solidFill>
+            <a:prstDash val="sysDot"/>
+          </a:ln>
+        </p:spPr>
+        <p:style>
+          <a:lnRef idx="2">
+            <a:schemeClr val="accent1">
+              <a:shade val="50000"/>
+            </a:schemeClr>
+          </a:lnRef>
+          <a:fillRef idx="1">
+            <a:schemeClr val="accent1"/>
+          </a:fillRef>
+          <a:effectRef idx="0">
+            <a:schemeClr val="accent1"/>
+          </a:effectRef>
+          <a:fontRef idx="minor">
+            <a:schemeClr val="lt1"/>
+          </a:fontRef>
+        </p:style>
+        <p:txBody>
+          <a:bodyPr rtlCol="0" anchor="ctr"/>
+          <a:lstStyle/>
+          <a:p>
+            <a:pPr algn="ctr"/>
+            <a:endParaRPr lang="en-IN" sz="1350"/>
+          </a:p>
+        </p:txBody>
+      </p:sp>
+      <p:sp>
+        <p:nvSpPr>
+          <p:cNvPr id="107" name="Rectangle 106">
+            <a:extLst>
+              <a:ext uri="{FF2B5EF4-FFF2-40B4-BE49-F238E27FC236}">
+                <a16:creationId xmlns:a16="http://schemas.microsoft.com/office/drawing/2014/main" id="{4014F1F2-9E30-4768-986B-8B68B9C49D6B}"/>
+              </a:ext>
+            </a:extLst>
+          </p:cNvPr>
+          <p:cNvSpPr/>
+          <p:nvPr/>
+        </p:nvSpPr>
+        <p:spPr>
+          <a:xfrm>
+            <a:off x="6832804" y="4802313"/>
+            <a:ext cx="463116" cy="156250"/>
+          </a:xfrm>
+          <a:prstGeom prst="rect">
+            <a:avLst/>
+          </a:prstGeom>
+          <a:noFill/>
+          <a:ln w="25400">
+            <a:solidFill>
+              <a:srgbClr val="FFC000"/>
+            </a:solidFill>
+            <a:prstDash val="sysDot"/>
+          </a:ln>
+        </p:spPr>
+        <p:style>
+          <a:lnRef idx="2">
+            <a:schemeClr val="accent1">
+              <a:shade val="50000"/>
+            </a:schemeClr>
+          </a:lnRef>
+          <a:fillRef idx="1">
+            <a:schemeClr val="accent1"/>
+          </a:fillRef>
+          <a:effectRef idx="0">
+            <a:schemeClr val="accent1"/>
+          </a:effectRef>
+          <a:fontRef idx="minor">
+            <a:schemeClr val="lt1"/>
+          </a:fontRef>
+        </p:style>
+        <p:txBody>
+          <a:bodyPr rtlCol="0" anchor="ctr"/>
+          <a:lstStyle/>
+          <a:p>
+            <a:pPr algn="ctr"/>
+            <a:endParaRPr lang="en-IN" sz="1350"/>
+          </a:p>
+        </p:txBody>
+      </p:sp>
+      <p:cxnSp>
+        <p:nvCxnSpPr>
+          <p:cNvPr id="57" name="Straight Arrow Connector 56">
+            <a:extLst>
+              <a:ext uri="{FF2B5EF4-FFF2-40B4-BE49-F238E27FC236}">
+                <a16:creationId xmlns:a16="http://schemas.microsoft.com/office/drawing/2014/main" id="{2D369023-B702-4671-A7F8-818B35E9A91B}"/>
+              </a:ext>
+            </a:extLst>
+          </p:cNvPr>
+          <p:cNvCxnSpPr>
+            <a:cxnSpLocks/>
+          </p:cNvCxnSpPr>
+          <p:nvPr/>
+        </p:nvCxnSpPr>
+        <p:spPr>
+          <a:xfrm>
+            <a:off x="7333670" y="4880438"/>
+            <a:ext cx="303474" cy="5399"/>
+          </a:xfrm>
+          <a:prstGeom prst="straightConnector1">
+            <a:avLst/>
+          </a:prstGeom>
+          <a:ln>
+            <a:tailEnd type="triangle"/>
+          </a:ln>
+        </p:spPr>
+        <p:style>
+          <a:lnRef idx="1">
+            <a:schemeClr val="accent1"/>
+          </a:lnRef>
+          <a:fillRef idx="0">
+            <a:schemeClr val="accent1"/>
+          </a:fillRef>
+          <a:effectRef idx="0">
+            <a:schemeClr val="accent1"/>
+          </a:effectRef>
+          <a:fontRef idx="minor">
+            <a:schemeClr val="tx1"/>
+          </a:fontRef>
+        </p:style>
+      </p:cxnSp>
+      <p:sp>
+        <p:nvSpPr>
+          <p:cNvPr id="58" name="TextBox 57">
+            <a:extLst>
+              <a:ext uri="{FF2B5EF4-FFF2-40B4-BE49-F238E27FC236}">
+                <a16:creationId xmlns:a16="http://schemas.microsoft.com/office/drawing/2014/main" id="{31B05F68-B427-4837-8A1C-8557CC15CF1D}"/>
               </a:ext>
             </a:extLst>
           </p:cNvPr>
@@ -25321,8 +26160,8 @@
         </p:nvSpPr>
         <p:spPr>
           <a:xfrm>
-            <a:off x="2112562" y="4651920"/>
-            <a:ext cx="6115928" cy="507831"/>
+            <a:off x="7580519" y="4729335"/>
+            <a:ext cx="1298229" cy="507831"/>
           </a:xfrm>
           <a:prstGeom prst="rect">
             <a:avLst/>
@@ -25336,35 +26175,98 @@
           <a:lstStyle/>
           <a:p>
             <a:r>
-              <a:rPr lang="en-IN" sz="2700" dirty="0" smtClean="0"/>
-              <a:t>	Detailed Architecture 	</a:t>
-            </a:r>
-            <a:endParaRPr lang="en-IN" sz="2700" dirty="0"/>
+              <a:rPr lang="en-IN" sz="1350" dirty="0"/>
+              <a:t>Power Platform</a:t>
+            </a:r>
           </a:p>
         </p:txBody>
       </p:sp>
+      <p:cxnSp>
+        <p:nvCxnSpPr>
+          <p:cNvPr id="69" name="Straight Arrow Connector 68">
+            <a:extLst>
+              <a:ext uri="{FF2B5EF4-FFF2-40B4-BE49-F238E27FC236}">
+                <a16:creationId xmlns:a16="http://schemas.microsoft.com/office/drawing/2014/main" id="{CFEA8D6F-AF7B-4D29-8D30-339CF3D70418}"/>
+              </a:ext>
+            </a:extLst>
+          </p:cNvPr>
+          <p:cNvCxnSpPr>
+            <a:stCxn id="25" idx="3"/>
+            <a:endCxn id="41" idx="1"/>
+          </p:cNvCxnSpPr>
+          <p:nvPr/>
+        </p:nvCxnSpPr>
+        <p:spPr>
+          <a:xfrm flipV="1">
+            <a:off x="3927181" y="2495766"/>
+            <a:ext cx="857918" cy="420726"/>
+          </a:xfrm>
+          <a:prstGeom prst="straightConnector1">
+            <a:avLst/>
+          </a:prstGeom>
+          <a:ln>
+            <a:tailEnd type="triangle"/>
+          </a:ln>
+        </p:spPr>
+        <p:style>
+          <a:lnRef idx="1">
+            <a:schemeClr val="accent1"/>
+          </a:lnRef>
+          <a:fillRef idx="0">
+            <a:schemeClr val="accent1"/>
+          </a:fillRef>
+          <a:effectRef idx="0">
+            <a:schemeClr val="accent1"/>
+          </a:effectRef>
+          <a:fontRef idx="minor">
+            <a:schemeClr val="tx1"/>
+          </a:fontRef>
+        </p:style>
+      </p:cxnSp>
+      <p:pic>
+        <p:nvPicPr>
+          <p:cNvPr id="114" name="Picture 113">
+            <a:extLst>
+              <a:ext uri="{FF2B5EF4-FFF2-40B4-BE49-F238E27FC236}">
+                <a16:creationId xmlns:a16="http://schemas.microsoft.com/office/drawing/2014/main" id="{47975D72-D10A-49EF-B6FD-9FB2CD53E8B3}"/>
+              </a:ext>
+            </a:extLst>
+          </p:cNvPr>
+          <p:cNvPicPr>
+            <a:picLocks noChangeAspect="1"/>
+          </p:cNvPicPr>
+          <p:nvPr/>
+        </p:nvPicPr>
+        <p:blipFill>
+          <a:blip r:embed="rId39"/>
+          <a:stretch>
+            <a:fillRect/>
+          </a:stretch>
+        </p:blipFill>
+        <p:spPr>
+          <a:xfrm>
+            <a:off x="4094554" y="2639895"/>
+            <a:ext cx="227580" cy="248999"/>
+          </a:xfrm>
+          <a:prstGeom prst="rect">
+            <a:avLst/>
+          </a:prstGeom>
+        </p:spPr>
+      </p:pic>
     </p:spTree>
     <p:extLst>
       <p:ext uri="{BB962C8B-B14F-4D97-AF65-F5344CB8AC3E}">
-        <p14:creationId xmlns:p14="http://schemas.microsoft.com/office/powerpoint/2010/main" val="1989395793"/>
+        <p14:creationId xmlns:p14="http://schemas.microsoft.com/office/powerpoint/2010/main" val="2921367045"/>
       </p:ext>
     </p:extLst>
   </p:cSld>
   <p:clrMapOvr>
     <a:masterClrMapping/>
   </p:clrMapOvr>
-  <mc:AlternateContent xmlns:mc="http://schemas.openxmlformats.org/markup-compatibility/2006">
-    <mc:Choice xmlns:p14="http://schemas.microsoft.com/office/powerpoint/2010/main" Requires="p14">
-      <p:transition spd="slow" p14:dur="2000"/>
-    </mc:Choice>
-    <mc:Fallback>
-      <p:transition spd="slow"/>
-    </mc:Fallback>
-  </mc:AlternateContent>
 </p:sld>
 </file>
 
-<file path=ppt/slides/slide11.xml><?xml version="1.0" encoding="utf-8"?>
+<file path=ppt/slides/slide13.xml><?xml version="1.0" encoding="utf-8"?>
 <p:sld xmlns:a="http://schemas.openxmlformats.org/drawingml/2006/main" xmlns:r="http://schemas.openxmlformats.org/officeDocument/2006/relationships" xmlns:p="http://schemas.openxmlformats.org/presentationml/2006/main">
   <p:cSld>
     <p:bg>
@@ -25433,7 +26335,7 @@
         <p:spPr>
           <a:xfrm>
             <a:off x="609600" y="895350"/>
-            <a:ext cx="3423822" cy="184666"/>
+            <a:ext cx="8657883" cy="4985980"/>
           </a:xfrm>
           <a:prstGeom prst="rect">
             <a:avLst/>
@@ -25446,26 +26348,654 @@
           </a:bodyPr>
           <a:lstStyle/>
           <a:p>
+            <a:pPr marL="171450" indent="-171450">
+              <a:buFont typeface="Wingdings" panose="05000000000000000000" pitchFamily="2" charset="2"/>
+              <a:buChar char="Ø"/>
+            </a:pPr>
+            <a:r>
+              <a:rPr lang="en-US" sz="1200" dirty="0">
+                <a:gradFill>
+                  <a:gsLst>
+                    <a:gs pos="2917">
+                      <a:schemeClr val="tx1"/>
+                    </a:gs>
+                    <a:gs pos="30000">
+                      <a:schemeClr val="tx1"/>
+                    </a:gs>
+                  </a:gsLst>
+                  <a:lin ang="5400000" scaled="0"/>
+                </a:gradFill>
+              </a:rPr>
+              <a:t>Detailed Architecture explains boundaries of Azure SaaS, IaaS, PaaS &amp; Power Platform. </a:t>
+            </a:r>
+          </a:p>
+          <a:p>
+            <a:pPr marL="171450" indent="-171450">
+              <a:buFont typeface="Wingdings" panose="05000000000000000000" pitchFamily="2" charset="2"/>
+              <a:buChar char="Ø"/>
+            </a:pPr>
+            <a:r>
+              <a:rPr lang="en-US" sz="1200" dirty="0">
+                <a:gradFill>
+                  <a:gsLst>
+                    <a:gs pos="2917">
+                      <a:schemeClr val="tx1"/>
+                    </a:gs>
+                    <a:gs pos="30000">
+                      <a:schemeClr val="tx1"/>
+                    </a:gs>
+                  </a:gsLst>
+                  <a:lin ang="5400000" scaled="0"/>
+                </a:gradFill>
+              </a:rPr>
+              <a:t>SaaS Platform Resources like  Power Virtual Agents, SharePoint Online, PowerApps, Power Automate, Power BI has been used </a:t>
+            </a:r>
+          </a:p>
+          <a:p>
+            <a:r>
+              <a:rPr lang="en-US" sz="1200" dirty="0">
+                <a:gradFill>
+                  <a:gsLst>
+                    <a:gs pos="2917">
+                      <a:schemeClr val="tx1"/>
+                    </a:gs>
+                    <a:gs pos="30000">
+                      <a:schemeClr val="tx1"/>
+                    </a:gs>
+                  </a:gsLst>
+                  <a:lin ang="5400000" scaled="0"/>
+                </a:gradFill>
+              </a:rPr>
+              <a:t>    effectively to inter connect Azure PaaS Resources(App Service, Azure Functions, Azure Cognitive Search Service, Cognitive </a:t>
+            </a:r>
+          </a:p>
+          <a:p>
+            <a:r>
+              <a:rPr lang="en-US" sz="1200" dirty="0">
+                <a:gradFill>
+                  <a:gsLst>
+                    <a:gs pos="2917">
+                      <a:schemeClr val="tx1"/>
+                    </a:gs>
+                    <a:gs pos="30000">
+                      <a:schemeClr val="tx1"/>
+                    </a:gs>
+                  </a:gsLst>
+                  <a:lin ang="5400000" scaled="0"/>
+                </a:gradFill>
+              </a:rPr>
+              <a:t>   services like LUIS, Video Analytics Service, Azure SQL Storage, Blob Storage, Cosmos DB,  Application Insights).</a:t>
+            </a:r>
+          </a:p>
+          <a:p>
+            <a:pPr marL="171450" indent="-171450">
+              <a:buFont typeface="Wingdings" panose="05000000000000000000" pitchFamily="2" charset="2"/>
+              <a:buChar char="Ø"/>
+            </a:pPr>
+            <a:r>
+              <a:rPr lang="en-US" sz="1200" dirty="0">
+                <a:gradFill>
+                  <a:gsLst>
+                    <a:gs pos="2917">
+                      <a:schemeClr val="tx1"/>
+                    </a:gs>
+                    <a:gs pos="30000">
+                      <a:schemeClr val="tx1"/>
+                    </a:gs>
+                  </a:gsLst>
+                  <a:lin ang="5400000" scaled="0"/>
+                </a:gradFill>
+              </a:rPr>
+              <a:t>Private Cloud has been configured using VNET, VMs with restricted IP. IIS hosted web servers &amp; locally installed SQL DB server</a:t>
+            </a:r>
+          </a:p>
+          <a:p>
+            <a:r>
+              <a:rPr lang="en-US" sz="1200" dirty="0">
+                <a:gradFill>
+                  <a:gsLst>
+                    <a:gs pos="2917">
+                      <a:schemeClr val="tx1"/>
+                    </a:gs>
+                    <a:gs pos="30000">
+                      <a:schemeClr val="tx1"/>
+                    </a:gs>
+                  </a:gsLst>
+                  <a:lin ang="5400000" scaled="0"/>
+                </a:gradFill>
+              </a:rPr>
+              <a:t>    helps to protect Confidential data &amp; transmit Public data to cloud using Azure Function webhooks.</a:t>
+            </a:r>
+          </a:p>
+          <a:p>
+            <a:endParaRPr lang="en-US" sz="1200" dirty="0">
+              <a:gradFill>
+                <a:gsLst>
+                  <a:gs pos="2917">
+                    <a:schemeClr val="tx1"/>
+                  </a:gs>
+                  <a:gs pos="30000">
+                    <a:schemeClr val="tx1"/>
+                  </a:gs>
+                </a:gsLst>
+                <a:lin ang="5400000" scaled="0"/>
+              </a:gradFill>
+            </a:endParaRPr>
+          </a:p>
+          <a:p>
+            <a:r>
+              <a:rPr lang="en-US" sz="1200" dirty="0">
+                <a:gradFill>
+                  <a:gsLst>
+                    <a:gs pos="2917">
+                      <a:schemeClr val="tx1"/>
+                    </a:gs>
+                    <a:gs pos="30000">
+                      <a:schemeClr val="tx1"/>
+                    </a:gs>
+                  </a:gsLst>
+                  <a:lin ang="5400000" scaled="0"/>
+                </a:gradFill>
+              </a:rPr>
+              <a:t>Lets discuss individual Resources in detail-</a:t>
+            </a:r>
+          </a:p>
+          <a:p>
+            <a:pPr marL="228600" indent="-228600">
+              <a:buFont typeface="+mj-lt"/>
+              <a:buAutoNum type="arabicPeriod"/>
+            </a:pPr>
+            <a:r>
+              <a:rPr lang="en-US" sz="1200" b="1" dirty="0">
+                <a:gradFill>
+                  <a:gsLst>
+                    <a:gs pos="2917">
+                      <a:schemeClr val="tx1"/>
+                    </a:gs>
+                    <a:gs pos="30000">
+                      <a:schemeClr val="tx1"/>
+                    </a:gs>
+                  </a:gsLst>
+                  <a:lin ang="5400000" scaled="0"/>
+                </a:gradFill>
+              </a:rPr>
+              <a:t>Power Apps </a:t>
+            </a:r>
+          </a:p>
+          <a:p>
+            <a:r>
+              <a:rPr lang="en-US" sz="1200" b="1" dirty="0">
+                <a:gradFill>
+                  <a:gsLst>
+                    <a:gs pos="2917">
+                      <a:schemeClr val="tx1"/>
+                    </a:gs>
+                    <a:gs pos="30000">
+                      <a:schemeClr val="tx1"/>
+                    </a:gs>
+                  </a:gsLst>
+                  <a:lin ang="5400000" scaled="0"/>
+                </a:gradFill>
+              </a:rPr>
+              <a:t>     </a:t>
+            </a:r>
+            <a:r>
+              <a:rPr lang="en-US" sz="1200" dirty="0">
+                <a:gradFill>
+                  <a:gsLst>
+                    <a:gs pos="2917">
+                      <a:schemeClr val="tx1"/>
+                    </a:gs>
+                    <a:gs pos="30000">
+                      <a:schemeClr val="tx1"/>
+                    </a:gs>
+                  </a:gsLst>
+                  <a:lin ang="5400000" scaled="0"/>
+                </a:gradFill>
+              </a:rPr>
+              <a:t>– Used to capture Live Images &amp; </a:t>
+            </a:r>
+            <a:r>
+              <a:rPr lang="en-US" sz="1200">
+                <a:gradFill>
+                  <a:gsLst>
+                    <a:gs pos="2917">
+                      <a:schemeClr val="tx1"/>
+                    </a:gs>
+                    <a:gs pos="30000">
+                      <a:schemeClr val="tx1"/>
+                    </a:gs>
+                  </a:gsLst>
+                  <a:lin ang="5400000" scaled="0"/>
+                </a:gradFill>
+              </a:rPr>
+              <a:t>Video from </a:t>
+            </a:r>
+            <a:r>
+              <a:rPr lang="en-US" sz="1200" dirty="0">
+                <a:gradFill>
+                  <a:gsLst>
+                    <a:gs pos="2917">
+                      <a:schemeClr val="tx1"/>
+                    </a:gs>
+                    <a:gs pos="30000">
+                      <a:schemeClr val="tx1"/>
+                    </a:gs>
+                  </a:gsLst>
+                  <a:lin ang="5400000" scaled="0"/>
+                </a:gradFill>
+              </a:rPr>
+              <a:t>Devices( Mobile, Tablet, Web Browser) &amp; transmit it to Azure Blob </a:t>
+            </a:r>
+          </a:p>
+          <a:p>
+            <a:r>
+              <a:rPr lang="en-US" sz="1200" dirty="0">
+                <a:gradFill>
+                  <a:gsLst>
+                    <a:gs pos="2917">
+                      <a:schemeClr val="tx1"/>
+                    </a:gs>
+                    <a:gs pos="30000">
+                      <a:schemeClr val="tx1"/>
+                    </a:gs>
+                  </a:gsLst>
+                  <a:lin ang="5400000" scaled="0"/>
+                </a:gradFill>
+              </a:rPr>
+              <a:t>        Storage Services</a:t>
+            </a:r>
+          </a:p>
+          <a:p>
+            <a:pPr marL="228600" indent="-228600">
+              <a:buAutoNum type="arabicPeriod" startAt="2"/>
+            </a:pPr>
+            <a:r>
+              <a:rPr lang="en-US" sz="1200" b="1" dirty="0">
+                <a:gradFill>
+                  <a:gsLst>
+                    <a:gs pos="2917">
+                      <a:schemeClr val="tx1"/>
+                    </a:gs>
+                    <a:gs pos="30000">
+                      <a:schemeClr val="tx1"/>
+                    </a:gs>
+                  </a:gsLst>
+                  <a:lin ang="5400000" scaled="0"/>
+                </a:gradFill>
+              </a:rPr>
+              <a:t>Power Virtual Agent</a:t>
+            </a:r>
+          </a:p>
+          <a:p>
+            <a:r>
+              <a:rPr lang="en-US" sz="1200" b="1" dirty="0">
+                <a:gradFill>
+                  <a:gsLst>
+                    <a:gs pos="2917">
+                      <a:schemeClr val="tx1"/>
+                    </a:gs>
+                    <a:gs pos="30000">
+                      <a:schemeClr val="tx1"/>
+                    </a:gs>
+                  </a:gsLst>
+                  <a:lin ang="5400000" scaled="0"/>
+                </a:gradFill>
+              </a:rPr>
+              <a:t>      </a:t>
+            </a:r>
+            <a:r>
+              <a:rPr lang="en-US" sz="1200" dirty="0">
+                <a:gradFill>
+                  <a:gsLst>
+                    <a:gs pos="2917">
+                      <a:schemeClr val="tx1"/>
+                    </a:gs>
+                    <a:gs pos="30000">
+                      <a:schemeClr val="tx1"/>
+                    </a:gs>
+                  </a:gsLst>
+                  <a:lin ang="5400000" scaled="0"/>
+                </a:gradFill>
+              </a:rPr>
+              <a:t>– Used to capture Live input from user across Devices( Mobile, Tablet, Web Browser). Helps to process input using enriched </a:t>
+            </a:r>
+          </a:p>
+          <a:p>
+            <a:r>
+              <a:rPr lang="en-US" sz="1200" dirty="0">
+                <a:gradFill>
+                  <a:gsLst>
+                    <a:gs pos="2917">
+                      <a:schemeClr val="tx1"/>
+                    </a:gs>
+                    <a:gs pos="30000">
+                      <a:schemeClr val="tx1"/>
+                    </a:gs>
+                  </a:gsLst>
+                  <a:lin ang="5400000" scaled="0"/>
+                </a:gradFill>
+              </a:rPr>
+              <a:t>         Topics &amp; in turn provides right solutions using Azure Cognitive Analytics &amp; Search Services</a:t>
+            </a:r>
+          </a:p>
+          <a:p>
+            <a:pPr marL="228600" indent="-228600">
+              <a:buAutoNum type="arabicPeriod" startAt="3"/>
+            </a:pPr>
+            <a:r>
+              <a:rPr lang="en-US" sz="1200" b="1" dirty="0">
+                <a:gradFill>
+                  <a:gsLst>
+                    <a:gs pos="2917">
+                      <a:schemeClr val="tx1"/>
+                    </a:gs>
+                    <a:gs pos="30000">
+                      <a:schemeClr val="tx1"/>
+                    </a:gs>
+                  </a:gsLst>
+                  <a:lin ang="5400000" scaled="0"/>
+                </a:gradFill>
+              </a:rPr>
+              <a:t>Office 365 – SharePoint Online</a:t>
+            </a:r>
+          </a:p>
+          <a:p>
+            <a:r>
+              <a:rPr lang="en-US" sz="1200" b="1" dirty="0">
+                <a:gradFill>
+                  <a:gsLst>
+                    <a:gs pos="2917">
+                      <a:schemeClr val="tx1"/>
+                    </a:gs>
+                    <a:gs pos="30000">
+                      <a:schemeClr val="tx1"/>
+                    </a:gs>
+                  </a:gsLst>
+                  <a:lin ang="5400000" scaled="0"/>
+                </a:gradFill>
+              </a:rPr>
+              <a:t>      </a:t>
+            </a:r>
+            <a:r>
+              <a:rPr lang="en-US" sz="1200" dirty="0">
+                <a:gradFill>
+                  <a:gsLst>
+                    <a:gs pos="2917">
+                      <a:schemeClr val="tx1"/>
+                    </a:gs>
+                    <a:gs pos="30000">
+                      <a:schemeClr val="tx1"/>
+                    </a:gs>
+                  </a:gsLst>
+                  <a:lin ang="5400000" scaled="0"/>
+                </a:gradFill>
+              </a:rPr>
+              <a:t>– Used to upload bulk documents of all formats like PDF, DOCX, XLSX, PPTX, TXT, JSON, Image File Types(PNG, JPG), Media</a:t>
+            </a:r>
+          </a:p>
+          <a:p>
+            <a:r>
+              <a:rPr lang="en-US" sz="1200" dirty="0">
+                <a:gradFill>
+                  <a:gsLst>
+                    <a:gs pos="2917">
+                      <a:schemeClr val="tx1"/>
+                    </a:gs>
+                    <a:gs pos="30000">
+                      <a:schemeClr val="tx1"/>
+                    </a:gs>
+                  </a:gsLst>
+                  <a:lin ang="5400000" scaled="0"/>
+                </a:gradFill>
+              </a:rPr>
+              <a:t>        (Audio Formats like  MP3, WAV) &amp; Video Formats like (WMV, MP4) using Out Of The Box SharePoint Document Library </a:t>
+            </a:r>
+          </a:p>
+          <a:p>
+            <a:r>
+              <a:rPr lang="en-US" sz="1200" dirty="0">
+                <a:gradFill>
+                  <a:gsLst>
+                    <a:gs pos="2917">
+                      <a:schemeClr val="tx1"/>
+                    </a:gs>
+                    <a:gs pos="30000">
+                      <a:schemeClr val="tx1"/>
+                    </a:gs>
+                  </a:gsLst>
+                  <a:lin ang="5400000" scaled="0"/>
+                </a:gradFill>
+              </a:rPr>
+              <a:t>        Drag &amp; drop Feature.</a:t>
+            </a:r>
+          </a:p>
+          <a:p>
+            <a:pPr marL="228600" indent="-228600">
+              <a:buAutoNum type="arabicPeriod" startAt="4"/>
+            </a:pPr>
+            <a:r>
+              <a:rPr lang="en-US" sz="1200" b="1" dirty="0">
+                <a:gradFill>
+                  <a:gsLst>
+                    <a:gs pos="2917">
+                      <a:schemeClr val="tx1"/>
+                    </a:gs>
+                    <a:gs pos="30000">
+                      <a:schemeClr val="tx1"/>
+                    </a:gs>
+                  </a:gsLst>
+                  <a:lin ang="5400000" scaled="0"/>
+                </a:gradFill>
+              </a:rPr>
+              <a:t>Power Automate</a:t>
+            </a:r>
+          </a:p>
+          <a:p>
+            <a:r>
+              <a:rPr lang="en-US" sz="1200" b="1" dirty="0">
+                <a:gradFill>
+                  <a:gsLst>
+                    <a:gs pos="2917">
+                      <a:schemeClr val="tx1"/>
+                    </a:gs>
+                    <a:gs pos="30000">
+                      <a:schemeClr val="tx1"/>
+                    </a:gs>
+                  </a:gsLst>
+                  <a:lin ang="5400000" scaled="0"/>
+                </a:gradFill>
+              </a:rPr>
+              <a:t>     </a:t>
+            </a:r>
+            <a:r>
+              <a:rPr lang="en-US" sz="1200" dirty="0">
+                <a:gradFill>
+                  <a:gsLst>
+                    <a:gs pos="2917">
+                      <a:schemeClr val="tx1"/>
+                    </a:gs>
+                    <a:gs pos="30000">
+                      <a:schemeClr val="tx1"/>
+                    </a:gs>
+                  </a:gsLst>
+                  <a:lin ang="5400000" scaled="0"/>
+                </a:gradFill>
+              </a:rPr>
+              <a:t>– Used to Automate process by Interconnecting Power platform (</a:t>
+            </a:r>
+            <a:r>
+              <a:rPr lang="en-US" sz="1200" dirty="0" err="1">
+                <a:gradFill>
+                  <a:gsLst>
+                    <a:gs pos="2917">
+                      <a:schemeClr val="tx1"/>
+                    </a:gs>
+                    <a:gs pos="30000">
+                      <a:schemeClr val="tx1"/>
+                    </a:gs>
+                  </a:gsLst>
+                  <a:lin ang="5400000" scaled="0"/>
+                </a:gradFill>
+              </a:rPr>
+              <a:t>PowerApp</a:t>
+            </a:r>
+            <a:r>
+              <a:rPr lang="en-US" sz="1200" dirty="0">
+                <a:gradFill>
+                  <a:gsLst>
+                    <a:gs pos="2917">
+                      <a:schemeClr val="tx1"/>
+                    </a:gs>
+                    <a:gs pos="30000">
+                      <a:schemeClr val="tx1"/>
+                    </a:gs>
+                  </a:gsLst>
+                  <a:lin ang="5400000" scaled="0"/>
+                </a:gradFill>
+              </a:rPr>
+              <a:t>, Power Virtual Agent), Office 365 Apps </a:t>
+            </a:r>
+          </a:p>
+          <a:p>
+            <a:r>
+              <a:rPr lang="en-US" sz="1200" dirty="0">
+                <a:gradFill>
+                  <a:gsLst>
+                    <a:gs pos="2917">
+                      <a:schemeClr val="tx1"/>
+                    </a:gs>
+                    <a:gs pos="30000">
+                      <a:schemeClr val="tx1"/>
+                    </a:gs>
+                  </a:gsLst>
+                  <a:lin ang="5400000" scaled="0"/>
+                </a:gradFill>
+              </a:rPr>
+              <a:t>        (SharePoint) &amp; Azure Cloud resources(App service, Blob storage, Search Service)</a:t>
+            </a:r>
+            <a:endParaRPr lang="en-US" sz="1200" b="1" dirty="0">
+              <a:gradFill>
+                <a:gsLst>
+                  <a:gs pos="2917">
+                    <a:schemeClr val="tx1"/>
+                  </a:gs>
+                  <a:gs pos="30000">
+                    <a:schemeClr val="tx1"/>
+                  </a:gs>
+                </a:gsLst>
+                <a:lin ang="5400000" scaled="0"/>
+              </a:gradFill>
+            </a:endParaRPr>
+          </a:p>
+          <a:p>
+            <a:r>
+              <a:rPr lang="en-US" sz="1200" b="1" dirty="0">
+                <a:gradFill>
+                  <a:gsLst>
+                    <a:gs pos="2917">
+                      <a:schemeClr val="tx1"/>
+                    </a:gs>
+                    <a:gs pos="30000">
+                      <a:schemeClr val="tx1"/>
+                    </a:gs>
+                  </a:gsLst>
+                  <a:lin ang="5400000" scaled="0"/>
+                </a:gradFill>
+              </a:rPr>
+              <a:t>    </a:t>
+            </a:r>
+          </a:p>
+          <a:p>
+            <a:endParaRPr lang="en-US" sz="1200" b="1" dirty="0">
+              <a:gradFill>
+                <a:gsLst>
+                  <a:gs pos="2917">
+                    <a:schemeClr val="tx1"/>
+                  </a:gs>
+                  <a:gs pos="30000">
+                    <a:schemeClr val="tx1"/>
+                  </a:gs>
+                </a:gsLst>
+                <a:lin ang="5400000" scaled="0"/>
+              </a:gradFill>
+            </a:endParaRPr>
+          </a:p>
+          <a:p>
+            <a:pPr marL="171450" indent="-171450">
+              <a:buFont typeface="Arial" panose="020B0604020202020204" pitchFamily="34" charset="0"/>
+              <a:buChar char="•"/>
+            </a:pPr>
+            <a:endParaRPr lang="en-US" sz="1200" dirty="0">
+              <a:gradFill>
+                <a:gsLst>
+                  <a:gs pos="2917">
+                    <a:schemeClr val="tx1"/>
+                  </a:gs>
+                  <a:gs pos="30000">
+                    <a:schemeClr val="tx1"/>
+                  </a:gs>
+                </a:gsLst>
+                <a:lin ang="5400000" scaled="0"/>
+              </a:gradFill>
+            </a:endParaRPr>
+          </a:p>
+          <a:p>
+            <a:pPr marL="171450" indent="-171450">
+              <a:buFont typeface="Arial" panose="020B0604020202020204" pitchFamily="34" charset="0"/>
+              <a:buChar char="•"/>
+            </a:pPr>
+            <a:endParaRPr lang="en-US" sz="1200" dirty="0">
+              <a:gradFill>
+                <a:gsLst>
+                  <a:gs pos="2917">
+                    <a:schemeClr val="tx1"/>
+                  </a:gs>
+                  <a:gs pos="30000">
+                    <a:schemeClr val="tx1"/>
+                  </a:gs>
+                </a:gsLst>
+                <a:lin ang="5400000" scaled="0"/>
+              </a:gradFill>
+            </a:endParaRPr>
+          </a:p>
+          <a:p>
             <a:pPr marL="171450" indent="-171450" algn="l">
               <a:buFont typeface="Arial" panose="020B0604020202020204" pitchFamily="34" charset="0"/>
               <a:buChar char="•"/>
             </a:pPr>
-            <a:r>
-              <a:rPr lang="en-US" sz="1200" dirty="0" smtClean="0">
-                <a:gradFill>
-                  <a:gsLst>
-                    <a:gs pos="2917">
-                      <a:schemeClr val="tx1"/>
-                    </a:gs>
-                    <a:gs pos="30000">
-                      <a:schemeClr val="tx1"/>
-                    </a:gs>
-                  </a:gsLst>
-                  <a:lin ang="5400000" scaled="0"/>
-                </a:gradFill>
-              </a:rPr>
-              <a:t>As part of architecture we used IaaS, PaaS, SaaS </a:t>
-            </a:r>
+            <a:endParaRPr lang="en-US" sz="1200" dirty="0">
+              <a:gradFill>
+                <a:gsLst>
+                  <a:gs pos="2917">
+                    <a:schemeClr val="tx1"/>
+                  </a:gs>
+                  <a:gs pos="30000">
+                    <a:schemeClr val="tx1"/>
+                  </a:gs>
+                </a:gsLst>
+                <a:lin ang="5400000" scaled="0"/>
+              </a:gradFill>
+            </a:endParaRPr>
+          </a:p>
+          <a:p>
+            <a:pPr marL="171450" indent="-171450" algn="l">
+              <a:buFont typeface="Arial" panose="020B0604020202020204" pitchFamily="34" charset="0"/>
+              <a:buChar char="•"/>
+            </a:pPr>
+            <a:endParaRPr lang="en-US" sz="1200" dirty="0">
+              <a:gradFill>
+                <a:gsLst>
+                  <a:gs pos="2917">
+                    <a:schemeClr val="tx1"/>
+                  </a:gs>
+                  <a:gs pos="30000">
+                    <a:schemeClr val="tx1"/>
+                  </a:gs>
+                </a:gsLst>
+                <a:lin ang="5400000" scaled="0"/>
+              </a:gradFill>
+            </a:endParaRPr>
           </a:p>
         </p:txBody>
       </p:sp>
@@ -25494,7 +27024,633 @@
 </p:sld>
 </file>
 
-<file path=ppt/slides/slide12.xml><?xml version="1.0" encoding="utf-8"?>
+<file path=ppt/slides/slide14.xml><?xml version="1.0" encoding="utf-8"?>
+<p:sld xmlns:a="http://schemas.openxmlformats.org/drawingml/2006/main" xmlns:r="http://schemas.openxmlformats.org/officeDocument/2006/relationships" xmlns:p="http://schemas.openxmlformats.org/presentationml/2006/main">
+  <p:cSld>
+    <p:spTree>
+      <p:nvGrpSpPr>
+        <p:cNvPr id="1" name=""/>
+        <p:cNvGrpSpPr/>
+        <p:nvPr/>
+      </p:nvGrpSpPr>
+      <p:grpSpPr>
+        <a:xfrm>
+          <a:off x="0" y="0"/>
+          <a:ext cx="0" cy="0"/>
+          <a:chOff x="0" y="0"/>
+          <a:chExt cx="0" cy="0"/>
+        </a:xfrm>
+      </p:grpSpPr>
+      <p:sp>
+        <p:nvSpPr>
+          <p:cNvPr id="3" name="Rectangle 2">
+            <a:extLst>
+              <a:ext uri="{FF2B5EF4-FFF2-40B4-BE49-F238E27FC236}">
+                <a16:creationId xmlns:a16="http://schemas.microsoft.com/office/drawing/2014/main" id="{944B5131-2DF6-4205-BCA4-8E77D3DC5B80}"/>
+              </a:ext>
+            </a:extLst>
+          </p:cNvPr>
+          <p:cNvSpPr/>
+          <p:nvPr/>
+        </p:nvSpPr>
+        <p:spPr>
+          <a:xfrm>
+            <a:off x="152400" y="57150"/>
+            <a:ext cx="8839200" cy="5293757"/>
+          </a:xfrm>
+          <a:prstGeom prst="rect">
+            <a:avLst/>
+          </a:prstGeom>
+        </p:spPr>
+        <p:txBody>
+          <a:bodyPr wrap="square">
+            <a:spAutoFit/>
+          </a:bodyPr>
+          <a:lstStyle/>
+          <a:p>
+            <a:pPr marL="228600" indent="-228600">
+              <a:buAutoNum type="arabicPeriod" startAt="4"/>
+            </a:pPr>
+            <a:r>
+              <a:rPr lang="en-US" sz="1400" b="1" dirty="0">
+                <a:gradFill>
+                  <a:gsLst>
+                    <a:gs pos="2917">
+                      <a:schemeClr val="tx1"/>
+                    </a:gs>
+                    <a:gs pos="30000">
+                      <a:schemeClr val="tx1"/>
+                    </a:gs>
+                  </a:gsLst>
+                  <a:lin ang="5400000" scaled="0"/>
+                </a:gradFill>
+              </a:rPr>
+              <a:t>IaaS -VPN </a:t>
+            </a:r>
+          </a:p>
+          <a:p>
+            <a:r>
+              <a:rPr lang="en-US" sz="1400" b="1" dirty="0">
+                <a:gradFill>
+                  <a:gsLst>
+                    <a:gs pos="2917">
+                      <a:schemeClr val="tx1"/>
+                    </a:gs>
+                    <a:gs pos="30000">
+                      <a:schemeClr val="tx1"/>
+                    </a:gs>
+                  </a:gsLst>
+                  <a:lin ang="5400000" scaled="0"/>
+                </a:gradFill>
+              </a:rPr>
+              <a:t>     </a:t>
+            </a:r>
+            <a:r>
+              <a:rPr lang="en-US" sz="1400" dirty="0">
+                <a:gradFill>
+                  <a:gsLst>
+                    <a:gs pos="2917">
+                      <a:schemeClr val="tx1"/>
+                    </a:gs>
+                    <a:gs pos="30000">
+                      <a:schemeClr val="tx1"/>
+                    </a:gs>
+                  </a:gsLst>
+                  <a:lin ang="5400000" scaled="0"/>
+                </a:gradFill>
+              </a:rPr>
+              <a:t>– Used to create private Virtual Network to Isolate resources.</a:t>
+            </a:r>
+          </a:p>
+          <a:p>
+            <a:r>
+              <a:rPr lang="en-US" sz="1400" b="1" dirty="0">
+                <a:gradFill>
+                  <a:gsLst>
+                    <a:gs pos="2917">
+                      <a:schemeClr val="tx1"/>
+                    </a:gs>
+                    <a:gs pos="30000">
+                      <a:schemeClr val="tx1"/>
+                    </a:gs>
+                  </a:gsLst>
+                  <a:lin ang="5400000" scaled="0"/>
+                </a:gradFill>
+              </a:rPr>
+              <a:t>5. IaaS -VM</a:t>
+            </a:r>
+          </a:p>
+          <a:p>
+            <a:r>
+              <a:rPr lang="en-US" sz="1400" b="1" dirty="0">
+                <a:gradFill>
+                  <a:gsLst>
+                    <a:gs pos="2917">
+                      <a:schemeClr val="tx1"/>
+                    </a:gs>
+                    <a:gs pos="30000">
+                      <a:schemeClr val="tx1"/>
+                    </a:gs>
+                  </a:gsLst>
+                  <a:lin ang="5400000" scaled="0"/>
+                </a:gradFill>
+              </a:rPr>
+              <a:t>     </a:t>
+            </a:r>
+            <a:r>
+              <a:rPr lang="en-US" sz="1400" dirty="0">
+                <a:gradFill>
+                  <a:gsLst>
+                    <a:gs pos="2917">
+                      <a:schemeClr val="tx1"/>
+                    </a:gs>
+                    <a:gs pos="30000">
+                      <a:schemeClr val="tx1"/>
+                    </a:gs>
+                  </a:gsLst>
+                  <a:lin ang="5400000" scaled="0"/>
+                </a:gradFill>
+              </a:rPr>
+              <a:t>– Used Azure VM to provision SharePoint Server 2016 &amp; .NET MVC Web application protected with security and management services.</a:t>
+            </a:r>
+          </a:p>
+          <a:p>
+            <a:r>
+              <a:rPr lang="en-US" sz="1400" b="1" dirty="0">
+                <a:gradFill>
+                  <a:gsLst>
+                    <a:gs pos="2917">
+                      <a:schemeClr val="tx1"/>
+                    </a:gs>
+                    <a:gs pos="30000">
+                      <a:schemeClr val="tx1"/>
+                    </a:gs>
+                  </a:gsLst>
+                  <a:lin ang="5400000" scaled="0"/>
+                </a:gradFill>
+              </a:rPr>
+              <a:t>6. SharePoint On-premise</a:t>
+            </a:r>
+          </a:p>
+          <a:p>
+            <a:r>
+              <a:rPr lang="en-US" sz="1400" b="1" dirty="0">
+                <a:gradFill>
+                  <a:gsLst>
+                    <a:gs pos="2917">
+                      <a:schemeClr val="tx1"/>
+                    </a:gs>
+                    <a:gs pos="30000">
+                      <a:schemeClr val="tx1"/>
+                    </a:gs>
+                  </a:gsLst>
+                  <a:lin ang="5400000" scaled="0"/>
+                </a:gradFill>
+              </a:rPr>
+              <a:t>     </a:t>
+            </a:r>
+            <a:r>
+              <a:rPr lang="en-US" sz="1400" dirty="0">
+                <a:gradFill>
+                  <a:gsLst>
+                    <a:gs pos="2917">
+                      <a:schemeClr val="tx1"/>
+                    </a:gs>
+                    <a:gs pos="30000">
+                      <a:schemeClr val="tx1"/>
+                    </a:gs>
+                  </a:gsLst>
+                  <a:lin ang="5400000" scaled="0"/>
+                </a:gradFill>
+              </a:rPr>
+              <a:t>– Used to manage confidential private information using SharePoint access policies</a:t>
+            </a:r>
+          </a:p>
+          <a:p>
+            <a:r>
+              <a:rPr lang="en-US" sz="1400" b="1" dirty="0">
+                <a:gradFill>
+                  <a:gsLst>
+                    <a:gs pos="2917">
+                      <a:schemeClr val="tx1"/>
+                    </a:gs>
+                    <a:gs pos="30000">
+                      <a:schemeClr val="tx1"/>
+                    </a:gs>
+                  </a:gsLst>
+                  <a:lin ang="5400000" scaled="0"/>
+                </a:gradFill>
+              </a:rPr>
+              <a:t>7. Azure App Service</a:t>
+            </a:r>
+          </a:p>
+          <a:p>
+            <a:r>
+              <a:rPr lang="en-US" sz="1400" b="1" dirty="0">
+                <a:gradFill>
+                  <a:gsLst>
+                    <a:gs pos="2917">
+                      <a:schemeClr val="tx1"/>
+                    </a:gs>
+                    <a:gs pos="30000">
+                      <a:schemeClr val="tx1"/>
+                    </a:gs>
+                  </a:gsLst>
+                  <a:lin ang="5400000" scaled="0"/>
+                </a:gradFill>
+              </a:rPr>
+              <a:t>    </a:t>
+            </a:r>
+            <a:r>
+              <a:rPr lang="en-US" sz="1400" dirty="0">
+                <a:gradFill>
+                  <a:gsLst>
+                    <a:gs pos="2917">
+                      <a:schemeClr val="tx1"/>
+                    </a:gs>
+                    <a:gs pos="30000">
+                      <a:schemeClr val="tx1"/>
+                    </a:gs>
+                  </a:gsLst>
+                  <a:lin ang="5400000" scaled="0"/>
+                </a:gradFill>
+              </a:rPr>
+              <a:t>– Used to display Azure Cognitive search Application results using .NET MVC Web Application</a:t>
+            </a:r>
+            <a:endParaRPr lang="en-US" sz="1400" b="1" dirty="0">
+              <a:gradFill>
+                <a:gsLst>
+                  <a:gs pos="2917">
+                    <a:schemeClr val="tx1"/>
+                  </a:gs>
+                  <a:gs pos="30000">
+                    <a:schemeClr val="tx1"/>
+                  </a:gs>
+                </a:gsLst>
+                <a:lin ang="5400000" scaled="0"/>
+              </a:gradFill>
+            </a:endParaRPr>
+          </a:p>
+          <a:p>
+            <a:r>
+              <a:rPr lang="en-US" sz="1400" b="1" dirty="0">
+                <a:gradFill>
+                  <a:gsLst>
+                    <a:gs pos="2917">
+                      <a:schemeClr val="tx1"/>
+                    </a:gs>
+                    <a:gs pos="30000">
+                      <a:schemeClr val="tx1"/>
+                    </a:gs>
+                  </a:gsLst>
+                  <a:lin ang="5400000" scaled="0"/>
+                </a:gradFill>
+              </a:rPr>
+              <a:t>8. Azure Cognitive Search Service</a:t>
+            </a:r>
+          </a:p>
+          <a:p>
+            <a:r>
+              <a:rPr lang="en-US" sz="1400" b="1" dirty="0">
+                <a:gradFill>
+                  <a:gsLst>
+                    <a:gs pos="2917">
+                      <a:schemeClr val="tx1"/>
+                    </a:gs>
+                    <a:gs pos="30000">
+                      <a:schemeClr val="tx1"/>
+                    </a:gs>
+                  </a:gsLst>
+                  <a:lin ang="5400000" scaled="0"/>
+                </a:gradFill>
+              </a:rPr>
+              <a:t>    </a:t>
+            </a:r>
+            <a:r>
+              <a:rPr lang="en-US" sz="1400" dirty="0">
+                <a:gradFill>
+                  <a:gsLst>
+                    <a:gs pos="2917">
+                      <a:schemeClr val="tx1"/>
+                    </a:gs>
+                    <a:gs pos="30000">
+                      <a:schemeClr val="tx1"/>
+                    </a:gs>
+                  </a:gsLst>
+                  <a:lin ang="5400000" scaled="0"/>
+                </a:gradFill>
+              </a:rPr>
+              <a:t>– Used to Index Search results of different data Sources like Blob Storage, Cosmos DB, Cognitive skillset results &amp; provides expected response as result. Helps </a:t>
+            </a:r>
+            <a:r>
+              <a:rPr lang="en-US" sz="1400" dirty="0"/>
+              <a:t>to easily identify and explore relevant content at scale.</a:t>
+            </a:r>
+          </a:p>
+          <a:p>
+            <a:r>
+              <a:rPr lang="en-US" sz="1400" b="1" dirty="0">
+                <a:gradFill>
+                  <a:gsLst>
+                    <a:gs pos="2917">
+                      <a:schemeClr val="tx1"/>
+                    </a:gs>
+                    <a:gs pos="30000">
+                      <a:schemeClr val="tx1"/>
+                    </a:gs>
+                  </a:gsLst>
+                  <a:lin ang="5400000" scaled="0"/>
+                </a:gradFill>
+              </a:rPr>
+              <a:t>9. Azure Functions</a:t>
+            </a:r>
+          </a:p>
+          <a:p>
+            <a:r>
+              <a:rPr lang="en-US" sz="1400" b="1" dirty="0">
+                <a:gradFill>
+                  <a:gsLst>
+                    <a:gs pos="2917">
+                      <a:schemeClr val="tx1"/>
+                    </a:gs>
+                    <a:gs pos="30000">
+                      <a:schemeClr val="tx1"/>
+                    </a:gs>
+                  </a:gsLst>
+                  <a:lin ang="5400000" scaled="0"/>
+                </a:gradFill>
+              </a:rPr>
+              <a:t>    </a:t>
+            </a:r>
+            <a:r>
+              <a:rPr lang="en-US" sz="1400" dirty="0">
+                <a:gradFill>
+                  <a:gsLst>
+                    <a:gs pos="2917">
+                      <a:schemeClr val="tx1"/>
+                    </a:gs>
+                    <a:gs pos="30000">
+                      <a:schemeClr val="tx1"/>
+                    </a:gs>
+                  </a:gsLst>
+                  <a:lin ang="5400000" scaled="0"/>
+                </a:gradFill>
+              </a:rPr>
+              <a:t>– Used to create Serverless Application to convert Media types like Audio to Text/JSON file content.</a:t>
+            </a:r>
+          </a:p>
+          <a:p>
+            <a:r>
+              <a:rPr lang="en-US" sz="1400" b="1" dirty="0">
+                <a:gradFill>
+                  <a:gsLst>
+                    <a:gs pos="2917">
+                      <a:schemeClr val="tx1"/>
+                    </a:gs>
+                    <a:gs pos="30000">
+                      <a:schemeClr val="tx1"/>
+                    </a:gs>
+                  </a:gsLst>
+                  <a:lin ang="5400000" scaled="0"/>
+                </a:gradFill>
+              </a:rPr>
+              <a:t>10. Azure Media Service</a:t>
+            </a:r>
+            <a:br>
+              <a:rPr lang="en-US" sz="1400" b="1" dirty="0">
+                <a:gradFill>
+                  <a:gsLst>
+                    <a:gs pos="2917">
+                      <a:schemeClr val="tx1"/>
+                    </a:gs>
+                    <a:gs pos="30000">
+                      <a:schemeClr val="tx1"/>
+                    </a:gs>
+                  </a:gsLst>
+                  <a:lin ang="5400000" scaled="0"/>
+                </a:gradFill>
+              </a:rPr>
+            </a:br>
+            <a:r>
+              <a:rPr lang="en-US" sz="1400" b="1" dirty="0">
+                <a:gradFill>
+                  <a:gsLst>
+                    <a:gs pos="2917">
+                      <a:schemeClr val="tx1"/>
+                    </a:gs>
+                    <a:gs pos="30000">
+                      <a:schemeClr val="tx1"/>
+                    </a:gs>
+                  </a:gsLst>
+                  <a:lin ang="5400000" scaled="0"/>
+                </a:gradFill>
+              </a:rPr>
+              <a:t>     </a:t>
+            </a:r>
+            <a:r>
+              <a:rPr lang="en-US" sz="1400" dirty="0">
+                <a:gradFill>
+                  <a:gsLst>
+                    <a:gs pos="2917">
+                      <a:schemeClr val="tx1"/>
+                    </a:gs>
+                    <a:gs pos="30000">
+                      <a:schemeClr val="tx1"/>
+                    </a:gs>
+                  </a:gsLst>
+                  <a:lin ang="5400000" scaled="0"/>
+                </a:gradFill>
+              </a:rPr>
+              <a:t>– Used to convert Video Files to JSON, which can be saved in Blob &amp; later indexed using Azure Cognitive Search Service. Video Analytics API provided helps to identify people and also helps in audio translation analysis.</a:t>
+            </a:r>
+            <a:br>
+              <a:rPr lang="en-US" sz="1400" b="1" dirty="0">
+                <a:gradFill>
+                  <a:gsLst>
+                    <a:gs pos="2917">
+                      <a:schemeClr val="tx1"/>
+                    </a:gs>
+                    <a:gs pos="30000">
+                      <a:schemeClr val="tx1"/>
+                    </a:gs>
+                  </a:gsLst>
+                  <a:lin ang="5400000" scaled="0"/>
+                </a:gradFill>
+              </a:rPr>
+            </a:br>
+            <a:r>
+              <a:rPr lang="en-US" sz="1400" b="1" dirty="0">
+                <a:gradFill>
+                  <a:gsLst>
+                    <a:gs pos="2917">
+                      <a:schemeClr val="tx1"/>
+                    </a:gs>
+                    <a:gs pos="30000">
+                      <a:schemeClr val="tx1"/>
+                    </a:gs>
+                  </a:gsLst>
+                  <a:lin ang="5400000" scaled="0"/>
+                </a:gradFill>
+              </a:rPr>
+              <a:t>11. Azure App Insights</a:t>
+            </a:r>
+            <a:br>
+              <a:rPr lang="en-US" sz="1400" b="1" dirty="0">
+                <a:gradFill>
+                  <a:gsLst>
+                    <a:gs pos="2917">
+                      <a:schemeClr val="tx1"/>
+                    </a:gs>
+                    <a:gs pos="30000">
+                      <a:schemeClr val="tx1"/>
+                    </a:gs>
+                  </a:gsLst>
+                  <a:lin ang="5400000" scaled="0"/>
+                </a:gradFill>
+              </a:rPr>
+            </a:br>
+            <a:r>
+              <a:rPr lang="en-US" sz="1400" b="1" dirty="0">
+                <a:gradFill>
+                  <a:gsLst>
+                    <a:gs pos="2917">
+                      <a:schemeClr val="tx1"/>
+                    </a:gs>
+                    <a:gs pos="30000">
+                      <a:schemeClr val="tx1"/>
+                    </a:gs>
+                  </a:gsLst>
+                  <a:lin ang="5400000" scaled="0"/>
+                </a:gradFill>
+              </a:rPr>
+              <a:t>     </a:t>
+            </a:r>
+            <a:r>
+              <a:rPr lang="en-US" sz="1400" dirty="0">
+                <a:gradFill>
+                  <a:gsLst>
+                    <a:gs pos="2917">
+                      <a:schemeClr val="tx1"/>
+                    </a:gs>
+                    <a:gs pos="30000">
+                      <a:schemeClr val="tx1"/>
+                    </a:gs>
+                  </a:gsLst>
+                  <a:lin ang="5400000" scaled="0"/>
+                </a:gradFill>
+              </a:rPr>
+              <a:t>– Used to Detect, Diagnose Exceptions of App Services, Performance Metrices, Usage Analytics, Live Metrics Tracking.</a:t>
+            </a:r>
+            <a:br>
+              <a:rPr lang="en-US" sz="1400" b="1" dirty="0">
+                <a:gradFill>
+                  <a:gsLst>
+                    <a:gs pos="2917">
+                      <a:schemeClr val="tx1"/>
+                    </a:gs>
+                    <a:gs pos="30000">
+                      <a:schemeClr val="tx1"/>
+                    </a:gs>
+                  </a:gsLst>
+                  <a:lin ang="5400000" scaled="0"/>
+                </a:gradFill>
+              </a:rPr>
+            </a:br>
+            <a:r>
+              <a:rPr lang="en-US" sz="1400" b="1" dirty="0">
+                <a:gradFill>
+                  <a:gsLst>
+                    <a:gs pos="2917">
+                      <a:schemeClr val="tx1"/>
+                    </a:gs>
+                    <a:gs pos="30000">
+                      <a:schemeClr val="tx1"/>
+                    </a:gs>
+                  </a:gsLst>
+                  <a:lin ang="5400000" scaled="0"/>
+                </a:gradFill>
+              </a:rPr>
+              <a:t>12. Power BI</a:t>
+            </a:r>
+            <a:br>
+              <a:rPr lang="en-US" sz="1400" b="1" dirty="0">
+                <a:gradFill>
+                  <a:gsLst>
+                    <a:gs pos="2917">
+                      <a:schemeClr val="tx1"/>
+                    </a:gs>
+                    <a:gs pos="30000">
+                      <a:schemeClr val="tx1"/>
+                    </a:gs>
+                  </a:gsLst>
+                  <a:lin ang="5400000" scaled="0"/>
+                </a:gradFill>
+              </a:rPr>
+            </a:br>
+            <a:r>
+              <a:rPr lang="en-US" sz="1400" dirty="0">
+                <a:gradFill>
+                  <a:gsLst>
+                    <a:gs pos="2917">
+                      <a:schemeClr val="tx1"/>
+                    </a:gs>
+                    <a:gs pos="30000">
+                      <a:schemeClr val="tx1"/>
+                    </a:gs>
+                  </a:gsLst>
+                  <a:lin ang="5400000" scaled="0"/>
+                </a:gradFill>
+              </a:rPr>
+              <a:t>     – Used to Visualize Cognitive Search Service Operation Logs &amp; Metrics stored in Azure Storage Services.</a:t>
+            </a:r>
+            <a:endParaRPr lang="en-US" sz="1400" b="1" dirty="0">
+              <a:gradFill>
+                <a:gsLst>
+                  <a:gs pos="2917">
+                    <a:schemeClr val="tx1"/>
+                  </a:gs>
+                  <a:gs pos="30000">
+                    <a:schemeClr val="tx1"/>
+                  </a:gs>
+                </a:gsLst>
+                <a:lin ang="5400000" scaled="0"/>
+              </a:gradFill>
+            </a:endParaRPr>
+          </a:p>
+          <a:p>
+            <a:endParaRPr lang="en-US" sz="1600" b="1" dirty="0">
+              <a:gradFill>
+                <a:gsLst>
+                  <a:gs pos="2917">
+                    <a:schemeClr val="tx1"/>
+                  </a:gs>
+                  <a:gs pos="30000">
+                    <a:schemeClr val="tx1"/>
+                  </a:gs>
+                </a:gsLst>
+                <a:lin ang="5400000" scaled="0"/>
+              </a:gradFill>
+            </a:endParaRPr>
+          </a:p>
+        </p:txBody>
+      </p:sp>
+    </p:spTree>
+    <p:extLst>
+      <p:ext uri="{BB962C8B-B14F-4D97-AF65-F5344CB8AC3E}">
+        <p14:creationId xmlns:p14="http://schemas.microsoft.com/office/powerpoint/2010/main" val="2209362663"/>
+      </p:ext>
+    </p:extLst>
+  </p:cSld>
+  <p:clrMapOvr>
+    <a:masterClrMapping/>
+  </p:clrMapOvr>
+  <p:transition>
+    <p:fade/>
+  </p:transition>
+</p:sld>
+</file>
+
+<file path=ppt/slides/slide15.xml><?xml version="1.0" encoding="utf-8"?>
 <p:sld xmlns:a="http://schemas.openxmlformats.org/drawingml/2006/main" xmlns:r="http://schemas.openxmlformats.org/officeDocument/2006/relationships" xmlns:p="http://schemas.openxmlformats.org/presentationml/2006/main">
   <p:cSld>
     <p:spTree>
@@ -25539,10 +27695,283 @@
           </a:p>
         </p:txBody>
       </p:sp>
+      <p:sp>
+        <p:nvSpPr>
+          <p:cNvPr id="3" name="TextBox 2">
+            <a:extLst>
+              <a:ext uri="{FF2B5EF4-FFF2-40B4-BE49-F238E27FC236}">
+                <a16:creationId xmlns:a16="http://schemas.microsoft.com/office/drawing/2014/main" id="{5ADEF641-44D9-4B94-8B9E-09D48A75A743}"/>
+              </a:ext>
+            </a:extLst>
+          </p:cNvPr>
+          <p:cNvSpPr txBox="1"/>
+          <p:nvPr/>
+        </p:nvSpPr>
+        <p:spPr>
+          <a:xfrm>
+            <a:off x="440055" y="866898"/>
+            <a:ext cx="8263890" cy="2868349"/>
+          </a:xfrm>
+          <a:prstGeom prst="rect">
+            <a:avLst/>
+          </a:prstGeom>
+          <a:noFill/>
+        </p:spPr>
+        <p:txBody>
+          <a:bodyPr wrap="square" lIns="0" tIns="0" rIns="0" bIns="0" rtlCol="0">
+            <a:spAutoFit/>
+          </a:bodyPr>
+          <a:lstStyle/>
+          <a:p>
+            <a:pPr marL="285750" indent="-285750" algn="just">
+              <a:lnSpc>
+                <a:spcPct val="150000"/>
+              </a:lnSpc>
+              <a:buFont typeface="Arial" panose="020B0604020202020204" pitchFamily="34" charset="0"/>
+              <a:buChar char="•"/>
+            </a:pPr>
+            <a:r>
+              <a:rPr lang="en-US" sz="1400" dirty="0">
+                <a:gradFill>
+                  <a:gsLst>
+                    <a:gs pos="2917">
+                      <a:schemeClr val="tx1"/>
+                    </a:gs>
+                    <a:gs pos="30000">
+                      <a:schemeClr val="tx1"/>
+                    </a:gs>
+                  </a:gsLst>
+                  <a:lin ang="5400000" scaled="0"/>
+                </a:gradFill>
+              </a:rPr>
+              <a:t>In-Scope for this demo</a:t>
+            </a:r>
+          </a:p>
+          <a:p>
+            <a:pPr marL="742950" lvl="1" indent="-285750" algn="just">
+              <a:lnSpc>
+                <a:spcPct val="150000"/>
+              </a:lnSpc>
+              <a:buFont typeface="Arial" panose="020B0604020202020204" pitchFamily="34" charset="0"/>
+              <a:buChar char="•"/>
+            </a:pPr>
+            <a:r>
+              <a:rPr lang="en-US" sz="1400" dirty="0">
+                <a:gradFill>
+                  <a:gsLst>
+                    <a:gs pos="2917">
+                      <a:schemeClr val="tx1"/>
+                    </a:gs>
+                    <a:gs pos="30000">
+                      <a:schemeClr val="tx1"/>
+                    </a:gs>
+                  </a:gsLst>
+                  <a:lin ang="5400000" scaled="0"/>
+                </a:gradFill>
+              </a:rPr>
+              <a:t>Audio files are supported only .wav format. </a:t>
+            </a:r>
+          </a:p>
+          <a:p>
+            <a:pPr marL="742950" lvl="1" indent="-285750" algn="just">
+              <a:lnSpc>
+                <a:spcPct val="150000"/>
+              </a:lnSpc>
+              <a:buFont typeface="Arial" panose="020B0604020202020204" pitchFamily="34" charset="0"/>
+              <a:buChar char="•"/>
+            </a:pPr>
+            <a:r>
+              <a:rPr lang="en-US" sz="1400" dirty="0">
+                <a:gradFill>
+                  <a:gsLst>
+                    <a:gs pos="2917">
+                      <a:schemeClr val="tx1"/>
+                    </a:gs>
+                    <a:gs pos="30000">
+                      <a:schemeClr val="tx1"/>
+                    </a:gs>
+                  </a:gsLst>
+                  <a:lin ang="5400000" scaled="0"/>
+                </a:gradFill>
+              </a:rPr>
+              <a:t>Video files are supported only .mp4 format.</a:t>
+            </a:r>
+          </a:p>
+          <a:p>
+            <a:pPr marL="742950" lvl="1" indent="-285750" algn="just">
+              <a:lnSpc>
+                <a:spcPct val="150000"/>
+              </a:lnSpc>
+              <a:buFont typeface="Arial" panose="020B0604020202020204" pitchFamily="34" charset="0"/>
+              <a:buChar char="•"/>
+            </a:pPr>
+            <a:r>
+              <a:rPr lang="en-US" sz="1400" dirty="0">
+                <a:gradFill>
+                  <a:gsLst>
+                    <a:gs pos="2917">
+                      <a:schemeClr val="tx1"/>
+                    </a:gs>
+                    <a:gs pos="30000">
+                      <a:schemeClr val="tx1"/>
+                    </a:gs>
+                  </a:gsLst>
+                  <a:lin ang="5400000" scaled="0"/>
+                </a:gradFill>
+              </a:rPr>
+              <a:t>Supported Images (.</a:t>
+            </a:r>
+            <a:r>
+              <a:rPr lang="en-US" sz="1400" dirty="0" err="1">
+                <a:gradFill>
+                  <a:gsLst>
+                    <a:gs pos="2917">
+                      <a:schemeClr val="tx1"/>
+                    </a:gs>
+                    <a:gs pos="30000">
+                      <a:schemeClr val="tx1"/>
+                    </a:gs>
+                  </a:gsLst>
+                  <a:lin ang="5400000" scaled="0"/>
+                </a:gradFill>
+              </a:rPr>
+              <a:t>png</a:t>
+            </a:r>
+            <a:r>
+              <a:rPr lang="en-US" sz="1400">
+                <a:gradFill>
+                  <a:gsLst>
+                    <a:gs pos="2917">
+                      <a:schemeClr val="tx1"/>
+                    </a:gs>
+                    <a:gs pos="30000">
+                      <a:schemeClr val="tx1"/>
+                    </a:gs>
+                  </a:gsLst>
+                  <a:lin ang="5400000" scaled="0"/>
+                </a:gradFill>
+              </a:rPr>
+              <a:t> and .</a:t>
+            </a:r>
+            <a:r>
+              <a:rPr lang="en-US" sz="1400" dirty="0">
+                <a:gradFill>
+                  <a:gsLst>
+                    <a:gs pos="2917">
+                      <a:schemeClr val="tx1"/>
+                    </a:gs>
+                    <a:gs pos="30000">
+                      <a:schemeClr val="tx1"/>
+                    </a:gs>
+                  </a:gsLst>
+                  <a:lin ang="5400000" scaled="0"/>
+                </a:gradFill>
+              </a:rPr>
+              <a:t>jpeg)</a:t>
+            </a:r>
+          </a:p>
+          <a:p>
+            <a:pPr marL="742950" lvl="1" indent="-285750" algn="just">
+              <a:lnSpc>
+                <a:spcPct val="150000"/>
+              </a:lnSpc>
+              <a:buFont typeface="Arial" panose="020B0604020202020204" pitchFamily="34" charset="0"/>
+              <a:buChar char="•"/>
+            </a:pPr>
+            <a:r>
+              <a:rPr lang="en-US" sz="1400" dirty="0">
+                <a:gradFill>
+                  <a:gsLst>
+                    <a:gs pos="2917">
+                      <a:schemeClr val="tx1"/>
+                    </a:gs>
+                    <a:gs pos="30000">
+                      <a:schemeClr val="tx1"/>
+                    </a:gs>
+                  </a:gsLst>
+                  <a:lin ang="5400000" scaled="0"/>
+                </a:gradFill>
+              </a:rPr>
+              <a:t>Supported Documents (.Doc, Docx, .PDF and .PPTX)</a:t>
+            </a:r>
+          </a:p>
+          <a:p>
+            <a:pPr marL="742950" lvl="1" indent="-285750" algn="just">
+              <a:lnSpc>
+                <a:spcPct val="150000"/>
+              </a:lnSpc>
+              <a:buFont typeface="Arial" panose="020B0604020202020204" pitchFamily="34" charset="0"/>
+              <a:buChar char="•"/>
+            </a:pPr>
+            <a:endParaRPr lang="en-US" sz="1400" dirty="0">
+              <a:gradFill>
+                <a:gsLst>
+                  <a:gs pos="2917">
+                    <a:schemeClr val="tx1"/>
+                  </a:gs>
+                  <a:gs pos="30000">
+                    <a:schemeClr val="tx1"/>
+                  </a:gs>
+                </a:gsLst>
+                <a:lin ang="5400000" scaled="0"/>
+              </a:gradFill>
+            </a:endParaRPr>
+          </a:p>
+          <a:p>
+            <a:pPr marL="285750" indent="-285750" algn="just">
+              <a:lnSpc>
+                <a:spcPct val="150000"/>
+              </a:lnSpc>
+              <a:buFont typeface="Arial" panose="020B0604020202020204" pitchFamily="34" charset="0"/>
+              <a:buChar char="•"/>
+            </a:pPr>
+            <a:r>
+              <a:rPr lang="en-US" sz="1400" dirty="0"/>
+              <a:t>We are yet to schedule jobs for converting audio/video/image/document files to JSON and updating to respective data storage. For now, this has to be run manually</a:t>
+            </a:r>
+            <a:r>
+              <a:rPr lang="en-US" sz="1400" dirty="0">
+                <a:gradFill>
+                  <a:gsLst>
+                    <a:gs pos="2917">
+                      <a:schemeClr val="tx1"/>
+                    </a:gs>
+                    <a:gs pos="30000">
+                      <a:schemeClr val="tx1"/>
+                    </a:gs>
+                  </a:gsLst>
+                  <a:lin ang="5400000" scaled="0"/>
+                </a:gradFill>
+              </a:rPr>
+              <a:t>.</a:t>
+            </a:r>
+          </a:p>
+          <a:p>
+            <a:pPr lvl="1" algn="just">
+              <a:lnSpc>
+                <a:spcPct val="150000"/>
+              </a:lnSpc>
+            </a:pPr>
+            <a:endParaRPr lang="en-US" sz="1400" dirty="0">
+              <a:gradFill>
+                <a:gsLst>
+                  <a:gs pos="2917">
+                    <a:schemeClr val="tx1"/>
+                  </a:gs>
+                  <a:gs pos="30000">
+                    <a:schemeClr val="tx1"/>
+                  </a:gs>
+                </a:gsLst>
+                <a:lin ang="5400000" scaled="0"/>
+              </a:gradFill>
+            </a:endParaRPr>
+          </a:p>
+        </p:txBody>
+      </p:sp>
     </p:spTree>
     <p:extLst>
       <p:ext uri="{BB962C8B-B14F-4D97-AF65-F5344CB8AC3E}">
-        <p14:creationId xmlns:p14="http://schemas.microsoft.com/office/powerpoint/2010/main" val="2209362663"/>
+        <p14:creationId xmlns:p14="http://schemas.microsoft.com/office/powerpoint/2010/main" val="150679628"/>
       </p:ext>
     </p:extLst>
   </p:cSld>
@@ -25555,7 +27984,89 @@
 </p:sld>
 </file>
 
-<file path=ppt/slides/slide13.xml><?xml version="1.0" encoding="utf-8"?>
+<file path=ppt/slides/slide16.xml><?xml version="1.0" encoding="utf-8"?>
+<p:sld xmlns:a="http://schemas.openxmlformats.org/drawingml/2006/main" xmlns:r="http://schemas.openxmlformats.org/officeDocument/2006/relationships" xmlns:p="http://schemas.openxmlformats.org/presentationml/2006/main">
+  <p:cSld>
+    <p:bg>
+      <p:bgPr>
+        <a:solidFill>
+          <a:schemeClr val="bg1"/>
+        </a:solidFill>
+        <a:effectLst/>
+      </p:bgPr>
+    </p:bg>
+    <p:spTree>
+      <p:nvGrpSpPr>
+        <p:cNvPr id="1" name=""/>
+        <p:cNvGrpSpPr/>
+        <p:nvPr/>
+      </p:nvGrpSpPr>
+      <p:grpSpPr>
+        <a:xfrm>
+          <a:off x="0" y="0"/>
+          <a:ext cx="0" cy="0"/>
+          <a:chOff x="0" y="0"/>
+          <a:chExt cx="0" cy="0"/>
+        </a:xfrm>
+      </p:grpSpPr>
+      <p:sp>
+        <p:nvSpPr>
+          <p:cNvPr id="2" name="Text Placeholder 1"/>
+          <p:cNvSpPr>
+            <a:spLocks noGrp="1"/>
+          </p:cNvSpPr>
+          <p:nvPr>
+            <p:ph type="title"/>
+          </p:nvPr>
+        </p:nvSpPr>
+        <p:spPr>
+          <a:xfrm>
+            <a:off x="441197" y="323022"/>
+            <a:ext cx="8263890" cy="415499"/>
+          </a:xfrm>
+          <a:prstGeom prst="rect">
+            <a:avLst/>
+          </a:prstGeom>
+        </p:spPr>
+        <p:txBody>
+          <a:bodyPr wrap="square" anchor="t">
+            <a:normAutofit fontScale="90000"/>
+          </a:bodyPr>
+          <a:lstStyle/>
+          <a:p>
+            <a:r>
+              <a:rPr lang="en-US" dirty="0"/>
+              <a:t>Technical Details (Explain why you have chosen particular components in your architecture)</a:t>
+            </a:r>
+          </a:p>
+        </p:txBody>
+      </p:sp>
+    </p:spTree>
+    <p:extLst>
+      <p:ext uri="{BB962C8B-B14F-4D97-AF65-F5344CB8AC3E}">
+        <p14:creationId xmlns:p14="http://schemas.microsoft.com/office/powerpoint/2010/main" val="2156357631"/>
+      </p:ext>
+    </p:extLst>
+  </p:cSld>
+  <p:clrMapOvr>
+    <a:masterClrMapping/>
+  </p:clrMapOvr>
+  <mc:AlternateContent xmlns:mc="http://schemas.openxmlformats.org/markup-compatibility/2006" xmlns:p15="http://schemas.microsoft.com/office/powerpoint/2012/main">
+    <mc:Choice Requires="p15">
+      <p:transition xmlns:p14="http://schemas.microsoft.com/office/powerpoint/2010/main" spd="slow" p14:dur="1250" advTm="2327">
+        <p15:prstTrans prst="pageCurlDouble"/>
+      </p:transition>
+    </mc:Choice>
+    <mc:Fallback xmlns="">
+      <p:transition spd="slow" advTm="2327">
+        <p:fade/>
+      </p:transition>
+    </mc:Fallback>
+  </mc:AlternateContent>
+</p:sld>
+</file>
+
+<file path=ppt/slides/slide17.xml><?xml version="1.0" encoding="utf-8"?>
 <p:sld xmlns:a="http://schemas.openxmlformats.org/drawingml/2006/main" xmlns:r="http://schemas.openxmlformats.org/officeDocument/2006/relationships" xmlns:p="http://schemas.openxmlformats.org/presentationml/2006/main">
   <p:cSld>
     <p:bg>
@@ -25625,7 +28136,7 @@
                   <a:spcPts val="600"/>
                 </a:spcAft>
               </a:pPr>
-              <a:t>13</a:t>
+              <a:t>17</a:t>
             </a:fld>
             <a:endParaRPr lang="en-US">
               <a:solidFill>
@@ -25668,810 +28179,6 @@
           <a:p>
             <a:r>
               <a:rPr lang="en-US" dirty="0"/>
-              <a:t>Deployment Architecture Diagram</a:t>
-            </a:r>
-          </a:p>
-        </p:txBody>
-      </p:sp>
-      <p:pic>
-        <p:nvPicPr>
-          <p:cNvPr id="4" name="Picture 3"/>
-          <p:cNvPicPr>
-            <a:picLocks noChangeAspect="1"/>
-          </p:cNvPicPr>
-          <p:nvPr/>
-        </p:nvPicPr>
-        <p:blipFill>
-          <a:blip r:embed="rId2"/>
-          <a:stretch>
-            <a:fillRect/>
-          </a:stretch>
-        </p:blipFill>
-        <p:spPr>
-          <a:xfrm>
-            <a:off x="76200" y="1047750"/>
-            <a:ext cx="5086350" cy="3438525"/>
-          </a:xfrm>
-          <a:prstGeom prst="rect">
-            <a:avLst/>
-          </a:prstGeom>
-        </p:spPr>
-      </p:pic>
-    </p:spTree>
-    <p:extLst>
-      <p:ext uri="{BB962C8B-B14F-4D97-AF65-F5344CB8AC3E}">
-        <p14:creationId xmlns:p14="http://schemas.microsoft.com/office/powerpoint/2010/main" val="3914489176"/>
-      </p:ext>
-    </p:extLst>
-  </p:cSld>
-  <p:clrMapOvr>
-    <a:masterClrMapping/>
-  </p:clrMapOvr>
-  <p:transition>
-    <p:fade/>
-  </p:transition>
-</p:sld>
-</file>
-
-<file path=ppt/slides/slide14.xml><?xml version="1.0" encoding="utf-8"?>
-<p:sld xmlns:a="http://schemas.openxmlformats.org/drawingml/2006/main" xmlns:r="http://schemas.openxmlformats.org/officeDocument/2006/relationships" xmlns:p="http://schemas.openxmlformats.org/presentationml/2006/main">
-  <p:cSld>
-    <p:bg>
-      <p:bgPr>
-        <a:solidFill>
-          <a:schemeClr val="bg1"/>
-        </a:solidFill>
-        <a:effectLst/>
-      </p:bgPr>
-    </p:bg>
-    <p:spTree>
-      <p:nvGrpSpPr>
-        <p:cNvPr id="1" name=""/>
-        <p:cNvGrpSpPr/>
-        <p:nvPr/>
-      </p:nvGrpSpPr>
-      <p:grpSpPr>
-        <a:xfrm>
-          <a:off x="0" y="0"/>
-          <a:ext cx="0" cy="0"/>
-          <a:chOff x="0" y="0"/>
-          <a:chExt cx="0" cy="0"/>
-        </a:xfrm>
-      </p:grpSpPr>
-      <p:sp>
-        <p:nvSpPr>
-          <p:cNvPr id="2" name="Text Placeholder 1"/>
-          <p:cNvSpPr>
-            <a:spLocks noGrp="1"/>
-          </p:cNvSpPr>
-          <p:nvPr>
-            <p:ph type="title"/>
-          </p:nvPr>
-        </p:nvSpPr>
-        <p:spPr>
-          <a:xfrm>
-            <a:off x="441197" y="323022"/>
-            <a:ext cx="8263890" cy="415499"/>
-          </a:xfrm>
-          <a:prstGeom prst="rect">
-            <a:avLst/>
-          </a:prstGeom>
-        </p:spPr>
-        <p:txBody>
-          <a:bodyPr wrap="square" anchor="t">
-            <a:normAutofit/>
-          </a:bodyPr>
-          <a:lstStyle/>
-          <a:p>
-            <a:r>
-              <a:rPr lang="en-US" dirty="0"/>
-              <a:t>Technical </a:t>
-            </a:r>
-            <a:r>
-              <a:rPr lang="en-US" dirty="0" smtClean="0"/>
-              <a:t>Details:</a:t>
-            </a:r>
-            <a:endParaRPr lang="en-US" dirty="0"/>
-          </a:p>
-        </p:txBody>
-      </p:sp>
-      <p:sp>
-        <p:nvSpPr>
-          <p:cNvPr id="4" name="TextBox 3"/>
-          <p:cNvSpPr txBox="1"/>
-          <p:nvPr/>
-        </p:nvSpPr>
-        <p:spPr>
-          <a:xfrm>
-            <a:off x="441197" y="738521"/>
-            <a:ext cx="8263890" cy="4062651"/>
-          </a:xfrm>
-          <a:prstGeom prst="rect">
-            <a:avLst/>
-          </a:prstGeom>
-          <a:noFill/>
-        </p:spPr>
-        <p:txBody>
-          <a:bodyPr wrap="square" lIns="0" tIns="0" rIns="0" bIns="0" rtlCol="0">
-            <a:spAutoFit/>
-          </a:bodyPr>
-          <a:lstStyle/>
-          <a:p>
-            <a:r>
-              <a:rPr lang="en-US" sz="1200" dirty="0" smtClean="0">
-                <a:gradFill>
-                  <a:gsLst>
-                    <a:gs pos="2917">
-                      <a:schemeClr val="tx1"/>
-                    </a:gs>
-                    <a:gs pos="30000">
-                      <a:schemeClr val="tx1"/>
-                    </a:gs>
-                  </a:gsLst>
-                  <a:lin ang="5400000" scaled="0"/>
-                </a:gradFill>
-              </a:rPr>
-              <a:t>We have several reason to go with the azure services, and major summaries aided for our project is listed below:</a:t>
-            </a:r>
-          </a:p>
-          <a:p>
-            <a:endParaRPr lang="en-US" sz="1200" dirty="0" smtClean="0">
-              <a:gradFill>
-                <a:gsLst>
-                  <a:gs pos="2917">
-                    <a:schemeClr val="tx1"/>
-                  </a:gs>
-                  <a:gs pos="30000">
-                    <a:schemeClr val="tx1"/>
-                  </a:gs>
-                </a:gsLst>
-                <a:lin ang="5400000" scaled="0"/>
-              </a:gradFill>
-            </a:endParaRPr>
-          </a:p>
-          <a:p>
-            <a:pPr marL="171450" indent="-171450">
-              <a:buFont typeface="Arial" panose="020B0604020202020204" pitchFamily="34" charset="0"/>
-              <a:buChar char="•"/>
-            </a:pPr>
-            <a:r>
-              <a:rPr lang="en-US" sz="1200" dirty="0" smtClean="0">
-                <a:gradFill>
-                  <a:gsLst>
-                    <a:gs pos="2917">
-                      <a:schemeClr val="tx1"/>
-                    </a:gs>
-                    <a:gs pos="30000">
-                      <a:schemeClr val="tx1"/>
-                    </a:gs>
-                  </a:gsLst>
-                  <a:lin ang="5400000" scaled="0"/>
-                </a:gradFill>
-              </a:rPr>
-              <a:t>Azure Search: Its is easy setup, auto scaling, managed, more language support, </a:t>
-            </a:r>
-            <a:r>
-              <a:rPr lang="en-US" sz="1200" dirty="0">
-                <a:gradFill>
-                  <a:gsLst>
-                    <a:gs pos="2917">
-                      <a:schemeClr val="tx1"/>
-                    </a:gs>
-                    <a:gs pos="30000">
-                      <a:schemeClr val="tx1"/>
-                    </a:gs>
-                  </a:gsLst>
-                  <a:lin ang="5400000" scaled="0"/>
-                </a:gradFill>
-              </a:rPr>
-              <a:t>different options like faceting, suggestions, geo-search, synonyms, </a:t>
-            </a:r>
-            <a:r>
-              <a:rPr lang="en-US" sz="1200" dirty="0" smtClean="0">
-                <a:gradFill>
-                  <a:gsLst>
-                    <a:gs pos="2917">
-                      <a:schemeClr val="tx1"/>
-                    </a:gs>
-                    <a:gs pos="30000">
-                      <a:schemeClr val="tx1"/>
-                    </a:gs>
-                  </a:gsLst>
-                  <a:lin ang="5400000" scaled="0"/>
-                </a:gradFill>
-              </a:rPr>
-              <a:t>scoring </a:t>
-            </a:r>
-            <a:r>
-              <a:rPr lang="en-US" sz="1200" dirty="0" err="1" smtClean="0">
-                <a:gradFill>
-                  <a:gsLst>
-                    <a:gs pos="2917">
-                      <a:schemeClr val="tx1"/>
-                    </a:gs>
-                    <a:gs pos="30000">
-                      <a:schemeClr val="tx1"/>
-                    </a:gs>
-                  </a:gsLst>
-                  <a:lin ang="5400000" scaled="0"/>
-                </a:gradFill>
-              </a:rPr>
-              <a:t>etc</a:t>
-            </a:r>
-            <a:endParaRPr lang="en-US" sz="1200" dirty="0" smtClean="0">
-              <a:gradFill>
-                <a:gsLst>
-                  <a:gs pos="2917">
-                    <a:schemeClr val="tx1"/>
-                  </a:gs>
-                  <a:gs pos="30000">
-                    <a:schemeClr val="tx1"/>
-                  </a:gs>
-                </a:gsLst>
-                <a:lin ang="5400000" scaled="0"/>
-              </a:gradFill>
-            </a:endParaRPr>
-          </a:p>
-          <a:p>
-            <a:pPr marL="171450" indent="-171450">
-              <a:buFont typeface="Arial" panose="020B0604020202020204" pitchFamily="34" charset="0"/>
-              <a:buChar char="•"/>
-            </a:pPr>
-            <a:r>
-              <a:rPr lang="en-US" sz="1200" dirty="0" smtClean="0">
-                <a:gradFill>
-                  <a:gsLst>
-                    <a:gs pos="2917">
-                      <a:schemeClr val="tx1"/>
-                    </a:gs>
-                    <a:gs pos="30000">
-                      <a:schemeClr val="tx1"/>
-                    </a:gs>
-                  </a:gsLst>
-                  <a:lin ang="5400000" scaled="0"/>
-                </a:gradFill>
-              </a:rPr>
-              <a:t>Azure media service: By this, we got face detection, celebrity identification, scene segmentation, label identification, noise reduction, translation of voice to text.</a:t>
-            </a:r>
-          </a:p>
-          <a:p>
-            <a:pPr marL="171450" indent="-171450">
-              <a:buFont typeface="Arial" panose="020B0604020202020204" pitchFamily="34" charset="0"/>
-              <a:buChar char="•"/>
-            </a:pPr>
-            <a:r>
-              <a:rPr lang="en-US" sz="1200" dirty="0" smtClean="0">
-                <a:gradFill>
-                  <a:gsLst>
-                    <a:gs pos="2917">
-                      <a:schemeClr val="tx1"/>
-                    </a:gs>
-                    <a:gs pos="30000">
-                      <a:schemeClr val="tx1"/>
-                    </a:gs>
-                  </a:gsLst>
-                  <a:lin ang="5400000" scaled="0"/>
-                </a:gradFill>
-              </a:rPr>
-              <a:t>Azure cognitive services: we used Speech API, Text API, Language Understanding API, Search API to extract text from the documents, text from audio file, and trained the search with list of intents.</a:t>
-            </a:r>
-          </a:p>
-          <a:p>
-            <a:pPr marL="171450" indent="-171450">
-              <a:buFont typeface="Arial" panose="020B0604020202020204" pitchFamily="34" charset="0"/>
-              <a:buChar char="•"/>
-            </a:pPr>
-            <a:r>
-              <a:rPr lang="en-US" sz="1200" dirty="0" smtClean="0">
-                <a:gradFill>
-                  <a:gsLst>
-                    <a:gs pos="2917">
-                      <a:schemeClr val="tx1"/>
-                    </a:gs>
-                    <a:gs pos="30000">
-                      <a:schemeClr val="tx1"/>
-                    </a:gs>
-                  </a:gsLst>
-                  <a:lin ang="5400000" scaled="0"/>
-                </a:gradFill>
-              </a:rPr>
-              <a:t>Power virtual agent: Enables to extend bots using azure bot framework skills.</a:t>
-            </a:r>
-          </a:p>
-          <a:p>
-            <a:pPr marL="171450" indent="-171450">
-              <a:buFont typeface="Arial" panose="020B0604020202020204" pitchFamily="34" charset="0"/>
-              <a:buChar char="•"/>
-            </a:pPr>
-            <a:r>
-              <a:rPr lang="en-US" sz="1200" dirty="0" smtClean="0">
-                <a:gradFill>
-                  <a:gsLst>
-                    <a:gs pos="2917">
-                      <a:schemeClr val="tx1"/>
-                    </a:gs>
-                    <a:gs pos="30000">
-                      <a:schemeClr val="tx1"/>
-                    </a:gs>
-                  </a:gsLst>
-                  <a:lin ang="5400000" scaled="0"/>
-                </a:gradFill>
-              </a:rPr>
-              <a:t>Web apps: To deploy our web application, without maintaining any own VMs.</a:t>
-            </a:r>
-          </a:p>
-          <a:p>
-            <a:pPr marL="171450" indent="-171450">
-              <a:buFont typeface="Arial" panose="020B0604020202020204" pitchFamily="34" charset="0"/>
-              <a:buChar char="•"/>
-            </a:pPr>
-            <a:r>
-              <a:rPr lang="en-US" sz="1200" dirty="0" err="1" smtClean="0">
-                <a:gradFill>
-                  <a:gsLst>
-                    <a:gs pos="2917">
-                      <a:schemeClr val="tx1"/>
-                    </a:gs>
-                    <a:gs pos="30000">
-                      <a:schemeClr val="tx1"/>
-                    </a:gs>
-                  </a:gsLst>
-                  <a:lin ang="5400000" scaled="0"/>
-                </a:gradFill>
-              </a:rPr>
-              <a:t>Webhooks</a:t>
-            </a:r>
-            <a:r>
-              <a:rPr lang="en-US" sz="1200" dirty="0" smtClean="0">
-                <a:gradFill>
-                  <a:gsLst>
-                    <a:gs pos="2917">
-                      <a:schemeClr val="tx1"/>
-                    </a:gs>
-                    <a:gs pos="30000">
-                      <a:schemeClr val="tx1"/>
-                    </a:gs>
-                  </a:gsLst>
-                  <a:lin ang="5400000" scaled="0"/>
-                </a:gradFill>
-              </a:rPr>
-              <a:t>: To make it automated, on creating new </a:t>
-            </a:r>
-            <a:r>
-              <a:rPr lang="en-US" sz="1200" dirty="0" err="1" smtClean="0">
-                <a:gradFill>
-                  <a:gsLst>
-                    <a:gs pos="2917">
-                      <a:schemeClr val="tx1"/>
-                    </a:gs>
-                    <a:gs pos="30000">
-                      <a:schemeClr val="tx1"/>
-                    </a:gs>
-                  </a:gsLst>
-                  <a:lin ang="5400000" scaled="0"/>
-                </a:gradFill>
-              </a:rPr>
-              <a:t>audion</a:t>
-            </a:r>
-            <a:r>
-              <a:rPr lang="en-US" sz="1200" dirty="0" smtClean="0">
-                <a:gradFill>
-                  <a:gsLst>
-                    <a:gs pos="2917">
-                      <a:schemeClr val="tx1"/>
-                    </a:gs>
-                    <a:gs pos="30000">
-                      <a:schemeClr val="tx1"/>
-                    </a:gs>
-                  </a:gsLst>
-                  <a:lin ang="5400000" scaled="0"/>
-                </a:gradFill>
-              </a:rPr>
-              <a:t> or video files we created azure function as blob trigger</a:t>
-            </a:r>
-          </a:p>
-          <a:p>
-            <a:pPr marL="171450" indent="-171450">
-              <a:buFont typeface="Arial" panose="020B0604020202020204" pitchFamily="34" charset="0"/>
-              <a:buChar char="•"/>
-            </a:pPr>
-            <a:r>
-              <a:rPr lang="en-US" sz="1200" dirty="0" err="1" smtClean="0">
-                <a:gradFill>
-                  <a:gsLst>
-                    <a:gs pos="2917">
-                      <a:schemeClr val="tx1"/>
-                    </a:gs>
-                    <a:gs pos="30000">
-                      <a:schemeClr val="tx1"/>
-                    </a:gs>
-                  </a:gsLst>
-                  <a:lin ang="5400000" scaled="0"/>
-                </a:gradFill>
-              </a:rPr>
-              <a:t>Keyvault</a:t>
-            </a:r>
-            <a:r>
-              <a:rPr lang="en-US" sz="1200" dirty="0" smtClean="0">
-                <a:gradFill>
-                  <a:gsLst>
-                    <a:gs pos="2917">
-                      <a:schemeClr val="tx1"/>
-                    </a:gs>
-                    <a:gs pos="30000">
-                      <a:schemeClr val="tx1"/>
-                    </a:gs>
-                  </a:gsLst>
-                  <a:lin ang="5400000" scaled="0"/>
-                </a:gradFill>
-              </a:rPr>
-              <a:t>: To store the azure secrets like, storage connection string, search service manager key, azure AD tenant id, secrets.</a:t>
-            </a:r>
-          </a:p>
-          <a:p>
-            <a:pPr marL="171450" indent="-171450">
-              <a:buFont typeface="Arial" panose="020B0604020202020204" pitchFamily="34" charset="0"/>
-              <a:buChar char="•"/>
-            </a:pPr>
-            <a:r>
-              <a:rPr lang="en-US" sz="1200" dirty="0" smtClean="0">
-                <a:gradFill>
-                  <a:gsLst>
-                    <a:gs pos="2917">
-                      <a:schemeClr val="tx1"/>
-                    </a:gs>
-                    <a:gs pos="30000">
-                      <a:schemeClr val="tx1"/>
-                    </a:gs>
-                  </a:gsLst>
-                  <a:lin ang="5400000" scaled="0"/>
-                </a:gradFill>
-              </a:rPr>
-              <a:t>Azure AD: To secure the web app to access only the registered users.</a:t>
-            </a:r>
-          </a:p>
-          <a:p>
-            <a:pPr marL="171450" indent="-171450">
-              <a:buFont typeface="Arial" panose="020B0604020202020204" pitchFamily="34" charset="0"/>
-              <a:buChar char="•"/>
-            </a:pPr>
-            <a:r>
-              <a:rPr lang="en-US" sz="1200" dirty="0" smtClean="0">
-                <a:gradFill>
-                  <a:gsLst>
-                    <a:gs pos="2917">
-                      <a:schemeClr val="tx1"/>
-                    </a:gs>
-                    <a:gs pos="30000">
-                      <a:schemeClr val="tx1"/>
-                    </a:gs>
-                  </a:gsLst>
-                  <a:lin ang="5400000" scaled="0"/>
-                </a:gradFill>
-              </a:rPr>
-              <a:t>Power BI: Analytics of the incoming data are visualized since we are supposed used as </a:t>
-            </a:r>
-            <a:r>
-              <a:rPr lang="en-US" sz="1200" dirty="0" err="1" smtClean="0">
-                <a:gradFill>
-                  <a:gsLst>
-                    <a:gs pos="2917">
-                      <a:schemeClr val="tx1"/>
-                    </a:gs>
-                    <a:gs pos="30000">
-                      <a:schemeClr val="tx1"/>
-                    </a:gs>
-                  </a:gsLst>
-                  <a:lin ang="5400000" scaled="0"/>
-                </a:gradFill>
-              </a:rPr>
-              <a:t>enterprice</a:t>
-            </a:r>
-            <a:r>
-              <a:rPr lang="en-US" sz="1200" dirty="0" smtClean="0">
-                <a:gradFill>
-                  <a:gsLst>
-                    <a:gs pos="2917">
-                      <a:schemeClr val="tx1"/>
-                    </a:gs>
-                    <a:gs pos="30000">
-                      <a:schemeClr val="tx1"/>
-                    </a:gs>
-                  </a:gsLst>
-                  <a:lin ang="5400000" scaled="0"/>
-                </a:gradFill>
-              </a:rPr>
-              <a:t> search.</a:t>
-            </a:r>
-          </a:p>
-          <a:p>
-            <a:pPr marL="171450" indent="-171450">
-              <a:buFont typeface="Arial" panose="020B0604020202020204" pitchFamily="34" charset="0"/>
-              <a:buChar char="•"/>
-            </a:pPr>
-            <a:r>
-              <a:rPr lang="en-US" sz="1200" dirty="0" smtClean="0">
-                <a:gradFill>
-                  <a:gsLst>
-                    <a:gs pos="2917">
-                      <a:schemeClr val="tx1"/>
-                    </a:gs>
-                    <a:gs pos="30000">
-                      <a:schemeClr val="tx1"/>
-                    </a:gs>
-                  </a:gsLst>
-                  <a:lin ang="5400000" scaled="0"/>
-                </a:gradFill>
-              </a:rPr>
-              <a:t>Application insights: Track the logs for further analyze and availability of the application such as function app etc.</a:t>
-            </a:r>
-          </a:p>
-          <a:p>
-            <a:pPr marL="171450" indent="-171450">
-              <a:buFont typeface="Arial" panose="020B0604020202020204" pitchFamily="34" charset="0"/>
-              <a:buChar char="•"/>
-            </a:pPr>
-            <a:endParaRPr lang="en-US" sz="1200" dirty="0" smtClean="0">
-              <a:gradFill>
-                <a:gsLst>
-                  <a:gs pos="2917">
-                    <a:schemeClr val="tx1"/>
-                  </a:gs>
-                  <a:gs pos="30000">
-                    <a:schemeClr val="tx1"/>
-                  </a:gs>
-                </a:gsLst>
-                <a:lin ang="5400000" scaled="0"/>
-              </a:gradFill>
-            </a:endParaRPr>
-          </a:p>
-          <a:p>
-            <a:pPr marL="171450" indent="-171450">
-              <a:buFont typeface="Arial" panose="020B0604020202020204" pitchFamily="34" charset="0"/>
-              <a:buChar char="•"/>
-            </a:pPr>
-            <a:endParaRPr lang="en-US" sz="1200" dirty="0" smtClean="0">
-              <a:gradFill>
-                <a:gsLst>
-                  <a:gs pos="2917">
-                    <a:schemeClr val="tx1"/>
-                  </a:gs>
-                  <a:gs pos="30000">
-                    <a:schemeClr val="tx1"/>
-                  </a:gs>
-                </a:gsLst>
-                <a:lin ang="5400000" scaled="0"/>
-              </a:gradFill>
-            </a:endParaRPr>
-          </a:p>
-          <a:p>
-            <a:pPr marL="171450" indent="-171450">
-              <a:buFont typeface="Arial" panose="020B0604020202020204" pitchFamily="34" charset="0"/>
-              <a:buChar char="•"/>
-            </a:pPr>
-            <a:endParaRPr lang="en-US" sz="1200" dirty="0" smtClean="0">
-              <a:gradFill>
-                <a:gsLst>
-                  <a:gs pos="2917">
-                    <a:schemeClr val="tx1"/>
-                  </a:gs>
-                  <a:gs pos="30000">
-                    <a:schemeClr val="tx1"/>
-                  </a:gs>
-                </a:gsLst>
-                <a:lin ang="5400000" scaled="0"/>
-              </a:gradFill>
-            </a:endParaRPr>
-          </a:p>
-          <a:p>
-            <a:pPr marL="171450" indent="-171450">
-              <a:buFont typeface="Arial" panose="020B0604020202020204" pitchFamily="34" charset="0"/>
-              <a:buChar char="•"/>
-            </a:pPr>
-            <a:endParaRPr lang="en-US" sz="1200" dirty="0" smtClean="0">
-              <a:gradFill>
-                <a:gsLst>
-                  <a:gs pos="2917">
-                    <a:schemeClr val="tx1"/>
-                  </a:gs>
-                  <a:gs pos="30000">
-                    <a:schemeClr val="tx1"/>
-                  </a:gs>
-                </a:gsLst>
-                <a:lin ang="5400000" scaled="0"/>
-              </a:gradFill>
-            </a:endParaRPr>
-          </a:p>
-          <a:p>
-            <a:r>
-              <a:rPr lang="en-US" sz="1200" dirty="0">
-                <a:gradFill>
-                  <a:gsLst>
-                    <a:gs pos="2917">
-                      <a:schemeClr val="tx1"/>
-                    </a:gs>
-                    <a:gs pos="30000">
-                      <a:schemeClr val="tx1"/>
-                    </a:gs>
-                  </a:gsLst>
-                  <a:lin ang="5400000" scaled="0"/>
-                </a:gradFill>
-              </a:rPr>
-              <a:t>	</a:t>
-            </a:r>
-            <a:endParaRPr lang="en-US" sz="1200" dirty="0" smtClean="0">
-              <a:gradFill>
-                <a:gsLst>
-                  <a:gs pos="2917">
-                    <a:schemeClr val="tx1"/>
-                  </a:gs>
-                  <a:gs pos="30000">
-                    <a:schemeClr val="tx1"/>
-                  </a:gs>
-                </a:gsLst>
-                <a:lin ang="5400000" scaled="0"/>
-              </a:gradFill>
-            </a:endParaRPr>
-          </a:p>
-          <a:p>
-            <a:pPr marL="171450" indent="-171450">
-              <a:buFont typeface="Arial" panose="020B0604020202020204" pitchFamily="34" charset="0"/>
-              <a:buChar char="•"/>
-            </a:pPr>
-            <a:endParaRPr lang="en-US" sz="1200" dirty="0">
-              <a:gradFill>
-                <a:gsLst>
-                  <a:gs pos="2917">
-                    <a:schemeClr val="tx1"/>
-                  </a:gs>
-                  <a:gs pos="30000">
-                    <a:schemeClr val="tx1"/>
-                  </a:gs>
-                </a:gsLst>
-                <a:lin ang="5400000" scaled="0"/>
-              </a:gradFill>
-            </a:endParaRPr>
-          </a:p>
-        </p:txBody>
-      </p:sp>
-    </p:spTree>
-    <p:extLst>
-      <p:ext uri="{BB962C8B-B14F-4D97-AF65-F5344CB8AC3E}">
-        <p14:creationId xmlns:p14="http://schemas.microsoft.com/office/powerpoint/2010/main" val="2156357631"/>
-      </p:ext>
-    </p:extLst>
-  </p:cSld>
-  <p:clrMapOvr>
-    <a:masterClrMapping/>
-  </p:clrMapOvr>
-  <mc:AlternateContent xmlns:mc="http://schemas.openxmlformats.org/markup-compatibility/2006" xmlns:p15="http://schemas.microsoft.com/office/powerpoint/2012/main">
-    <mc:Choice Requires="p15">
-      <p:transition xmlns:p14="http://schemas.microsoft.com/office/powerpoint/2010/main" spd="slow" p14:dur="1250" advTm="2327">
-        <p15:prstTrans prst="pageCurlDouble"/>
-      </p:transition>
-    </mc:Choice>
-    <mc:Fallback xmlns="">
-      <p:transition spd="slow" advTm="2327">
-        <p:fade/>
-      </p:transition>
-    </mc:Fallback>
-  </mc:AlternateContent>
-</p:sld>
-</file>
-
-<file path=ppt/slides/slide15.xml><?xml version="1.0" encoding="utf-8"?>
-<p:sld xmlns:a="http://schemas.openxmlformats.org/drawingml/2006/main" xmlns:r="http://schemas.openxmlformats.org/officeDocument/2006/relationships" xmlns:p="http://schemas.openxmlformats.org/presentationml/2006/main">
-  <p:cSld>
-    <p:bg>
-      <p:bgPr>
-        <a:solidFill>
-          <a:schemeClr val="bg1"/>
-        </a:solidFill>
-        <a:effectLst/>
-      </p:bgPr>
-    </p:bg>
-    <p:spTree>
-      <p:nvGrpSpPr>
-        <p:cNvPr id="1" name=""/>
-        <p:cNvGrpSpPr/>
-        <p:nvPr/>
-      </p:nvGrpSpPr>
-      <p:grpSpPr>
-        <a:xfrm>
-          <a:off x="0" y="0"/>
-          <a:ext cx="0" cy="0"/>
-          <a:chOff x="0" y="0"/>
-          <a:chExt cx="0" cy="0"/>
-        </a:xfrm>
-      </p:grpSpPr>
-      <p:sp>
-        <p:nvSpPr>
-          <p:cNvPr id="3" name="Slide Number Placeholder 2" hidden="1">
-            <a:extLst>
-              <a:ext uri="{FF2B5EF4-FFF2-40B4-BE49-F238E27FC236}">
-                <a16:creationId xmlns:a16="http://schemas.microsoft.com/office/drawing/2014/main" id="{4EBA0966-490D-438F-89CA-85D8924D7BEF}"/>
-              </a:ext>
-            </a:extLst>
-          </p:cNvPr>
-          <p:cNvSpPr>
-            <a:spLocks noGrp="1"/>
-          </p:cNvSpPr>
-          <p:nvPr>
-            <p:ph type="sldNum" sz="quarter" idx="4294967295"/>
-          </p:nvPr>
-        </p:nvSpPr>
-        <p:spPr>
-          <a:xfrm>
-            <a:off x="8704263" y="4786313"/>
-            <a:ext cx="439737" cy="325437"/>
-          </a:xfrm>
-          <a:prstGeom prst="rect">
-            <a:avLst/>
-          </a:prstGeom>
-        </p:spPr>
-        <p:txBody>
-          <a:bodyPr/>
-          <a:lstStyle/>
-          <a:p>
-            <a:pPr>
-              <a:spcAft>
-                <a:spcPts val="600"/>
-              </a:spcAft>
-            </a:pPr>
-            <a:fld id="{B32AB80A-78BA-6B42-BA0D-B44ACF890F5A}" type="slidenum">
-              <a:rPr lang="en-US" smtClean="0">
-                <a:solidFill>
-                  <a:prstClr val="white"/>
-                </a:solidFill>
-              </a:rPr>
-              <a:pPr>
-                <a:spcAft>
-                  <a:spcPts val="600"/>
-                </a:spcAft>
-              </a:pPr>
-              <a:t>15</a:t>
-            </a:fld>
-            <a:endParaRPr lang="en-US">
-              <a:solidFill>
-                <a:prstClr val="white"/>
-              </a:solidFill>
-            </a:endParaRPr>
-          </a:p>
-        </p:txBody>
-      </p:sp>
-      <p:sp>
-        <p:nvSpPr>
-          <p:cNvPr id="2" name="Text Placeholder 1">
-            <a:extLst>
-              <a:ext uri="{FF2B5EF4-FFF2-40B4-BE49-F238E27FC236}">
-                <a16:creationId xmlns:a16="http://schemas.microsoft.com/office/drawing/2014/main" id="{56D771D8-3845-470D-B53E-D9E0A8F7F81F}"/>
-              </a:ext>
-            </a:extLst>
-          </p:cNvPr>
-          <p:cNvSpPr>
-            <a:spLocks noGrp="1"/>
-          </p:cNvSpPr>
-          <p:nvPr>
-            <p:ph type="title"/>
-          </p:nvPr>
-        </p:nvSpPr>
-        <p:spPr>
-          <a:xfrm>
-            <a:off x="441197" y="342900"/>
-            <a:ext cx="8263890" cy="415499"/>
-          </a:xfrm>
-          <a:prstGeom prst="rect">
-            <a:avLst/>
-          </a:prstGeom>
-        </p:spPr>
-        <p:txBody>
-          <a:bodyPr wrap="square" anchor="t">
-            <a:normAutofit/>
-          </a:bodyPr>
-          <a:lstStyle/>
-          <a:p>
-            <a:r>
-              <a:rPr lang="en-US" dirty="0"/>
               <a:t>Demo Link and Demo File</a:t>
             </a:r>
           </a:p>
@@ -26523,26 +28230,10 @@
                   <a:lin ang="5400000" scaled="0"/>
                 </a:gradFill>
               </a:rPr>
-              <a:t>Mandatory to provide a Video file with audio enabled in </a:t>
-            </a:r>
-            <a:r>
-              <a:rPr lang="en-US" sz="2000" dirty="0" smtClean="0">
-                <a:gradFill>
-                  <a:gsLst>
-                    <a:gs pos="2917">
-                      <a:schemeClr val="tx1"/>
-                    </a:gs>
-                    <a:gs pos="30000">
-                      <a:schemeClr val="tx1"/>
-                    </a:gs>
-                  </a:gsLst>
-                  <a:lin ang="5400000" scaled="0"/>
-                </a:gradFill>
-              </a:rPr>
-              <a:t>it and covert </a:t>
-            </a:r>
-            <a:r>
-              <a:rPr lang="en-US" sz="2000" smtClean="0">
+              <a:t>Mandatory to provide a Video file with audio enabled in it and covert </a:t>
+            </a:r>
+            <a:r>
+              <a:rPr lang="en-US" sz="2000">
                 <a:gradFill>
                   <a:gsLst>
                     <a:gs pos="2917">
@@ -26589,7 +28280,7 @@
 </p:sld>
 </file>
 
-<file path=ppt/slides/slide16.xml><?xml version="1.0" encoding="utf-8"?>
+<file path=ppt/slides/slide18.xml><?xml version="1.0" encoding="utf-8"?>
 <p:sld xmlns:a="http://schemas.openxmlformats.org/drawingml/2006/main" xmlns:r="http://schemas.openxmlformats.org/officeDocument/2006/relationships" xmlns:p="http://schemas.openxmlformats.org/presentationml/2006/main">
   <p:cSld>
     <p:bg>
@@ -26647,89 +28338,6 @@
           </a:p>
         </p:txBody>
       </p:sp>
-      <p:pic>
-        <p:nvPicPr>
-          <p:cNvPr id="17" name="Picture 16"/>
-          <p:cNvPicPr>
-            <a:picLocks noChangeAspect="1"/>
-          </p:cNvPicPr>
-          <p:nvPr/>
-        </p:nvPicPr>
-        <p:blipFill>
-          <a:blip r:embed="rId3"/>
-          <a:stretch>
-            <a:fillRect/>
-          </a:stretch>
-        </p:blipFill>
-        <p:spPr>
-          <a:xfrm>
-            <a:off x="228600" y="769259"/>
-            <a:ext cx="8305800" cy="3886200"/>
-          </a:xfrm>
-          <a:prstGeom prst="rect">
-            <a:avLst/>
-          </a:prstGeom>
-        </p:spPr>
-      </p:pic>
-      <p:sp>
-        <p:nvSpPr>
-          <p:cNvPr id="18" name="TextBox 17"/>
-          <p:cNvSpPr txBox="1"/>
-          <p:nvPr/>
-        </p:nvSpPr>
-        <p:spPr>
-          <a:xfrm>
-            <a:off x="685800" y="3486150"/>
-            <a:ext cx="756617" cy="307777"/>
-          </a:xfrm>
-          <a:prstGeom prst="rect">
-            <a:avLst/>
-          </a:prstGeom>
-          <a:noFill/>
-        </p:spPr>
-        <p:txBody>
-          <a:bodyPr wrap="none" lIns="0" tIns="0" rIns="0" bIns="0" rtlCol="0">
-            <a:spAutoFit/>
-          </a:bodyPr>
-          <a:lstStyle/>
-          <a:p>
-            <a:pPr marL="171450" indent="-171450" algn="l">
-              <a:buFont typeface="Arial" panose="020B0604020202020204" pitchFamily="34" charset="0"/>
-              <a:buChar char="•"/>
-            </a:pPr>
-            <a:r>
-              <a:rPr lang="en-US" sz="1000" b="1" dirty="0" smtClean="0">
-                <a:solidFill>
-                  <a:schemeClr val="bg2">
-                    <a:lumMod val="50000"/>
-                  </a:schemeClr>
-                </a:solidFill>
-                <a:latin typeface="Arial" panose="020B0604020202020204" pitchFamily="34" charset="0"/>
-                <a:cs typeface="Arial" panose="020B0604020202020204" pitchFamily="34" charset="0"/>
-              </a:rPr>
-              <a:t>Audio file</a:t>
-            </a:r>
-          </a:p>
-          <a:p>
-            <a:pPr marL="171450" indent="-171450" algn="l">
-              <a:buFont typeface="Arial" panose="020B0604020202020204" pitchFamily="34" charset="0"/>
-              <a:buChar char="•"/>
-            </a:pPr>
-            <a:r>
-              <a:rPr lang="en-US" sz="1000" b="1" dirty="0" smtClean="0">
-                <a:solidFill>
-                  <a:schemeClr val="bg2">
-                    <a:lumMod val="50000"/>
-                  </a:schemeClr>
-                </a:solidFill>
-                <a:latin typeface="Arial" panose="020B0604020202020204" pitchFamily="34" charset="0"/>
-                <a:cs typeface="Arial" panose="020B0604020202020204" pitchFamily="34" charset="0"/>
-              </a:rPr>
-              <a:t>Video file</a:t>
-            </a:r>
-          </a:p>
-        </p:txBody>
-      </p:sp>
     </p:spTree>
     <p:extLst>
       <p:ext uri="{BB962C8B-B14F-4D97-AF65-F5344CB8AC3E}">
@@ -26755,7 +28363,7 @@
 </p:sld>
 </file>
 
-<file path=ppt/slides/slide17.xml><?xml version="1.0" encoding="utf-8"?>
+<file path=ppt/slides/slide19.xml><?xml version="1.0" encoding="utf-8"?>
 <p:sld xmlns:a="http://schemas.openxmlformats.org/drawingml/2006/main" xmlns:r="http://schemas.openxmlformats.org/officeDocument/2006/relationships" xmlns:p="http://schemas.openxmlformats.org/presentationml/2006/main">
   <p:cSld>
     <p:spTree>
@@ -26800,6 +28408,74 @@
           </a:p>
         </p:txBody>
       </p:sp>
+      <p:sp>
+        <p:nvSpPr>
+          <p:cNvPr id="3" name="Rectangle 2">
+            <a:extLst>
+              <a:ext uri="{FF2B5EF4-FFF2-40B4-BE49-F238E27FC236}">
+                <a16:creationId xmlns:a16="http://schemas.microsoft.com/office/drawing/2014/main" id="{F54C0DC0-5E60-4E04-889D-CD1A7ABE1EFE}"/>
+              </a:ext>
+            </a:extLst>
+          </p:cNvPr>
+          <p:cNvSpPr/>
+          <p:nvPr/>
+        </p:nvSpPr>
+        <p:spPr>
+          <a:xfrm>
+            <a:off x="381000" y="863590"/>
+            <a:ext cx="8077200" cy="2949205"/>
+          </a:xfrm>
+          <a:prstGeom prst="rect">
+            <a:avLst/>
+          </a:prstGeom>
+        </p:spPr>
+        <p:txBody>
+          <a:bodyPr wrap="square">
+            <a:spAutoFit/>
+          </a:bodyPr>
+          <a:lstStyle/>
+          <a:p>
+            <a:pPr marL="285750" indent="-285750">
+              <a:lnSpc>
+                <a:spcPct val="150000"/>
+              </a:lnSpc>
+              <a:buFont typeface="Wingdings" panose="05000000000000000000" pitchFamily="2" charset="2"/>
+              <a:buChar char="ü"/>
+            </a:pPr>
+            <a:r>
+              <a:rPr lang="en-IN" dirty="0"/>
+              <a:t>Can be extended to help Blind people to Detect &amp; Analyse obstacles in live environment, while navigating from one location to another.</a:t>
+            </a:r>
+          </a:p>
+          <a:p>
+            <a:pPr marL="285750" indent="-285750">
+              <a:lnSpc>
+                <a:spcPct val="150000"/>
+              </a:lnSpc>
+              <a:buFont typeface="Wingdings" panose="05000000000000000000" pitchFamily="2" charset="2"/>
+              <a:buChar char="ü"/>
+            </a:pPr>
+            <a:r>
+              <a:rPr lang="en-IN" dirty="0"/>
+              <a:t>Can help Enterprises to Auto-classify documents of all different format types &amp; do Intelligent Cognitive Search on bulk content.</a:t>
+            </a:r>
+          </a:p>
+          <a:p>
+            <a:pPr marL="285750" indent="-285750">
+              <a:lnSpc>
+                <a:spcPct val="150000"/>
+              </a:lnSpc>
+              <a:buFont typeface="Wingdings" panose="05000000000000000000" pitchFamily="2" charset="2"/>
+              <a:buChar char="ü"/>
+            </a:pPr>
+            <a:r>
+              <a:rPr lang="en-IN" dirty="0"/>
+              <a:t>Can help Organizations to Capture &amp; Analyse Live streaming  video of Staffs and update their Health condition (Ex- to detect Temperature using IoT edge &amp; alert Health Personnel's)</a:t>
+            </a:r>
+            <a:endParaRPr lang="en-US" dirty="0"/>
+          </a:p>
+        </p:txBody>
+      </p:sp>
     </p:spTree>
     <p:extLst>
       <p:ext uri="{BB962C8B-B14F-4D97-AF65-F5344CB8AC3E}">
@@ -26816,7 +28492,87 @@
 </p:sld>
 </file>
 
-<file path=ppt/slides/slide18.xml><?xml version="1.0" encoding="utf-8"?>
+<file path=ppt/slides/slide2.xml><?xml version="1.0" encoding="utf-8"?>
+<p:sld xmlns:a="http://schemas.openxmlformats.org/drawingml/2006/main" xmlns:r="http://schemas.openxmlformats.org/officeDocument/2006/relationships" xmlns:p="http://schemas.openxmlformats.org/presentationml/2006/main">
+  <p:cSld>
+    <p:spTree>
+      <p:nvGrpSpPr>
+        <p:cNvPr id="1" name=""/>
+        <p:cNvGrpSpPr/>
+        <p:nvPr/>
+      </p:nvGrpSpPr>
+      <p:grpSpPr>
+        <a:xfrm>
+          <a:off x="0" y="0"/>
+          <a:ext cx="0" cy="0"/>
+          <a:chOff x="0" y="0"/>
+          <a:chExt cx="0" cy="0"/>
+        </a:xfrm>
+      </p:grpSpPr>
+      <p:sp>
+        <p:nvSpPr>
+          <p:cNvPr id="8" name="Content Placeholder 7">
+            <a:extLst>
+              <a:ext uri="{FF2B5EF4-FFF2-40B4-BE49-F238E27FC236}">
+                <a16:creationId xmlns:a16="http://schemas.microsoft.com/office/drawing/2014/main" id="{97ACB313-0B2D-4EAD-BC37-31F0FC837EFA}"/>
+              </a:ext>
+            </a:extLst>
+          </p:cNvPr>
+          <p:cNvSpPr>
+            <a:spLocks noGrp="1"/>
+          </p:cNvSpPr>
+          <p:nvPr>
+            <p:ph idx="1"/>
+          </p:nvPr>
+        </p:nvSpPr>
+        <p:spPr>
+          <a:xfrm>
+            <a:off x="228601" y="57150"/>
+            <a:ext cx="6726902" cy="4473872"/>
+          </a:xfrm>
+        </p:spPr>
+        <p:txBody>
+          <a:bodyPr>
+            <a:normAutofit/>
+          </a:bodyPr>
+          <a:lstStyle/>
+          <a:p>
+            <a:pPr marL="0" indent="0">
+              <a:buNone/>
+            </a:pPr>
+            <a:r>
+              <a:rPr lang="en-US" sz="2000" b="1" dirty="0"/>
+              <a:t>Disclaimer</a:t>
+            </a:r>
+          </a:p>
+        </p:txBody>
+      </p:sp>
+    </p:spTree>
+    <p:extLst>
+      <p:ext uri="{BB962C8B-B14F-4D97-AF65-F5344CB8AC3E}">
+        <p14:creationId xmlns:p14="http://schemas.microsoft.com/office/powerpoint/2010/main" val="2893256713"/>
+      </p:ext>
+    </p:extLst>
+  </p:cSld>
+  <p:clrMapOvr>
+    <a:masterClrMapping/>
+  </p:clrMapOvr>
+  <mc:AlternateContent xmlns:mc="http://schemas.openxmlformats.org/markup-compatibility/2006" xmlns:p14="http://schemas.microsoft.com/office/powerpoint/2010/main">
+    <mc:Choice Requires="p14">
+      <p:transition spd="med" p14:dur="700">
+        <p:fade/>
+      </p:transition>
+    </mc:Choice>
+    <mc:Fallback xmlns="">
+      <p:transition spd="med">
+        <p:fade/>
+      </p:transition>
+    </mc:Fallback>
+  </mc:AlternateContent>
+</p:sld>
+</file>
+
+<file path=ppt/slides/slide20.xml><?xml version="1.0" encoding="utf-8"?>
 <p:sld xmlns:a="http://schemas.openxmlformats.org/drawingml/2006/main" xmlns:r="http://schemas.openxmlformats.org/officeDocument/2006/relationships" xmlns:p="http://schemas.openxmlformats.org/presentationml/2006/main">
   <p:cSld>
     <p:spTree>
@@ -26973,86 +28729,6 @@
 </p:sld>
 </file>
 
-<file path=ppt/slides/slide2.xml><?xml version="1.0" encoding="utf-8"?>
-<p:sld xmlns:a="http://schemas.openxmlformats.org/drawingml/2006/main" xmlns:r="http://schemas.openxmlformats.org/officeDocument/2006/relationships" xmlns:p="http://schemas.openxmlformats.org/presentationml/2006/main">
-  <p:cSld>
-    <p:spTree>
-      <p:nvGrpSpPr>
-        <p:cNvPr id="1" name=""/>
-        <p:cNvGrpSpPr/>
-        <p:nvPr/>
-      </p:nvGrpSpPr>
-      <p:grpSpPr>
-        <a:xfrm>
-          <a:off x="0" y="0"/>
-          <a:ext cx="0" cy="0"/>
-          <a:chOff x="0" y="0"/>
-          <a:chExt cx="0" cy="0"/>
-        </a:xfrm>
-      </p:grpSpPr>
-      <p:sp>
-        <p:nvSpPr>
-          <p:cNvPr id="8" name="Content Placeholder 7">
-            <a:extLst>
-              <a:ext uri="{FF2B5EF4-FFF2-40B4-BE49-F238E27FC236}">
-                <a16:creationId xmlns:a16="http://schemas.microsoft.com/office/drawing/2014/main" id="{97ACB313-0B2D-4EAD-BC37-31F0FC837EFA}"/>
-              </a:ext>
-            </a:extLst>
-          </p:cNvPr>
-          <p:cNvSpPr>
-            <a:spLocks noGrp="1"/>
-          </p:cNvSpPr>
-          <p:nvPr>
-            <p:ph idx="1"/>
-          </p:nvPr>
-        </p:nvSpPr>
-        <p:spPr>
-          <a:xfrm>
-            <a:off x="228601" y="57150"/>
-            <a:ext cx="6726902" cy="4473872"/>
-          </a:xfrm>
-        </p:spPr>
-        <p:txBody>
-          <a:bodyPr>
-            <a:normAutofit/>
-          </a:bodyPr>
-          <a:lstStyle/>
-          <a:p>
-            <a:pPr marL="0" indent="0">
-              <a:buNone/>
-            </a:pPr>
-            <a:r>
-              <a:rPr lang="en-US" sz="2000" b="1" dirty="0"/>
-              <a:t>Disclaimer</a:t>
-            </a:r>
-          </a:p>
-        </p:txBody>
-      </p:sp>
-    </p:spTree>
-    <p:extLst>
-      <p:ext uri="{BB962C8B-B14F-4D97-AF65-F5344CB8AC3E}">
-        <p14:creationId xmlns:p14="http://schemas.microsoft.com/office/powerpoint/2010/main" val="2893256713"/>
-      </p:ext>
-    </p:extLst>
-  </p:cSld>
-  <p:clrMapOvr>
-    <a:masterClrMapping/>
-  </p:clrMapOvr>
-  <mc:AlternateContent xmlns:mc="http://schemas.openxmlformats.org/markup-compatibility/2006" xmlns:p14="http://schemas.microsoft.com/office/powerpoint/2010/main">
-    <mc:Choice Requires="p14">
-      <p:transition spd="med" p14:dur="700">
-        <p:fade/>
-      </p:transition>
-    </mc:Choice>
-    <mc:Fallback xmlns="">
-      <p:transition spd="med">
-        <p:fade/>
-      </p:transition>
-    </mc:Fallback>
-  </mc:AlternateContent>
-</p:sld>
-</file>
-
 <file path=ppt/slides/slide3.xml><?xml version="1.0" encoding="utf-8"?>
 <p:sld xmlns:a="http://schemas.openxmlformats.org/drawingml/2006/main" xmlns:r="http://schemas.openxmlformats.org/officeDocument/2006/relationships" xmlns:p="http://schemas.openxmlformats.org/presentationml/2006/main">
   <p:cSld>
@@ -27126,8 +28802,8 @@
         </p:blipFill>
         <p:spPr>
           <a:xfrm>
-            <a:off x="441197" y="895350"/>
-            <a:ext cx="1006603" cy="1059574"/>
+            <a:off x="304800" y="895350"/>
+            <a:ext cx="941077" cy="990600"/>
           </a:xfrm>
           <a:prstGeom prst="rect">
             <a:avLst/>
@@ -27142,7 +28818,7 @@
         </p:nvSpPr>
         <p:spPr>
           <a:xfrm>
-            <a:off x="1608261" y="895350"/>
+            <a:off x="1471864" y="895350"/>
             <a:ext cx="3192339" cy="1077218"/>
           </a:xfrm>
           <a:prstGeom prst="rect">
@@ -27158,7 +28834,7 @@
           <a:p>
             <a:pPr algn="just"/>
             <a:r>
-              <a:rPr lang="en-US" sz="1000" dirty="0" smtClean="0">
+              <a:rPr lang="en-US" sz="1000" dirty="0">
                 <a:gradFill>
                   <a:gsLst>
                     <a:gs pos="2917">
@@ -27171,10 +28847,42 @@
                   <a:lin ang="5400000" scaled="0"/>
                 </a:gradFill>
               </a:rPr>
-              <a:t>This is Sabarish, I’ve totally 5+years of experience and associated with Cognizant since July’19. I am interested to learn cutting edge technologies and right now working in many azure PaaS service with one of the leading banking client in US. In my free time, I used play Football, shuttle </a:t>
-            </a:r>
-            <a:r>
-              <a:rPr lang="en-US" sz="1000" dirty="0" err="1" smtClean="0">
+              <a:t>This is </a:t>
+            </a:r>
+            <a:r>
+              <a:rPr lang="en-US" sz="1000" b="1" dirty="0">
+                <a:gradFill>
+                  <a:gsLst>
+                    <a:gs pos="2917">
+                      <a:schemeClr val="tx1"/>
+                    </a:gs>
+                    <a:gs pos="30000">
+                      <a:schemeClr val="tx1"/>
+                    </a:gs>
+                  </a:gsLst>
+                  <a:lin ang="5400000" scaled="0"/>
+                </a:gradFill>
+              </a:rPr>
+              <a:t>Sabarish</a:t>
+            </a:r>
+            <a:r>
+              <a:rPr lang="en-US" sz="1000" dirty="0">
+                <a:gradFill>
+                  <a:gsLst>
+                    <a:gs pos="2917">
+                      <a:schemeClr val="tx1"/>
+                    </a:gs>
+                    <a:gs pos="30000">
+                      <a:schemeClr val="tx1"/>
+                    </a:gs>
+                  </a:gsLst>
+                  <a:lin ang="5400000" scaled="0"/>
+                </a:gradFill>
+              </a:rPr>
+              <a:t>, I’ve totally 5+years of experience and associated with Cognizant since July’19. I am interested to learn cutting edge technologies and right now working in many azure PaaS service with one of the leading banking client in US. In my free time, I used play Football, shuttle </a:t>
+            </a:r>
+            <a:r>
+              <a:rPr lang="en-US" sz="1000" dirty="0" err="1">
                 <a:gradFill>
                   <a:gsLst>
                     <a:gs pos="2917">
@@ -27190,7 +28898,7 @@
               <a:t>etc</a:t>
             </a:r>
             <a:r>
-              <a:rPr lang="en-US" sz="1000" dirty="0" smtClean="0">
+              <a:rPr lang="en-US" sz="1000" dirty="0">
                 <a:gradFill>
                   <a:gsLst>
                     <a:gs pos="2917">
@@ -27208,6 +28916,663 @@
           </a:p>
         </p:txBody>
       </p:sp>
+      <p:sp>
+        <p:nvSpPr>
+          <p:cNvPr id="5" name="TextBox 4">
+            <a:extLst>
+              <a:ext uri="{FF2B5EF4-FFF2-40B4-BE49-F238E27FC236}">
+                <a16:creationId xmlns:a16="http://schemas.microsoft.com/office/drawing/2014/main" id="{523C13A7-A200-4942-8A83-56B704893CAD}"/>
+              </a:ext>
+            </a:extLst>
+          </p:cNvPr>
+          <p:cNvSpPr txBox="1"/>
+          <p:nvPr/>
+        </p:nvSpPr>
+        <p:spPr>
+          <a:xfrm>
+            <a:off x="1532061" y="3786485"/>
+            <a:ext cx="3192339" cy="923330"/>
+          </a:xfrm>
+          <a:prstGeom prst="rect">
+            <a:avLst/>
+          </a:prstGeom>
+          <a:noFill/>
+        </p:spPr>
+        <p:txBody>
+          <a:bodyPr wrap="square" lIns="0" tIns="0" rIns="0" bIns="0" rtlCol="0">
+            <a:spAutoFit/>
+          </a:bodyPr>
+          <a:lstStyle/>
+          <a:p>
+            <a:pPr algn="just"/>
+            <a:r>
+              <a:rPr lang="en-US" sz="1000" dirty="0">
+                <a:gradFill>
+                  <a:gsLst>
+                    <a:gs pos="2917">
+                      <a:schemeClr val="tx1"/>
+                    </a:gs>
+                    <a:gs pos="30000">
+                      <a:schemeClr val="tx1"/>
+                    </a:gs>
+                  </a:gsLst>
+                  <a:lin ang="5400000" scaled="0"/>
+                </a:gradFill>
+              </a:rPr>
+              <a:t>This is </a:t>
+            </a:r>
+            <a:r>
+              <a:rPr lang="en-US" sz="1000" b="1" dirty="0">
+                <a:gradFill>
+                  <a:gsLst>
+                    <a:gs pos="2917">
+                      <a:schemeClr val="tx1"/>
+                    </a:gs>
+                    <a:gs pos="30000">
+                      <a:schemeClr val="tx1"/>
+                    </a:gs>
+                  </a:gsLst>
+                  <a:lin ang="5400000" scaled="0"/>
+                </a:gradFill>
+              </a:rPr>
+              <a:t>Karthikeyan Baskaran</a:t>
+            </a:r>
+            <a:r>
+              <a:rPr lang="en-US" sz="1000" dirty="0">
+                <a:gradFill>
+                  <a:gsLst>
+                    <a:gs pos="2917">
+                      <a:schemeClr val="tx1"/>
+                    </a:gs>
+                    <a:gs pos="30000">
+                      <a:schemeClr val="tx1"/>
+                    </a:gs>
+                  </a:gsLst>
+                  <a:lin ang="5400000" scaled="0"/>
+                </a:gradFill>
+              </a:rPr>
+              <a:t>, I have 8+ years of experience. Joined Cognizant on Oct’19. Web developer </a:t>
+            </a:r>
+          </a:p>
+          <a:p>
+            <a:pPr algn="just"/>
+            <a:r>
+              <a:rPr lang="en-US" sz="1000" dirty="0">
+                <a:gradFill>
+                  <a:gsLst>
+                    <a:gs pos="2917">
+                      <a:schemeClr val="tx1"/>
+                    </a:gs>
+                    <a:gs pos="30000">
+                      <a:schemeClr val="tx1"/>
+                    </a:gs>
+                  </a:gsLst>
+                  <a:lin ang="5400000" scaled="0"/>
+                </a:gradFill>
+              </a:rPr>
+              <a:t>&amp; Cloud Engineer (focused on Azure, Office 365, SharePoint, .NET, Angular), blogger, Tech enthusiast &amp; Speaker. Travelling and sports are my addictions, knowledge and success are my daily motivations.</a:t>
+            </a:r>
+          </a:p>
+        </p:txBody>
+      </p:sp>
+      <p:pic>
+        <p:nvPicPr>
+          <p:cNvPr id="7" name="Picture 6" descr="Karthikeyan Baskaran&#10;&#10;Emp#825839">
+            <a:extLst>
+              <a:ext uri="{FF2B5EF4-FFF2-40B4-BE49-F238E27FC236}">
+                <a16:creationId xmlns:a16="http://schemas.microsoft.com/office/drawing/2014/main" id="{346E3DDF-6694-4A8F-A56D-D34DC9B12072}"/>
+              </a:ext>
+            </a:extLst>
+          </p:cNvPr>
+          <p:cNvPicPr>
+            <a:picLocks noChangeAspect="1"/>
+          </p:cNvPicPr>
+          <p:nvPr/>
+        </p:nvPicPr>
+        <p:blipFill>
+          <a:blip r:embed="rId4" cstate="print">
+            <a:extLst>
+              <a:ext uri="{28A0092B-C50C-407E-A947-70E740481C1C}">
+                <a14:useLocalDpi xmlns:a14="http://schemas.microsoft.com/office/drawing/2010/main" val="0"/>
+              </a:ext>
+            </a:extLst>
+          </a:blip>
+          <a:stretch>
+            <a:fillRect/>
+          </a:stretch>
+        </p:blipFill>
+        <p:spPr>
+          <a:xfrm>
+            <a:off x="381000" y="3793711"/>
+            <a:ext cx="930403" cy="1059574"/>
+          </a:xfrm>
+          <a:prstGeom prst="rect">
+            <a:avLst/>
+          </a:prstGeom>
+        </p:spPr>
+      </p:pic>
+      <p:pic>
+        <p:nvPicPr>
+          <p:cNvPr id="8" name="Picture 2">
+            <a:extLst>
+              <a:ext uri="{FF2B5EF4-FFF2-40B4-BE49-F238E27FC236}">
+                <a16:creationId xmlns:a16="http://schemas.microsoft.com/office/drawing/2014/main" id="{BC5B2023-DD41-4B7E-AD9D-E5F68FD07B34}"/>
+              </a:ext>
+            </a:extLst>
+          </p:cNvPr>
+          <p:cNvPicPr>
+            <a:picLocks noChangeAspect="1" noChangeArrowheads="1"/>
+          </p:cNvPicPr>
+          <p:nvPr/>
+        </p:nvPicPr>
+        <p:blipFill>
+          <a:blip r:embed="rId5">
+            <a:extLst>
+              <a:ext uri="{28A0092B-C50C-407E-A947-70E740481C1C}">
+                <a14:useLocalDpi xmlns:a14="http://schemas.microsoft.com/office/drawing/2010/main" val="0"/>
+              </a:ext>
+            </a:extLst>
+          </a:blip>
+          <a:srcRect/>
+          <a:stretch>
+            <a:fillRect/>
+          </a:stretch>
+        </p:blipFill>
+        <p:spPr bwMode="auto">
+          <a:xfrm>
+            <a:off x="354365" y="2091875"/>
+            <a:ext cx="857250" cy="1234144"/>
+          </a:xfrm>
+          <a:prstGeom prst="rect">
+            <a:avLst/>
+          </a:prstGeom>
+          <a:noFill/>
+          <a:extLst>
+            <a:ext uri="{909E8E84-426E-40DD-AFC4-6F175D3DCCD1}">
+              <a14:hiddenFill xmlns:a14="http://schemas.microsoft.com/office/drawing/2010/main">
+                <a:solidFill>
+                  <a:srgbClr val="FFFFFF"/>
+                </a:solidFill>
+              </a14:hiddenFill>
+            </a:ext>
+          </a:extLst>
+        </p:spPr>
+      </p:pic>
+      <p:sp>
+        <p:nvSpPr>
+          <p:cNvPr id="9" name="TextBox 8">
+            <a:extLst>
+              <a:ext uri="{FF2B5EF4-FFF2-40B4-BE49-F238E27FC236}">
+                <a16:creationId xmlns:a16="http://schemas.microsoft.com/office/drawing/2014/main" id="{F38490A4-CEBF-4752-9DF2-379902F6AE89}"/>
+              </a:ext>
+            </a:extLst>
+          </p:cNvPr>
+          <p:cNvSpPr txBox="1"/>
+          <p:nvPr/>
+        </p:nvSpPr>
+        <p:spPr>
+          <a:xfrm>
+            <a:off x="1532061" y="2170338"/>
+            <a:ext cx="3192339" cy="1231106"/>
+          </a:xfrm>
+          <a:prstGeom prst="rect">
+            <a:avLst/>
+          </a:prstGeom>
+          <a:noFill/>
+        </p:spPr>
+        <p:txBody>
+          <a:bodyPr wrap="square" lIns="0" tIns="0" rIns="0" bIns="0" rtlCol="0">
+            <a:spAutoFit/>
+          </a:bodyPr>
+          <a:lstStyle/>
+          <a:p>
+            <a:pPr algn="just"/>
+            <a:r>
+              <a:rPr lang="en-US" sz="1000" b="1" dirty="0">
+                <a:gradFill>
+                  <a:gsLst>
+                    <a:gs pos="2917">
+                      <a:schemeClr val="tx1"/>
+                    </a:gs>
+                    <a:gs pos="30000">
+                      <a:schemeClr val="tx1"/>
+                    </a:gs>
+                  </a:gsLst>
+                  <a:lin ang="5400000" scaled="0"/>
+                </a:gradFill>
+              </a:rPr>
+              <a:t>Vetrivel Murugan, </a:t>
+            </a:r>
+            <a:r>
+              <a:rPr lang="en-US" sz="1000" dirty="0">
+                <a:gradFill>
+                  <a:gsLst>
+                    <a:gs pos="2917">
+                      <a:schemeClr val="tx1"/>
+                    </a:gs>
+                    <a:gs pos="30000">
+                      <a:schemeClr val="tx1"/>
+                    </a:gs>
+                  </a:gsLst>
+                  <a:lin ang="5400000" scaled="0"/>
+                </a:gradFill>
+              </a:rPr>
+              <a:t>I’ve totally 12+years of IT experience. Working for Cognizant since Dec ‘07. I am experienced in </a:t>
+            </a:r>
+            <a:r>
+              <a:rPr lang="en-US" sz="1000" dirty="0" err="1">
+                <a:gradFill>
+                  <a:gsLst>
+                    <a:gs pos="2917">
+                      <a:schemeClr val="tx1"/>
+                    </a:gs>
+                    <a:gs pos="30000">
+                      <a:schemeClr val="tx1"/>
+                    </a:gs>
+                  </a:gsLst>
+                  <a:lin ang="5400000" scaled="0"/>
+                </a:gradFill>
+              </a:rPr>
+              <a:t>.Net</a:t>
+            </a:r>
+            <a:r>
+              <a:rPr lang="en-US" sz="1000" dirty="0">
+                <a:gradFill>
+                  <a:gsLst>
+                    <a:gs pos="2917">
+                      <a:schemeClr val="tx1"/>
+                    </a:gs>
+                    <a:gs pos="30000">
+                      <a:schemeClr val="tx1"/>
+                    </a:gs>
+                  </a:gsLst>
+                  <a:lin ang="5400000" scaled="0"/>
+                </a:gradFill>
+              </a:rPr>
+              <a:t>, SQL, SharePoint 2013 </a:t>
+            </a:r>
+            <a:r>
+              <a:rPr lang="en-US" sz="1000" dirty="0" err="1">
+                <a:gradFill>
+                  <a:gsLst>
+                    <a:gs pos="2917">
+                      <a:schemeClr val="tx1"/>
+                    </a:gs>
+                    <a:gs pos="30000">
+                      <a:schemeClr val="tx1"/>
+                    </a:gs>
+                  </a:gsLst>
+                  <a:lin ang="5400000" scaled="0"/>
+                </a:gradFill>
+              </a:rPr>
+              <a:t>Onprem</a:t>
+            </a:r>
+            <a:r>
+              <a:rPr lang="en-US" sz="1000" dirty="0">
+                <a:gradFill>
+                  <a:gsLst>
+                    <a:gs pos="2917">
+                      <a:schemeClr val="tx1"/>
+                    </a:gs>
+                    <a:gs pos="30000">
+                      <a:schemeClr val="tx1"/>
+                    </a:gs>
+                  </a:gsLst>
+                  <a:lin ang="5400000" scaled="0"/>
+                </a:gradFill>
+              </a:rPr>
+              <a:t>, Online, Scripting languages like JavaScript, </a:t>
+            </a:r>
+            <a:r>
+              <a:rPr lang="en-US" sz="1000" dirty="0" err="1">
+                <a:gradFill>
+                  <a:gsLst>
+                    <a:gs pos="2917">
+                      <a:schemeClr val="tx1"/>
+                    </a:gs>
+                    <a:gs pos="30000">
+                      <a:schemeClr val="tx1"/>
+                    </a:gs>
+                  </a:gsLst>
+                  <a:lin ang="5400000" scaled="0"/>
+                </a:gradFill>
+              </a:rPr>
+              <a:t>Jquery</a:t>
+            </a:r>
+            <a:r>
+              <a:rPr lang="en-US" sz="1000" dirty="0">
+                <a:gradFill>
+                  <a:gsLst>
+                    <a:gs pos="2917">
+                      <a:schemeClr val="tx1"/>
+                    </a:gs>
+                    <a:gs pos="30000">
+                      <a:schemeClr val="tx1"/>
+                    </a:gs>
+                  </a:gsLst>
+                  <a:lin ang="5400000" scaled="0"/>
+                </a:gradFill>
+              </a:rPr>
+              <a:t>. I am </a:t>
+            </a:r>
+            <a:r>
+              <a:rPr lang="en-US" sz="1000" dirty="0" err="1">
+                <a:gradFill>
+                  <a:gsLst>
+                    <a:gs pos="2917">
+                      <a:schemeClr val="tx1"/>
+                    </a:gs>
+                    <a:gs pos="30000">
+                      <a:schemeClr val="tx1"/>
+                    </a:gs>
+                  </a:gsLst>
+                  <a:lin ang="5400000" scaled="0"/>
+                </a:gradFill>
+              </a:rPr>
+              <a:t>practioner</a:t>
+            </a:r>
+            <a:r>
+              <a:rPr lang="en-US" sz="1000" dirty="0">
+                <a:gradFill>
+                  <a:gsLst>
+                    <a:gs pos="2917">
+                      <a:schemeClr val="tx1"/>
+                    </a:gs>
+                    <a:gs pos="30000">
+                      <a:schemeClr val="tx1"/>
+                    </a:gs>
+                  </a:gsLst>
+                  <a:lin ang="5400000" scaled="0"/>
+                </a:gradFill>
+              </a:rPr>
+              <a:t> in Azure and Angular JS. Like to contribute of Questions in </a:t>
+            </a:r>
+            <a:r>
+              <a:rPr lang="en-US" sz="1000" dirty="0" err="1">
+                <a:gradFill>
+                  <a:gsLst>
+                    <a:gs pos="2917">
+                      <a:schemeClr val="tx1"/>
+                    </a:gs>
+                    <a:gs pos="30000">
+                      <a:schemeClr val="tx1"/>
+                    </a:gs>
+                  </a:gsLst>
+                  <a:lin ang="5400000" scaled="0"/>
+                </a:gradFill>
+              </a:rPr>
+              <a:t>StackOverFlow</a:t>
+            </a:r>
+            <a:r>
+              <a:rPr lang="en-US" sz="1000" dirty="0">
+                <a:gradFill>
+                  <a:gsLst>
+                    <a:gs pos="2917">
+                      <a:schemeClr val="tx1"/>
+                    </a:gs>
+                    <a:gs pos="30000">
+                      <a:schemeClr val="tx1"/>
+                    </a:gs>
+                  </a:gsLst>
+                  <a:lin ang="5400000" scaled="0"/>
+                </a:gradFill>
+              </a:rPr>
+              <a:t> and SharePoint Stack Exchange. In my free time My hobbies include DIY stuffs and playing Xbox games.</a:t>
+            </a:r>
+          </a:p>
+        </p:txBody>
+      </p:sp>
+      <p:pic>
+        <p:nvPicPr>
+          <p:cNvPr id="10" name="Picture 9" descr="A person wearing a white shirt&#10;&#10;Description automatically generated">
+            <a:extLst>
+              <a:ext uri="{FF2B5EF4-FFF2-40B4-BE49-F238E27FC236}">
+                <a16:creationId xmlns:a16="http://schemas.microsoft.com/office/drawing/2014/main" id="{8892BD83-AF2A-4DD1-B72D-FA1257A2A5A6}"/>
+              </a:ext>
+            </a:extLst>
+          </p:cNvPr>
+          <p:cNvPicPr>
+            <a:picLocks noChangeAspect="1"/>
+          </p:cNvPicPr>
+          <p:nvPr/>
+        </p:nvPicPr>
+        <p:blipFill>
+          <a:blip r:embed="rId6" cstate="print">
+            <a:extLst>
+              <a:ext uri="{28A0092B-C50C-407E-A947-70E740481C1C}">
+                <a14:useLocalDpi xmlns:a14="http://schemas.microsoft.com/office/drawing/2010/main" val="0"/>
+              </a:ext>
+            </a:extLst>
+          </a:blip>
+          <a:stretch>
+            <a:fillRect/>
+          </a:stretch>
+        </p:blipFill>
+        <p:spPr>
+          <a:xfrm>
+            <a:off x="4953000" y="795871"/>
+            <a:ext cx="942344" cy="1058423"/>
+          </a:xfrm>
+          <a:prstGeom prst="rect">
+            <a:avLst/>
+          </a:prstGeom>
+        </p:spPr>
+      </p:pic>
+      <p:sp>
+        <p:nvSpPr>
+          <p:cNvPr id="11" name="TextBox 10">
+            <a:extLst>
+              <a:ext uri="{FF2B5EF4-FFF2-40B4-BE49-F238E27FC236}">
+                <a16:creationId xmlns:a16="http://schemas.microsoft.com/office/drawing/2014/main" id="{48A62E4D-9FF4-4129-851A-ED289BBD18D7}"/>
+              </a:ext>
+            </a:extLst>
+          </p:cNvPr>
+          <p:cNvSpPr txBox="1"/>
+          <p:nvPr/>
+        </p:nvSpPr>
+        <p:spPr>
+          <a:xfrm>
+            <a:off x="6096000" y="742951"/>
+            <a:ext cx="3028696" cy="1229617"/>
+          </a:xfrm>
+          <a:prstGeom prst="rect">
+            <a:avLst/>
+          </a:prstGeom>
+          <a:noFill/>
+        </p:spPr>
+        <p:txBody>
+          <a:bodyPr wrap="square" lIns="0" tIns="0" rIns="0" bIns="0" rtlCol="0">
+            <a:spAutoFit/>
+          </a:bodyPr>
+          <a:lstStyle/>
+          <a:p>
+            <a:pPr algn="just"/>
+            <a:r>
+              <a:rPr lang="en-US" sz="1000" dirty="0">
+                <a:gradFill>
+                  <a:gsLst>
+                    <a:gs pos="2917">
+                      <a:schemeClr val="tx1"/>
+                    </a:gs>
+                    <a:gs pos="30000">
+                      <a:schemeClr val="tx1"/>
+                    </a:gs>
+                  </a:gsLst>
+                  <a:lin ang="5400000" scaled="0"/>
+                </a:gradFill>
+              </a:rPr>
+              <a:t>This is </a:t>
+            </a:r>
+            <a:r>
+              <a:rPr lang="en-US" sz="1000" b="1" dirty="0">
+                <a:gradFill>
+                  <a:gsLst>
+                    <a:gs pos="2917">
+                      <a:schemeClr val="tx1"/>
+                    </a:gs>
+                    <a:gs pos="30000">
+                      <a:schemeClr val="tx1"/>
+                    </a:gs>
+                  </a:gsLst>
+                  <a:lin ang="5400000" scaled="0"/>
+                </a:gradFill>
+              </a:rPr>
+              <a:t>Pandiyan</a:t>
+            </a:r>
+            <a:r>
+              <a:rPr lang="en-US" sz="1000" dirty="0">
+                <a:gradFill>
+                  <a:gsLst>
+                    <a:gs pos="2917">
+                      <a:schemeClr val="tx1"/>
+                    </a:gs>
+                    <a:gs pos="30000">
+                      <a:schemeClr val="tx1"/>
+                    </a:gs>
+                  </a:gsLst>
+                  <a:lin ang="5400000" scaled="0"/>
+                </a:gradFill>
+              </a:rPr>
+              <a:t>, As a Software Professional over the years 12+ experience and associated with Cognizant since July 2014. As a Architect my experience in implementation includes strategy and roadmap definition, business and technical requirements identification, platform architecture, solution design, configuration, development, training and technical guidance to team and overall project delivery.</a:t>
+            </a:r>
+          </a:p>
+        </p:txBody>
+      </p:sp>
+      <p:sp>
+        <p:nvSpPr>
+          <p:cNvPr id="6" name="Rectangle 5"/>
+          <p:cNvSpPr/>
+          <p:nvPr/>
+        </p:nvSpPr>
+        <p:spPr>
+          <a:xfrm>
+            <a:off x="6019800" y="2198469"/>
+            <a:ext cx="2971800" cy="1015663"/>
+          </a:xfrm>
+          <a:prstGeom prst="rect">
+            <a:avLst/>
+          </a:prstGeom>
+        </p:spPr>
+        <p:txBody>
+          <a:bodyPr wrap="square">
+            <a:spAutoFit/>
+          </a:bodyPr>
+          <a:lstStyle/>
+          <a:p>
+            <a:pPr algn="just"/>
+            <a:r>
+              <a:rPr lang="en-US" sz="1000" dirty="0">
+                <a:gradFill>
+                  <a:gsLst>
+                    <a:gs pos="2917">
+                      <a:schemeClr val="tx1"/>
+                    </a:gs>
+                    <a:gs pos="30000">
+                      <a:schemeClr val="tx1"/>
+                    </a:gs>
+                  </a:gsLst>
+                  <a:lin ang="5400000" scaled="0"/>
+                </a:gradFill>
+              </a:rPr>
+              <a:t>This is </a:t>
+            </a:r>
+            <a:r>
+              <a:rPr lang="en-US" sz="1000" dirty="0" err="1">
+                <a:gradFill>
+                  <a:gsLst>
+                    <a:gs pos="2917">
+                      <a:schemeClr val="tx1"/>
+                    </a:gs>
+                    <a:gs pos="30000">
+                      <a:schemeClr val="tx1"/>
+                    </a:gs>
+                  </a:gsLst>
+                  <a:lin ang="5400000" scaled="0"/>
+                </a:gradFill>
+              </a:rPr>
+              <a:t>Sriram</a:t>
+            </a:r>
+            <a:r>
+              <a:rPr lang="en-US" sz="1000" dirty="0">
+                <a:gradFill>
+                  <a:gsLst>
+                    <a:gs pos="2917">
+                      <a:schemeClr val="tx1"/>
+                    </a:gs>
+                    <a:gs pos="30000">
+                      <a:schemeClr val="tx1"/>
+                    </a:gs>
+                  </a:gsLst>
+                  <a:lin ang="5400000" scaled="0"/>
+                </a:gradFill>
+              </a:rPr>
+              <a:t>, I am a SharePoint Developer working in this field for past 9 years, I have a strong knowledge in SharePoint Framework solutions and Azure </a:t>
+            </a:r>
+            <a:r>
+              <a:rPr lang="en-US" sz="1000" dirty="0" err="1">
+                <a:gradFill>
+                  <a:gsLst>
+                    <a:gs pos="2917">
+                      <a:schemeClr val="tx1"/>
+                    </a:gs>
+                    <a:gs pos="30000">
+                      <a:schemeClr val="tx1"/>
+                    </a:gs>
+                  </a:gsLst>
+                  <a:lin ang="5400000" scaled="0"/>
+                </a:gradFill>
+              </a:rPr>
+              <a:t>Paas</a:t>
+            </a:r>
+            <a:r>
+              <a:rPr lang="en-US" sz="1000" dirty="0">
+                <a:gradFill>
+                  <a:gsLst>
+                    <a:gs pos="2917">
+                      <a:schemeClr val="tx1"/>
+                    </a:gs>
+                    <a:gs pos="30000">
+                      <a:schemeClr val="tx1"/>
+                    </a:gs>
+                  </a:gsLst>
+                  <a:lin ang="5400000" scaled="0"/>
+                </a:gradFill>
+              </a:rPr>
+              <a:t> services. In free time I associate myself to outdoor games like Cricket, Volleyball.</a:t>
+            </a:r>
+          </a:p>
+        </p:txBody>
+      </p:sp>
+      <p:pic>
+        <p:nvPicPr>
+          <p:cNvPr id="12" name="Picture 11"/>
+          <p:cNvPicPr>
+            <a:picLocks noChangeAspect="1"/>
+          </p:cNvPicPr>
+          <p:nvPr/>
+        </p:nvPicPr>
+        <p:blipFill>
+          <a:blip r:embed="rId7" cstate="print">
+            <a:extLst>
+              <a:ext uri="{28A0092B-C50C-407E-A947-70E740481C1C}">
+                <a14:useLocalDpi xmlns:a14="http://schemas.microsoft.com/office/drawing/2010/main" val="0"/>
+              </a:ext>
+            </a:extLst>
+          </a:blip>
+          <a:stretch>
+            <a:fillRect/>
+          </a:stretch>
+        </p:blipFill>
+        <p:spPr>
+          <a:xfrm>
+            <a:off x="4972304" y="2198469"/>
+            <a:ext cx="990600" cy="1127550"/>
+          </a:xfrm>
+          <a:prstGeom prst="rect">
+            <a:avLst/>
+          </a:prstGeom>
+        </p:spPr>
+      </p:pic>
     </p:spTree>
     <p:custDataLst>
       <p:tags r:id="rId1"/>
@@ -27295,13 +29660,8 @@
             </a:pPr>
             <a:r>
               <a:rPr lang="en-US" sz="1000" dirty="0"/>
-              <a:t>IP </a:t>
-            </a:r>
-            <a:r>
-              <a:rPr lang="en-US" sz="1000" dirty="0" smtClean="0"/>
-              <a:t>: 40.84.197.108:3389</a:t>
-            </a:r>
-            <a:endParaRPr lang="en-US" sz="1000" dirty="0"/>
+              <a:t>IP : 40.84.197.108:3389</a:t>
+            </a:r>
           </a:p>
           <a:p>
             <a:pPr marL="171450" indent="-171450">
@@ -27313,7 +29673,7 @@
               <a:t>User Id : </a:t>
             </a:r>
             <a:r>
-              <a:rPr lang="en-US" sz="1000" dirty="0" err="1" smtClean="0"/>
+              <a:rPr lang="en-US" sz="1000" dirty="0" err="1"/>
               <a:t>calibone</a:t>
             </a:r>
             <a:endParaRPr lang="en-US" sz="1000" dirty="0"/>
@@ -27325,13 +29685,8 @@
             </a:pPr>
             <a:r>
               <a:rPr lang="en-US" sz="1000" dirty="0"/>
-              <a:t>Password </a:t>
-            </a:r>
-            <a:r>
-              <a:rPr lang="en-US" sz="1000" dirty="0" smtClean="0"/>
-              <a:t>: azure@2020</a:t>
-            </a:r>
-            <a:endParaRPr lang="en-US" sz="1000" dirty="0"/>
+              <a:t>Password : azure@2020</a:t>
+            </a:r>
           </a:p>
         </p:txBody>
       </p:sp>
@@ -27344,7 +29699,7 @@
         <p:spPr>
           <a:xfrm>
             <a:off x="304800" y="2138465"/>
-            <a:ext cx="8458200" cy="2739211"/>
+            <a:ext cx="7924800" cy="2893100"/>
           </a:xfrm>
           <a:prstGeom prst="rect">
             <a:avLst/>
@@ -27368,115 +29723,122 @@
             </a:r>
           </a:p>
           <a:p>
-            <a:pPr marL="285750" indent="-285750">
-              <a:buFont typeface="+mj-lt"/>
-              <a:buAutoNum type="romanLcPeriod"/>
-            </a:pPr>
+            <a:r>
+              <a:rPr lang="en-US" sz="1000" dirty="0"/>
+              <a:t>Check Search functionality from PVA Application.</a:t>
+            </a:r>
+          </a:p>
+          <a:p>
             <a:endParaRPr lang="en-US" sz="1000" dirty="0"/>
           </a:p>
           <a:p>
-            <a:pPr marL="285750" indent="-285750">
-              <a:buFont typeface="+mj-lt"/>
-              <a:buAutoNum type="romanLcPeriod"/>
-            </a:pPr>
+            <a:r>
+              <a:rPr lang="en-US" sz="1000" dirty="0"/>
+              <a:t>Test in PVA BOT:</a:t>
+            </a:r>
+          </a:p>
+          <a:p>
+            <a:r>
+              <a:rPr lang="en-US" sz="1000" dirty="0"/>
+              <a:t>URL - </a:t>
+            </a:r>
+            <a:r>
+              <a:rPr lang="en-US" sz="1000" dirty="0">
+                <a:hlinkClick r:id="rId2"/>
+              </a:rPr>
+              <a:t>https://caliberpvaclient.azurewebsites.net</a:t>
+            </a:r>
             <a:endParaRPr lang="en-US" sz="1000" dirty="0"/>
           </a:p>
           <a:p>
-            <a:pPr marL="285750" indent="-285750">
-              <a:buFont typeface="+mj-lt"/>
-              <a:buAutoNum type="romanLcPeriod"/>
-            </a:pPr>
+            <a:r>
+              <a:rPr lang="en-US" sz="1000" dirty="0"/>
+              <a:t>1. Open PVA client solution from C:\Users\calibone\Caliber\Solutions\Caliber.Bot.Client.rar</a:t>
+            </a:r>
+          </a:p>
+          <a:p>
+            <a:r>
+              <a:rPr lang="en-US" sz="1000" dirty="0"/>
+              <a:t>2. Execute the solution and in </a:t>
+            </a:r>
+            <a:r>
+              <a:rPr lang="en-US" sz="1000" dirty="0" err="1"/>
+              <a:t>localhost</a:t>
+            </a:r>
+            <a:r>
+              <a:rPr lang="en-US" sz="1000" dirty="0"/>
+              <a:t> it will open PVA Bot’s web client.</a:t>
+            </a:r>
+          </a:p>
+          <a:p>
+            <a:r>
+              <a:rPr lang="en-US" sz="1000" dirty="0"/>
+              <a:t>3. Select Upload option in the welcome message and upload any audio, video, image content.</a:t>
+            </a:r>
+          </a:p>
+          <a:p>
+            <a:r>
+              <a:rPr lang="en-US" sz="1000" dirty="0"/>
+              <a:t>4. Wait for search indexing, If not happening run the indexer. Index name : </a:t>
+            </a:r>
+            <a:r>
+              <a:rPr lang="en-US" sz="1000" b="1" dirty="0"/>
+              <a:t>caliber-demo-index-v2</a:t>
+            </a:r>
+          </a:p>
+          <a:p>
+            <a:r>
+              <a:rPr lang="en-US" sz="1000" dirty="0"/>
+              <a:t>5. Now select Search in PVA client and then select source to be searched, Audio/Video/Image/Job.</a:t>
+            </a:r>
+          </a:p>
+          <a:p>
+            <a:r>
+              <a:rPr lang="en-US" sz="1000" dirty="0"/>
+              <a:t>6. Provide input it will show the content extracted from the non structured data.</a:t>
+            </a:r>
+          </a:p>
+          <a:p>
             <a:endParaRPr lang="en-US" sz="1000" dirty="0"/>
           </a:p>
           <a:p>
-            <a:pPr marL="285750" indent="-285750">
-              <a:buFont typeface="+mj-lt"/>
-              <a:buAutoNum type="romanLcPeriod"/>
-            </a:pPr>
+            <a:r>
+              <a:rPr lang="en-US" sz="1000" dirty="0"/>
+              <a:t>Test in Search web application:</a:t>
+            </a:r>
+          </a:p>
+          <a:p>
+            <a:r>
+              <a:rPr lang="en-US" sz="1000" dirty="0"/>
+              <a:t>URL - </a:t>
+            </a:r>
+            <a:r>
+              <a:rPr lang="en-US" sz="1000" dirty="0">
+                <a:hlinkClick r:id="rId3"/>
+              </a:rPr>
+              <a:t>http://cognitivesearchers.azurewebsites.net/</a:t>
+            </a:r>
             <a:endParaRPr lang="en-US" sz="1000" dirty="0"/>
           </a:p>
           <a:p>
-            <a:pPr marL="285750" indent="-285750">
-              <a:buFont typeface="+mj-lt"/>
-              <a:buAutoNum type="romanLcPeriod"/>
-            </a:pPr>
-            <a:endParaRPr lang="en-US" sz="1000" dirty="0"/>
-          </a:p>
-          <a:p>
-            <a:pPr marL="285750" indent="-285750">
-              <a:buFont typeface="+mj-lt"/>
-              <a:buAutoNum type="romanLcPeriod"/>
-            </a:pPr>
-            <a:endParaRPr lang="en-US" sz="1000" dirty="0"/>
-          </a:p>
-          <a:p>
-            <a:pPr marL="285750" indent="-285750">
-              <a:buFont typeface="+mj-lt"/>
-              <a:buAutoNum type="romanLcPeriod"/>
-            </a:pPr>
-            <a:endParaRPr lang="en-US" sz="1000" dirty="0"/>
-          </a:p>
-          <a:p>
-            <a:pPr marL="285750" indent="-285750">
-              <a:buFont typeface="+mj-lt"/>
-              <a:buAutoNum type="romanLcPeriod"/>
-            </a:pPr>
-            <a:endParaRPr lang="en-US" sz="1000" dirty="0"/>
-          </a:p>
-          <a:p>
-            <a:pPr marL="285750" indent="-285750">
-              <a:buFont typeface="+mj-lt"/>
-              <a:buAutoNum type="romanLcPeriod"/>
-            </a:pPr>
-            <a:endParaRPr lang="en-US" sz="1000" dirty="0"/>
-          </a:p>
-          <a:p>
-            <a:pPr marL="285750" indent="-285750">
-              <a:buFont typeface="+mj-lt"/>
-              <a:buAutoNum type="romanLcPeriod"/>
-            </a:pPr>
-            <a:endParaRPr lang="en-US" sz="1000" dirty="0"/>
-          </a:p>
-          <a:p>
-            <a:pPr marL="285750" indent="-285750">
-              <a:buFont typeface="+mj-lt"/>
-              <a:buAutoNum type="romanLcPeriod"/>
-            </a:pPr>
-            <a:endParaRPr lang="en-US" sz="1000" dirty="0"/>
-          </a:p>
-          <a:p>
-            <a:pPr marL="285750" indent="-285750">
-              <a:buFont typeface="+mj-lt"/>
-              <a:buAutoNum type="romanLcPeriod"/>
-            </a:pPr>
-            <a:endParaRPr lang="en-US" sz="1000" dirty="0"/>
-          </a:p>
-          <a:p>
-            <a:pPr marL="285750" indent="-285750">
-              <a:buFont typeface="+mj-lt"/>
-              <a:buAutoNum type="romanLcPeriod"/>
-            </a:pPr>
-            <a:endParaRPr lang="en-US" sz="1000" dirty="0"/>
-          </a:p>
-          <a:p>
-            <a:pPr marL="285750" indent="-285750">
-              <a:buFont typeface="+mj-lt"/>
-              <a:buAutoNum type="romanLcPeriod"/>
-            </a:pPr>
-            <a:endParaRPr lang="en-US" sz="1000" dirty="0"/>
-          </a:p>
-          <a:p>
-            <a:pPr marL="285750" indent="-285750">
-              <a:buFont typeface="+mj-lt"/>
-              <a:buAutoNum type="romanLcPeriod"/>
-            </a:pPr>
-            <a:endParaRPr lang="en-US" sz="1000" dirty="0"/>
-          </a:p>
-          <a:p>
-            <a:pPr marL="285750" indent="-285750">
-              <a:buFont typeface="+mj-lt"/>
-              <a:buAutoNum type="romanLcPeriod"/>
-            </a:pPr>
+            <a:r>
+              <a:rPr lang="en-US" sz="1000" dirty="0"/>
+              <a:t>7. Extract the webapplicatation solution from above mentioned path.</a:t>
+            </a:r>
+          </a:p>
+          <a:p>
+            <a:r>
+              <a:rPr lang="en-US" sz="1000" dirty="0"/>
+              <a:t>8. Execute it and you can perform azure search,</a:t>
+            </a:r>
+          </a:p>
+          <a:p>
+            <a:r>
+              <a:rPr lang="en-US" sz="1000" dirty="0"/>
+              <a:t>9. Open Power BI to view the details.</a:t>
+            </a:r>
+          </a:p>
+          <a:p>
             <a:endParaRPr lang="en-US" sz="1000" dirty="0"/>
           </a:p>
         </p:txBody>
@@ -27574,6 +29936,216 @@
       </p:grpSpPr>
       <p:sp>
         <p:nvSpPr>
+          <p:cNvPr id="2" name="Title 1"/>
+          <p:cNvSpPr>
+            <a:spLocks noGrp="1"/>
+          </p:cNvSpPr>
+          <p:nvPr>
+            <p:ph type="title"/>
+          </p:nvPr>
+        </p:nvSpPr>
+        <p:spPr/>
+        <p:txBody>
+          <a:bodyPr/>
+          <a:lstStyle/>
+          <a:p>
+            <a:r>
+              <a:rPr lang="en-US" dirty="0"/>
+              <a:t>Power platform </a:t>
+            </a:r>
+            <a:r>
+              <a:rPr lang="en-US" dirty="0" err="1"/>
+              <a:t>Urls</a:t>
+            </a:r>
+            <a:endParaRPr lang="en-IN" dirty="0"/>
+          </a:p>
+        </p:txBody>
+      </p:sp>
+      <p:sp>
+        <p:nvSpPr>
+          <p:cNvPr id="3" name="Text Placeholder 2"/>
+          <p:cNvSpPr>
+            <a:spLocks noGrp="1"/>
+          </p:cNvSpPr>
+          <p:nvPr>
+            <p:ph type="body" sz="quarter" idx="10"/>
+          </p:nvPr>
+        </p:nvSpPr>
+        <p:spPr>
+          <a:xfrm>
+            <a:off x="439793" y="1075778"/>
+            <a:ext cx="8263890" cy="3570208"/>
+          </a:xfrm>
+        </p:spPr>
+        <p:txBody>
+          <a:bodyPr/>
+          <a:lstStyle/>
+          <a:p>
+            <a:r>
+              <a:rPr lang="en-IN" sz="1000" i="1" u="sng" dirty="0" err="1"/>
+              <a:t>Credentails</a:t>
+            </a:r>
+            <a:r>
+              <a:rPr lang="en-IN" sz="1000" i="1" u="sng" dirty="0"/>
+              <a:t>:</a:t>
+            </a:r>
+          </a:p>
+          <a:p>
+            <a:r>
+              <a:rPr lang="en-IN" sz="1000" dirty="0">
+                <a:hlinkClick r:id="rId2"/>
+              </a:rPr>
+              <a:t>karthik@caliber20demo.onmicrosoft.com</a:t>
+            </a:r>
+            <a:r>
+              <a:rPr lang="en-IN" sz="1000" dirty="0"/>
+              <a:t> – Password: Caliber@123</a:t>
+            </a:r>
+          </a:p>
+          <a:p>
+            <a:endParaRPr lang="en-US" sz="1000" dirty="0"/>
+          </a:p>
+          <a:p>
+            <a:r>
+              <a:rPr lang="en-US" sz="1000" dirty="0"/>
+              <a:t>Please refer below </a:t>
+            </a:r>
+            <a:r>
+              <a:rPr lang="en-US" sz="1000" dirty="0" err="1"/>
+              <a:t>urls</a:t>
+            </a:r>
+            <a:r>
+              <a:rPr lang="en-US" sz="1000" dirty="0"/>
+              <a:t> for power platform related activities.</a:t>
+            </a:r>
+            <a:endParaRPr lang="en-IN" sz="1000" dirty="0"/>
+          </a:p>
+          <a:p>
+            <a:r>
+              <a:rPr lang="en-IN" sz="1000" i="1" u="sng" dirty="0"/>
+              <a:t>Power App Hosted URL</a:t>
+            </a:r>
+          </a:p>
+          <a:p>
+            <a:r>
+              <a:rPr lang="en-IN" sz="1000" dirty="0">
+                <a:hlinkClick r:id="rId3"/>
+              </a:rPr>
+              <a:t>https://apps.powerapps.com/play/e569064e-0e32-4702-91e7-14afc8ada4f7?tenantId=9c582a85-21a9-45bf-bc95-893834bfe705&amp;source=portal&amp;screenColor=rgba%280%2C+176%2C+240%2C+1%29&amp;skipAppMetadata=true</a:t>
+            </a:r>
+            <a:endParaRPr lang="en-IN" sz="1000" dirty="0"/>
+          </a:p>
+          <a:p>
+            <a:r>
+              <a:rPr lang="en-US" sz="1000" b="1" i="1" u="sng" dirty="0"/>
+              <a:t> Steps:</a:t>
+            </a:r>
+            <a:r>
+              <a:rPr lang="en-US" sz="1000" dirty="0"/>
+              <a:t> 1. Click on + On Browse Screen &amp; click on Live Picture to capture. Then, select Save Icon or Upload button to upload Image to blob.</a:t>
+            </a:r>
+          </a:p>
+          <a:p>
+            <a:endParaRPr lang="en-US" sz="1000" dirty="0"/>
+          </a:p>
+          <a:p>
+            <a:r>
+              <a:rPr lang="en-US" sz="1000" i="1" u="sng" dirty="0"/>
+              <a:t>Power BI</a:t>
+            </a:r>
+          </a:p>
+          <a:p>
+            <a:r>
+              <a:rPr lang="en-IN" sz="1000" dirty="0">
+                <a:hlinkClick r:id="rId4"/>
+              </a:rPr>
+              <a:t>https://app.powerbi.com/Redirect?action=OpenApp&amp;appId=557376d6-4b57-4ca9-8f99-042174e7172f&amp;ctid=9c582a85-21a9-45bf-bc95-893834bfe705</a:t>
+            </a:r>
+            <a:r>
+              <a:rPr lang="en-IN" sz="1000" dirty="0"/>
+              <a:t> </a:t>
+            </a:r>
+          </a:p>
+          <a:p>
+            <a:endParaRPr lang="en-IN" sz="1000" dirty="0"/>
+          </a:p>
+          <a:p>
+            <a:r>
+              <a:rPr lang="en-IN" sz="1000" i="1" u="sng" dirty="0"/>
+              <a:t>Power Automate App</a:t>
+            </a:r>
+          </a:p>
+          <a:p>
+            <a:pPr>
+              <a:buFontTx/>
+              <a:buChar char="-"/>
+            </a:pPr>
+            <a:r>
+              <a:rPr lang="en-IN" sz="1000" dirty="0">
+                <a:hlinkClick r:id="rId5"/>
+              </a:rPr>
+              <a:t>https://india.flow.microsoft.com/manage/environments/a6fc6076-c875-48da-88f1-5894c87654f7/flows/4d5747d2-492e-451c-859f-d122124fd50a</a:t>
+            </a:r>
+            <a:endParaRPr lang="en-IN" sz="1000" dirty="0"/>
+          </a:p>
+          <a:p>
+            <a:endParaRPr lang="en-IN" sz="1000" dirty="0"/>
+          </a:p>
+          <a:p>
+            <a:r>
+              <a:rPr lang="en-IN" sz="1000" i="1" u="sng" dirty="0"/>
+              <a:t>SharePoint Online Site – Document library Path</a:t>
+            </a:r>
+          </a:p>
+          <a:p>
+            <a:r>
+              <a:rPr lang="en-IN" sz="1000" dirty="0">
+                <a:hlinkClick r:id="rId6"/>
+              </a:rPr>
+              <a:t>https://caliber20demo.sharepoint.com/Shared%20Documents/Forms/AllItems.aspx?sortField=Modified&amp;isAscending=false&amp;viewid=cf46e341%2Ded8c%2D45ff%2D9857%2D763bacf06931</a:t>
+            </a:r>
+            <a:endParaRPr lang="en-IN" sz="1000" dirty="0"/>
+          </a:p>
+          <a:p>
+            <a:endParaRPr lang="en-IN" sz="1000" dirty="0"/>
+          </a:p>
+        </p:txBody>
+      </p:sp>
+    </p:spTree>
+    <p:extLst>
+      <p:ext uri="{BB962C8B-B14F-4D97-AF65-F5344CB8AC3E}">
+        <p14:creationId xmlns:p14="http://schemas.microsoft.com/office/powerpoint/2010/main" val="3496357005"/>
+      </p:ext>
+    </p:extLst>
+  </p:cSld>
+  <p:clrMapOvr>
+    <a:masterClrMapping/>
+  </p:clrMapOvr>
+  <p:transition>
+    <p:fade/>
+  </p:transition>
+</p:sld>
+</file>
+
+<file path=ppt/slides/slide6.xml><?xml version="1.0" encoding="utf-8"?>
+<p:sld xmlns:a="http://schemas.openxmlformats.org/drawingml/2006/main" xmlns:r="http://schemas.openxmlformats.org/officeDocument/2006/relationships" xmlns:p="http://schemas.openxmlformats.org/presentationml/2006/main">
+  <p:cSld>
+    <p:spTree>
+      <p:nvGrpSpPr>
+        <p:cNvPr id="1" name=""/>
+        <p:cNvGrpSpPr/>
+        <p:nvPr/>
+      </p:nvGrpSpPr>
+      <p:grpSpPr>
+        <a:xfrm>
+          <a:off x="0" y="0"/>
+          <a:ext cx="0" cy="0"/>
+          <a:chOff x="0" y="0"/>
+          <a:chExt cx="0" cy="0"/>
+        </a:xfrm>
+      </p:grpSpPr>
+      <p:sp>
+        <p:nvSpPr>
           <p:cNvPr id="2" name="Title 1">
             <a:extLst>
               <a:ext uri="{FF2B5EF4-FFF2-40B4-BE49-F238E27FC236}">
@@ -27600,6 +30172,101 @@
           </a:p>
         </p:txBody>
       </p:sp>
+      <p:sp>
+        <p:nvSpPr>
+          <p:cNvPr id="3" name="Text Placeholder 2"/>
+          <p:cNvSpPr>
+            <a:spLocks noGrp="1"/>
+          </p:cNvSpPr>
+          <p:nvPr>
+            <p:ph type="body" sz="quarter" idx="10"/>
+          </p:nvPr>
+        </p:nvSpPr>
+        <p:spPr>
+          <a:xfrm>
+            <a:off x="439793" y="1075778"/>
+            <a:ext cx="8263890" cy="2412968"/>
+          </a:xfrm>
+        </p:spPr>
+        <p:txBody>
+          <a:bodyPr/>
+          <a:lstStyle/>
+          <a:p>
+            <a:pPr algn="just" defTabSz="914400">
+              <a:lnSpc>
+                <a:spcPct val="150000"/>
+              </a:lnSpc>
+            </a:pPr>
+            <a:r>
+              <a:rPr lang="en-US" sz="1400" dirty="0">
+                <a:gradFill>
+                  <a:gsLst>
+                    <a:gs pos="2917">
+                      <a:schemeClr val="tx1"/>
+                    </a:gs>
+                    <a:gs pos="30000">
+                      <a:schemeClr val="tx1"/>
+                    </a:gs>
+                  </a:gsLst>
+                  <a:lin ang="5400000" scaled="0"/>
+                </a:gradFill>
+                <a:cs typeface="+mn-cs"/>
+              </a:rPr>
+              <a:t>This application is to search and analyze both structured and non structured data. We are indexing different sources like Image, Audio and Video. In Power virtual Agent we are passing user input into LUIS. Based on intent from LUIS we are searching Azure index and showing the result accordingly. We are also showing search analysis report in Power BI.</a:t>
+            </a:r>
+          </a:p>
+          <a:p>
+            <a:pPr marL="285750" indent="-285750" algn="just" defTabSz="914400">
+              <a:lnSpc>
+                <a:spcPct val="150000"/>
+              </a:lnSpc>
+              <a:buFont typeface="Arial" panose="020B0604020202020204" pitchFamily="34" charset="0"/>
+              <a:buChar char="•"/>
+            </a:pPr>
+            <a:endParaRPr lang="en-US" sz="1400" dirty="0">
+              <a:gradFill>
+                <a:gsLst>
+                  <a:gs pos="2917">
+                    <a:schemeClr val="tx1"/>
+                  </a:gs>
+                  <a:gs pos="30000">
+                    <a:schemeClr val="tx1"/>
+                  </a:gs>
+                </a:gsLst>
+                <a:lin ang="5400000" scaled="0"/>
+              </a:gradFill>
+              <a:cs typeface="+mn-cs"/>
+            </a:endParaRPr>
+          </a:p>
+          <a:p>
+            <a:pPr algn="just" defTabSz="914400">
+              <a:lnSpc>
+                <a:spcPct val="150000"/>
+              </a:lnSpc>
+            </a:pPr>
+            <a:r>
+              <a:rPr lang="en-US" sz="1400" dirty="0">
+                <a:gradFill>
+                  <a:gsLst>
+                    <a:gs pos="2917">
+                      <a:schemeClr val="tx1"/>
+                    </a:gs>
+                    <a:gs pos="30000">
+                      <a:schemeClr val="tx1"/>
+                    </a:gs>
+                  </a:gsLst>
+                  <a:lin ang="5400000" scaled="0"/>
+                </a:gradFill>
+                <a:cs typeface="+mn-cs"/>
+              </a:rPr>
+              <a:t>We can use this application for face recognition and authenticate user accordingly.</a:t>
+            </a:r>
+          </a:p>
+          <a:p>
+            <a:endParaRPr lang="en-IN" dirty="0"/>
+          </a:p>
+        </p:txBody>
+      </p:sp>
     </p:spTree>
     <p:extLst>
       <p:ext uri="{BB962C8B-B14F-4D97-AF65-F5344CB8AC3E}">
@@ -27616,17 +30283,9 @@
 </p:sld>
 </file>
 
-<file path=ppt/slides/slide6.xml><?xml version="1.0" encoding="utf-8"?>
+<file path=ppt/slides/slide7.xml><?xml version="1.0" encoding="utf-8"?>
 <p:sld xmlns:a="http://schemas.openxmlformats.org/drawingml/2006/main" xmlns:r="http://schemas.openxmlformats.org/officeDocument/2006/relationships" xmlns:p="http://schemas.openxmlformats.org/presentationml/2006/main">
   <p:cSld>
-    <p:bg>
-      <p:bgPr>
-        <a:solidFill>
-          <a:schemeClr val="bg1"/>
-        </a:solidFill>
-        <a:effectLst/>
-      </p:bgPr>
-    </p:bg>
     <p:spTree>
       <p:nvGrpSpPr>
         <p:cNvPr id="1" name=""/>
@@ -27724,7 +30383,7 @@
                   <a:spcPts val="600"/>
                 </a:spcAft>
               </a:pPr>
-              <a:t>6</a:t>
+              <a:t>7</a:t>
             </a:fld>
             <a:endParaRPr lang="en-US">
               <a:solidFill>
@@ -27734,10 +30393,246 @@
           </a:p>
         </p:txBody>
       </p:sp>
+      <p:sp>
+        <p:nvSpPr>
+          <p:cNvPr id="4" name="TextBox 3">
+            <a:extLst>
+              <a:ext uri="{FF2B5EF4-FFF2-40B4-BE49-F238E27FC236}">
+                <a16:creationId xmlns:a16="http://schemas.microsoft.com/office/drawing/2014/main" id="{FC670C0D-8327-4B70-9773-A305A6479E4B}"/>
+              </a:ext>
+            </a:extLst>
+          </p:cNvPr>
+          <p:cNvSpPr txBox="1"/>
+          <p:nvPr/>
+        </p:nvSpPr>
+        <p:spPr>
+          <a:xfrm>
+            <a:off x="441197" y="971550"/>
+            <a:ext cx="8263890" cy="3810915"/>
+          </a:xfrm>
+          <a:prstGeom prst="rect">
+            <a:avLst/>
+          </a:prstGeom>
+          <a:noFill/>
+        </p:spPr>
+        <p:txBody>
+          <a:bodyPr wrap="square" lIns="0" tIns="0" rIns="0" bIns="0" rtlCol="0">
+            <a:spAutoFit/>
+          </a:bodyPr>
+          <a:lstStyle/>
+          <a:p>
+            <a:pPr marL="285750" indent="-285750" algn="just">
+              <a:lnSpc>
+                <a:spcPct val="200000"/>
+              </a:lnSpc>
+              <a:buFont typeface="Arial" panose="020B0604020202020204" pitchFamily="34" charset="0"/>
+              <a:buChar char="•"/>
+            </a:pPr>
+            <a:r>
+              <a:rPr lang="en-US" sz="1400" dirty="0">
+                <a:gradFill>
+                  <a:gsLst>
+                    <a:gs pos="2917">
+                      <a:schemeClr val="tx1"/>
+                    </a:gs>
+                    <a:gs pos="30000">
+                      <a:schemeClr val="tx1"/>
+                    </a:gs>
+                  </a:gsLst>
+                  <a:lin ang="5400000" scaled="0"/>
+                </a:gradFill>
+              </a:rPr>
+              <a:t>The user case that we are taking it up for the Caliber 2020 is </a:t>
+            </a:r>
+            <a:r>
+              <a:rPr lang="en-US" sz="1400" b="1" dirty="0">
+                <a:gradFill>
+                  <a:gsLst>
+                    <a:gs pos="2917">
+                      <a:schemeClr val="tx1"/>
+                    </a:gs>
+                    <a:gs pos="30000">
+                      <a:schemeClr val="tx1"/>
+                    </a:gs>
+                  </a:gsLst>
+                  <a:lin ang="5400000" scaled="0"/>
+                </a:gradFill>
+              </a:rPr>
+              <a:t>Enterprise Search</a:t>
+            </a:r>
+            <a:r>
+              <a:rPr lang="en-US" sz="1400" dirty="0">
+                <a:gradFill>
+                  <a:gsLst>
+                    <a:gs pos="2917">
+                      <a:schemeClr val="tx1"/>
+                    </a:gs>
+                    <a:gs pos="30000">
+                      <a:schemeClr val="tx1"/>
+                    </a:gs>
+                  </a:gsLst>
+                  <a:lin ang="5400000" scaled="0"/>
+                </a:gradFill>
+              </a:rPr>
+              <a:t>.</a:t>
+            </a:r>
+          </a:p>
+          <a:p>
+            <a:pPr marL="285750" indent="-285750" algn="just">
+              <a:lnSpc>
+                <a:spcPct val="200000"/>
+              </a:lnSpc>
+              <a:buFont typeface="Arial" panose="020B0604020202020204" pitchFamily="34" charset="0"/>
+              <a:buChar char="•"/>
+            </a:pPr>
+            <a:r>
+              <a:rPr lang="en-US" sz="1400" dirty="0">
+                <a:gradFill>
+                  <a:gsLst>
+                    <a:gs pos="2917">
+                      <a:schemeClr val="tx1"/>
+                    </a:gs>
+                    <a:gs pos="30000">
+                      <a:schemeClr val="tx1"/>
+                    </a:gs>
+                  </a:gsLst>
+                  <a:lin ang="5400000" scaled="0"/>
+                </a:gradFill>
+              </a:rPr>
+              <a:t>The idea is to implement the Search system for a big organization which has a huge database in an unstructured fashion.</a:t>
+            </a:r>
+          </a:p>
+          <a:p>
+            <a:pPr marL="285750" indent="-285750" algn="just">
+              <a:lnSpc>
+                <a:spcPct val="200000"/>
+              </a:lnSpc>
+              <a:buFont typeface="Arial" panose="020B0604020202020204" pitchFamily="34" charset="0"/>
+              <a:buChar char="•"/>
+            </a:pPr>
+            <a:r>
+              <a:rPr lang="en-US" sz="1400" dirty="0">
+                <a:gradFill>
+                  <a:gsLst>
+                    <a:gs pos="2917">
+                      <a:schemeClr val="tx1"/>
+                    </a:gs>
+                    <a:gs pos="30000">
+                      <a:schemeClr val="tx1"/>
+                    </a:gs>
+                  </a:gsLst>
+                  <a:lin ang="5400000" scaled="0"/>
+                </a:gradFill>
+              </a:rPr>
+              <a:t>We are trying to use  Azure SaaS, PaaS and IaaS, as much as we could to achieve the solution.</a:t>
+            </a:r>
+          </a:p>
+          <a:p>
+            <a:pPr marL="285750" indent="-285750" algn="just">
+              <a:lnSpc>
+                <a:spcPct val="200000"/>
+              </a:lnSpc>
+              <a:buFont typeface="Arial" panose="020B0604020202020204" pitchFamily="34" charset="0"/>
+              <a:buChar char="•"/>
+            </a:pPr>
+            <a:r>
+              <a:rPr lang="en-US" sz="1400" dirty="0">
+                <a:gradFill>
+                  <a:gsLst>
+                    <a:gs pos="2917">
+                      <a:schemeClr val="tx1"/>
+                    </a:gs>
+                    <a:gs pos="30000">
+                      <a:schemeClr val="tx1"/>
+                    </a:gs>
+                  </a:gsLst>
+                  <a:lin ang="5400000" scaled="0"/>
+                </a:gradFill>
+              </a:rPr>
+              <a:t>The search should not have any limitation with respect to item content type or stored format.</a:t>
+            </a:r>
+          </a:p>
+          <a:p>
+            <a:pPr marL="285750" indent="-285750" algn="just">
+              <a:lnSpc>
+                <a:spcPct val="200000"/>
+              </a:lnSpc>
+              <a:buFont typeface="Arial" panose="020B0604020202020204" pitchFamily="34" charset="0"/>
+              <a:buChar char="•"/>
+            </a:pPr>
+            <a:r>
+              <a:rPr lang="en-US" sz="1400" dirty="0">
+                <a:gradFill>
+                  <a:gsLst>
+                    <a:gs pos="2917">
+                      <a:schemeClr val="tx1"/>
+                    </a:gs>
+                    <a:gs pos="30000">
+                      <a:schemeClr val="tx1"/>
+                    </a:gs>
+                  </a:gsLst>
+                  <a:lin ang="5400000" scaled="0"/>
+                </a:gradFill>
+              </a:rPr>
+              <a:t>The Search should use AI and help user to build the search query.</a:t>
+            </a:r>
+          </a:p>
+          <a:p>
+            <a:pPr marL="285750" indent="-285750" algn="just">
+              <a:lnSpc>
+                <a:spcPct val="200000"/>
+              </a:lnSpc>
+              <a:buFont typeface="Arial" panose="020B0604020202020204" pitchFamily="34" charset="0"/>
+              <a:buChar char="•"/>
+            </a:pPr>
+            <a:r>
+              <a:rPr lang="en-US" sz="1400" dirty="0">
+                <a:gradFill>
+                  <a:gsLst>
+                    <a:gs pos="2917">
+                      <a:schemeClr val="tx1"/>
+                    </a:gs>
+                    <a:gs pos="30000">
+                      <a:schemeClr val="tx1"/>
+                    </a:gs>
+                  </a:gsLst>
+                  <a:lin ang="5400000" scaled="0"/>
+                </a:gradFill>
+              </a:rPr>
+              <a:t>We will be storing the data in different format and different source to accomplish the Enterprise Search.</a:t>
+            </a:r>
+          </a:p>
+          <a:p>
+            <a:pPr marL="285750" indent="-285750" algn="just">
+              <a:lnSpc>
+                <a:spcPct val="200000"/>
+              </a:lnSpc>
+              <a:buFont typeface="Arial" panose="020B0604020202020204" pitchFamily="34" charset="0"/>
+              <a:buChar char="•"/>
+            </a:pPr>
+            <a:r>
+              <a:rPr lang="en-US" sz="1400" dirty="0">
+                <a:gradFill>
+                  <a:gsLst>
+                    <a:gs pos="2917">
+                      <a:schemeClr val="tx1"/>
+                    </a:gs>
+                    <a:gs pos="30000">
+                      <a:schemeClr val="tx1"/>
+                    </a:gs>
+                  </a:gsLst>
+                  <a:lin ang="5400000" scaled="0"/>
+                </a:gradFill>
+              </a:rPr>
+              <a:t>The ultimate goal is to give the relevant User Results without much refinement.</a:t>
+            </a:r>
+          </a:p>
+        </p:txBody>
+      </p:sp>
     </p:spTree>
     <p:extLst>
       <p:ext uri="{BB962C8B-B14F-4D97-AF65-F5344CB8AC3E}">
-        <p14:creationId xmlns:p14="http://schemas.microsoft.com/office/powerpoint/2010/main" val="566647520"/>
+        <p14:creationId xmlns:p14="http://schemas.microsoft.com/office/powerpoint/2010/main" val="1658436934"/>
       </p:ext>
     </p:extLst>
   </p:cSld>
@@ -27750,17 +30645,9 @@
 </p:sld>
 </file>
 
-<file path=ppt/slides/slide7.xml><?xml version="1.0" encoding="utf-8"?>
+<file path=ppt/slides/slide8.xml><?xml version="1.0" encoding="utf-8"?>
 <p:sld xmlns:a="http://schemas.openxmlformats.org/drawingml/2006/main" xmlns:r="http://schemas.openxmlformats.org/officeDocument/2006/relationships" xmlns:p="http://schemas.openxmlformats.org/presentationml/2006/main">
   <p:cSld>
-    <p:bg>
-      <p:bgPr>
-        <a:solidFill>
-          <a:schemeClr val="bg1"/>
-        </a:solidFill>
-        <a:effectLst/>
-      </p:bgPr>
-    </p:bg>
     <p:spTree>
       <p:nvGrpSpPr>
         <p:cNvPr id="1" name=""/>
@@ -27858,140 +30745,6 @@
                   <a:spcPts val="600"/>
                 </a:spcAft>
               </a:pPr>
-              <a:t>7</a:t>
-            </a:fld>
-            <a:endParaRPr lang="en-US">
-              <a:solidFill>
-                <a:prstClr val="white"/>
-              </a:solidFill>
-            </a:endParaRPr>
-          </a:p>
-        </p:txBody>
-      </p:sp>
-    </p:spTree>
-    <p:extLst>
-      <p:ext uri="{BB962C8B-B14F-4D97-AF65-F5344CB8AC3E}">
-        <p14:creationId xmlns:p14="http://schemas.microsoft.com/office/powerpoint/2010/main" val="1611927800"/>
-      </p:ext>
-    </p:extLst>
-  </p:cSld>
-  <p:clrMapOvr>
-    <a:masterClrMapping/>
-  </p:clrMapOvr>
-  <p:transition>
-    <p:fade/>
-  </p:transition>
-</p:sld>
-</file>
-
-<file path=ppt/slides/slide8.xml><?xml version="1.0" encoding="utf-8"?>
-<p:sld xmlns:a="http://schemas.openxmlformats.org/drawingml/2006/main" xmlns:r="http://schemas.openxmlformats.org/officeDocument/2006/relationships" xmlns:p="http://schemas.openxmlformats.org/presentationml/2006/main">
-  <p:cSld>
-    <p:bg>
-      <p:bgPr>
-        <a:solidFill>
-          <a:schemeClr val="bg1"/>
-        </a:solidFill>
-        <a:effectLst/>
-      </p:bgPr>
-    </p:bg>
-    <p:spTree>
-      <p:nvGrpSpPr>
-        <p:cNvPr id="1" name=""/>
-        <p:cNvGrpSpPr/>
-        <p:nvPr/>
-      </p:nvGrpSpPr>
-      <p:grpSpPr>
-        <a:xfrm>
-          <a:off x="0" y="0"/>
-          <a:ext cx="0" cy="0"/>
-          <a:chOff x="0" y="0"/>
-          <a:chExt cx="0" cy="0"/>
-        </a:xfrm>
-      </p:grpSpPr>
-      <p:sp>
-        <p:nvSpPr>
-          <p:cNvPr id="2" name="Title 1">
-            <a:extLst>
-              <a:ext uri="{FF2B5EF4-FFF2-40B4-BE49-F238E27FC236}">
-                <a16:creationId xmlns:a16="http://schemas.microsoft.com/office/drawing/2014/main" id="{5389EFA9-B2C7-486D-BBA2-593F59D6FA8C}"/>
-              </a:ext>
-            </a:extLst>
-          </p:cNvPr>
-          <p:cNvSpPr>
-            <a:spLocks noGrp="1"/>
-          </p:cNvSpPr>
-          <p:nvPr>
-            <p:ph type="title"/>
-          </p:nvPr>
-        </p:nvSpPr>
-        <p:spPr>
-          <a:xfrm>
-            <a:off x="441197" y="342900"/>
-            <a:ext cx="8263890" cy="415499"/>
-          </a:xfrm>
-          <a:prstGeom prst="rect">
-            <a:avLst/>
-          </a:prstGeom>
-        </p:spPr>
-        <p:txBody>
-          <a:bodyPr wrap="square" anchor="t">
-            <a:normAutofit/>
-          </a:bodyPr>
-          <a:lstStyle/>
-          <a:p>
-            <a:r>
-              <a:rPr lang="en-US" dirty="0"/>
-              <a:t>Introduction to Solution</a:t>
-            </a:r>
-          </a:p>
-        </p:txBody>
-      </p:sp>
-      <p:sp>
-        <p:nvSpPr>
-          <p:cNvPr id="3" name="Slide Number Placeholder 2" hidden="1">
-            <a:extLst>
-              <a:ext uri="{FF2B5EF4-FFF2-40B4-BE49-F238E27FC236}">
-                <a16:creationId xmlns:a16="http://schemas.microsoft.com/office/drawing/2014/main" id="{7B79D984-8127-4422-A910-5B8E86F7BF41}"/>
-              </a:ext>
-            </a:extLst>
-          </p:cNvPr>
-          <p:cNvSpPr>
-            <a:spLocks noGrp="1"/>
-          </p:cNvSpPr>
-          <p:nvPr>
-            <p:ph type="sldNum" sz="quarter" idx="4294967295"/>
-          </p:nvPr>
-        </p:nvSpPr>
-        <p:spPr>
-          <a:xfrm>
-            <a:off x="8661501" y="4786949"/>
-            <a:ext cx="440354" cy="325469"/>
-          </a:xfrm>
-          <a:prstGeom prst="rect">
-            <a:avLst/>
-          </a:prstGeom>
-        </p:spPr>
-        <p:txBody>
-          <a:bodyPr/>
-          <a:lstStyle/>
-          <a:p>
-            <a:pPr>
-              <a:spcAft>
-                <a:spcPts val="600"/>
-              </a:spcAft>
-            </a:pPr>
-            <a:fld id="{B32AB80A-78BA-6B42-BA0D-B44ACF890F5A}" type="slidenum">
-              <a:rPr lang="en-US" smtClean="0">
-                <a:solidFill>
-                  <a:prstClr val="white"/>
-                </a:solidFill>
-              </a:rPr>
-              <a:pPr>
-                <a:spcAft>
-                  <a:spcPts val="600"/>
-                </a:spcAft>
-              </a:pPr>
               <a:t>8</a:t>
             </a:fld>
             <a:endParaRPr lang="en-US">
@@ -28002,10 +30755,458 @@
           </a:p>
         </p:txBody>
       </p:sp>
+      <p:sp>
+        <p:nvSpPr>
+          <p:cNvPr id="5" name="Content Placeholder 2">
+            <a:extLst>
+              <a:ext uri="{FF2B5EF4-FFF2-40B4-BE49-F238E27FC236}">
+                <a16:creationId xmlns:a16="http://schemas.microsoft.com/office/drawing/2014/main" id="{EA4E7995-F1C5-4FFD-9B33-7A5246B7D91E}"/>
+              </a:ext>
+            </a:extLst>
+          </p:cNvPr>
+          <p:cNvSpPr txBox="1">
+            <a:spLocks/>
+          </p:cNvSpPr>
+          <p:nvPr/>
+        </p:nvSpPr>
+        <p:spPr>
+          <a:xfrm>
+            <a:off x="304800" y="819150"/>
+            <a:ext cx="8400287" cy="4038600"/>
+          </a:xfrm>
+          <a:prstGeom prst="rect">
+            <a:avLst/>
+          </a:prstGeom>
+        </p:spPr>
+        <p:txBody>
+          <a:bodyPr>
+            <a:normAutofit fontScale="92500" lnSpcReduction="20000"/>
+          </a:bodyPr>
+          <a:lstStyle>
+            <a:lvl1pPr marL="171450" marR="0" indent="-171450" algn="l" defTabSz="699557" rtl="0" eaLnBrk="1" fontAlgn="auto" latinLnBrk="0" hangingPunct="1">
+              <a:lnSpc>
+                <a:spcPct val="100000"/>
+              </a:lnSpc>
+              <a:spcBef>
+                <a:spcPct val="20000"/>
+              </a:spcBef>
+              <a:spcAft>
+                <a:spcPts val="0"/>
+              </a:spcAft>
+              <a:buClrTx/>
+              <a:buSzPct val="90000"/>
+              <a:buFont typeface="Wingdings" panose="05000000000000000000" pitchFamily="2" charset="2"/>
+              <a:buChar char=""/>
+              <a:tabLst/>
+              <a:defRPr sz="2100" kern="1200" spc="0" baseline="0">
+                <a:solidFill>
+                  <a:schemeClr val="tx1"/>
+                </a:solidFill>
+                <a:latin typeface="+mn-lt"/>
+                <a:ea typeface="+mn-ea"/>
+                <a:cs typeface="Segoe UI" panose="020B0502040204020203" pitchFamily="34" charset="0"/>
+              </a:defRPr>
+            </a:lvl1pPr>
+            <a:lvl2pPr marL="342900" marR="0" indent="-171450" algn="l" defTabSz="699557" rtl="0" eaLnBrk="1" fontAlgn="auto" latinLnBrk="0" hangingPunct="1">
+              <a:lnSpc>
+                <a:spcPct val="100000"/>
+              </a:lnSpc>
+              <a:spcBef>
+                <a:spcPct val="20000"/>
+              </a:spcBef>
+              <a:spcAft>
+                <a:spcPts val="0"/>
+              </a:spcAft>
+              <a:buClrTx/>
+              <a:buSzPct val="90000"/>
+              <a:buFont typeface="Wingdings" panose="05000000000000000000" pitchFamily="2" charset="2"/>
+              <a:buChar char=""/>
+              <a:tabLst/>
+              <a:defRPr sz="1500" kern="1200" spc="0" baseline="0">
+                <a:solidFill>
+                  <a:schemeClr val="tx1"/>
+                </a:solidFill>
+                <a:latin typeface="+mn-lt"/>
+                <a:ea typeface="+mn-ea"/>
+                <a:cs typeface="+mn-cs"/>
+              </a:defRPr>
+            </a:lvl2pPr>
+            <a:lvl3pPr marL="492919" marR="0" indent="-150019" algn="l" defTabSz="699557" rtl="0" eaLnBrk="1" fontAlgn="auto" latinLnBrk="0" hangingPunct="1">
+              <a:lnSpc>
+                <a:spcPct val="100000"/>
+              </a:lnSpc>
+              <a:spcBef>
+                <a:spcPct val="20000"/>
+              </a:spcBef>
+              <a:spcAft>
+                <a:spcPts val="0"/>
+              </a:spcAft>
+              <a:buClrTx/>
+              <a:buSzPct val="90000"/>
+              <a:buFont typeface="Wingdings" panose="05000000000000000000" pitchFamily="2" charset="2"/>
+              <a:buChar char=""/>
+              <a:tabLst/>
+              <a:defRPr sz="1200" kern="1200" spc="0" baseline="0">
+                <a:solidFill>
+                  <a:schemeClr val="tx1"/>
+                </a:solidFill>
+                <a:latin typeface="+mn-lt"/>
+                <a:ea typeface="+mn-ea"/>
+                <a:cs typeface="+mn-cs"/>
+              </a:defRPr>
+            </a:lvl3pPr>
+            <a:lvl4pPr marL="632222" marR="0" indent="-135731" algn="l" defTabSz="699557" rtl="0" eaLnBrk="1" fontAlgn="auto" latinLnBrk="0" hangingPunct="1">
+              <a:lnSpc>
+                <a:spcPct val="100000"/>
+              </a:lnSpc>
+              <a:spcBef>
+                <a:spcPct val="20000"/>
+              </a:spcBef>
+              <a:spcAft>
+                <a:spcPts val="0"/>
+              </a:spcAft>
+              <a:buClrTx/>
+              <a:buSzPct val="90000"/>
+              <a:buFont typeface="Wingdings" panose="05000000000000000000" pitchFamily="2" charset="2"/>
+              <a:buChar char=""/>
+              <a:tabLst/>
+              <a:defRPr sz="1050" kern="1200" spc="0" baseline="0">
+                <a:solidFill>
+                  <a:schemeClr val="tx1"/>
+                </a:solidFill>
+                <a:latin typeface="+mn-lt"/>
+                <a:ea typeface="+mn-ea"/>
+                <a:cs typeface="+mn-cs"/>
+              </a:defRPr>
+            </a:lvl4pPr>
+            <a:lvl5pPr marL="767954" marR="0" indent="-126206" algn="l" defTabSz="699557" rtl="0" eaLnBrk="1" fontAlgn="auto" latinLnBrk="0" hangingPunct="1">
+              <a:lnSpc>
+                <a:spcPct val="100000"/>
+              </a:lnSpc>
+              <a:spcBef>
+                <a:spcPct val="20000"/>
+              </a:spcBef>
+              <a:spcAft>
+                <a:spcPts val="0"/>
+              </a:spcAft>
+              <a:buClrTx/>
+              <a:buSzPct val="90000"/>
+              <a:buFont typeface="Wingdings" panose="05000000000000000000" pitchFamily="2" charset="2"/>
+              <a:buChar char=""/>
+              <a:tabLst/>
+              <a:defRPr sz="1050" kern="1200" spc="0" baseline="0">
+                <a:solidFill>
+                  <a:schemeClr val="tx1"/>
+                </a:solidFill>
+                <a:latin typeface="+mn-lt"/>
+                <a:ea typeface="+mn-ea"/>
+                <a:cs typeface="+mn-cs"/>
+              </a:defRPr>
+            </a:lvl5pPr>
+            <a:lvl6pPr marL="1923780" indent="-174890" algn="l" defTabSz="699557" rtl="0" eaLnBrk="1" latinLnBrk="0" hangingPunct="1">
+              <a:spcBef>
+                <a:spcPct val="20000"/>
+              </a:spcBef>
+              <a:buFont typeface="Arial" pitchFamily="34" charset="0"/>
+              <a:buChar char="•"/>
+              <a:defRPr sz="1500" kern="1200">
+                <a:solidFill>
+                  <a:schemeClr val="tx1"/>
+                </a:solidFill>
+                <a:latin typeface="+mn-lt"/>
+                <a:ea typeface="+mn-ea"/>
+                <a:cs typeface="+mn-cs"/>
+              </a:defRPr>
+            </a:lvl6pPr>
+            <a:lvl7pPr marL="2273559" indent="-174890" algn="l" defTabSz="699557" rtl="0" eaLnBrk="1" latinLnBrk="0" hangingPunct="1">
+              <a:spcBef>
+                <a:spcPct val="20000"/>
+              </a:spcBef>
+              <a:buFont typeface="Arial" pitchFamily="34" charset="0"/>
+              <a:buChar char="•"/>
+              <a:defRPr sz="1500" kern="1200">
+                <a:solidFill>
+                  <a:schemeClr val="tx1"/>
+                </a:solidFill>
+                <a:latin typeface="+mn-lt"/>
+                <a:ea typeface="+mn-ea"/>
+                <a:cs typeface="+mn-cs"/>
+              </a:defRPr>
+            </a:lvl7pPr>
+            <a:lvl8pPr marL="2623337" indent="-174890" algn="l" defTabSz="699557" rtl="0" eaLnBrk="1" latinLnBrk="0" hangingPunct="1">
+              <a:spcBef>
+                <a:spcPct val="20000"/>
+              </a:spcBef>
+              <a:buFont typeface="Arial" pitchFamily="34" charset="0"/>
+              <a:buChar char="•"/>
+              <a:defRPr sz="1500" kern="1200">
+                <a:solidFill>
+                  <a:schemeClr val="tx1"/>
+                </a:solidFill>
+                <a:latin typeface="+mn-lt"/>
+                <a:ea typeface="+mn-ea"/>
+                <a:cs typeface="+mn-cs"/>
+              </a:defRPr>
+            </a:lvl8pPr>
+            <a:lvl9pPr marL="2973116" indent="-174890" algn="l" defTabSz="699557" rtl="0" eaLnBrk="1" latinLnBrk="0" hangingPunct="1">
+              <a:spcBef>
+                <a:spcPct val="20000"/>
+              </a:spcBef>
+              <a:buFont typeface="Arial" pitchFamily="34" charset="0"/>
+              <a:buChar char="•"/>
+              <a:defRPr sz="1500" kern="1200">
+                <a:solidFill>
+                  <a:schemeClr val="tx1"/>
+                </a:solidFill>
+                <a:latin typeface="+mn-lt"/>
+                <a:ea typeface="+mn-ea"/>
+                <a:cs typeface="+mn-cs"/>
+              </a:defRPr>
+            </a:lvl9pPr>
+          </a:lstStyle>
+          <a:p>
+            <a:pPr>
+              <a:lnSpc>
+                <a:spcPct val="150000"/>
+              </a:lnSpc>
+            </a:pPr>
+            <a:r>
+              <a:rPr lang="en-US" sz="1400" dirty="0">
+                <a:gradFill>
+                  <a:gsLst>
+                    <a:gs pos="2917">
+                      <a:schemeClr val="tx1"/>
+                    </a:gs>
+                    <a:gs pos="30000">
+                      <a:schemeClr val="tx1"/>
+                    </a:gs>
+                  </a:gsLst>
+                  <a:lin ang="5400000" scaled="0"/>
+                </a:gradFill>
+                <a:cs typeface="+mn-cs"/>
+              </a:rPr>
+              <a:t>In Modern Work culture the data will be saved with many different formats like Documents (Text, Word, Excel, PDF), Audio, Video and much more. It is difficult to collate all and bring it in one place.</a:t>
+            </a:r>
+          </a:p>
+          <a:p>
+            <a:pPr>
+              <a:lnSpc>
+                <a:spcPct val="150000"/>
+              </a:lnSpc>
+            </a:pPr>
+            <a:r>
+              <a:rPr lang="en-US" sz="1400" dirty="0">
+                <a:gradFill>
+                  <a:gsLst>
+                    <a:gs pos="2917">
+                      <a:schemeClr val="tx1"/>
+                    </a:gs>
+                    <a:gs pos="30000">
+                      <a:schemeClr val="tx1"/>
+                    </a:gs>
+                  </a:gsLst>
+                  <a:lin ang="5400000" scaled="0"/>
+                </a:gradFill>
+                <a:cs typeface="+mn-cs"/>
+              </a:rPr>
+              <a:t>Though if you try to bring it, the search system will be highly complicated, and it takes more steps for user to find a file.</a:t>
+            </a:r>
+          </a:p>
+          <a:p>
+            <a:pPr>
+              <a:lnSpc>
+                <a:spcPct val="150000"/>
+              </a:lnSpc>
+            </a:pPr>
+            <a:r>
+              <a:rPr lang="en-US" sz="1400" dirty="0">
+                <a:gradFill>
+                  <a:gsLst>
+                    <a:gs pos="2917">
+                      <a:schemeClr val="tx1"/>
+                    </a:gs>
+                    <a:gs pos="30000">
+                      <a:schemeClr val="tx1"/>
+                    </a:gs>
+                  </a:gsLst>
+                  <a:lin ang="5400000" scaled="0"/>
+                </a:gradFill>
+                <a:cs typeface="+mn-cs"/>
+              </a:rPr>
+              <a:t>There can be many barriers for the user to find a file. For example,</a:t>
+            </a:r>
+          </a:p>
+          <a:p>
+            <a:pPr lvl="1">
+              <a:lnSpc>
+                <a:spcPct val="150000"/>
+              </a:lnSpc>
+            </a:pPr>
+            <a:r>
+              <a:rPr lang="en-US" sz="1400" dirty="0">
+                <a:gradFill>
+                  <a:gsLst>
+                    <a:gs pos="2917">
+                      <a:schemeClr val="tx1"/>
+                    </a:gs>
+                    <a:gs pos="30000">
+                      <a:schemeClr val="tx1"/>
+                    </a:gs>
+                  </a:gsLst>
+                  <a:lin ang="5400000" scaled="0"/>
+                </a:gradFill>
+              </a:rPr>
+              <a:t>Language (Typo/Accent)</a:t>
+            </a:r>
+          </a:p>
+          <a:p>
+            <a:pPr lvl="1">
+              <a:lnSpc>
+                <a:spcPct val="150000"/>
+              </a:lnSpc>
+            </a:pPr>
+            <a:r>
+              <a:rPr lang="en-US" sz="1400" dirty="0">
+                <a:gradFill>
+                  <a:gsLst>
+                    <a:gs pos="2917">
+                      <a:schemeClr val="tx1"/>
+                    </a:gs>
+                    <a:gs pos="30000">
+                      <a:schemeClr val="tx1"/>
+                    </a:gs>
+                  </a:gsLst>
+                  <a:lin ang="5400000" scaled="0"/>
+                </a:gradFill>
+              </a:rPr>
+              <a:t>Metadata</a:t>
+            </a:r>
+          </a:p>
+          <a:p>
+            <a:pPr lvl="1">
+              <a:lnSpc>
+                <a:spcPct val="150000"/>
+              </a:lnSpc>
+            </a:pPr>
+            <a:r>
+              <a:rPr lang="en-US" sz="1400" dirty="0">
+                <a:gradFill>
+                  <a:gsLst>
+                    <a:gs pos="2917">
+                      <a:schemeClr val="tx1"/>
+                    </a:gs>
+                    <a:gs pos="30000">
+                      <a:schemeClr val="tx1"/>
+                    </a:gs>
+                  </a:gsLst>
+                  <a:lin ang="5400000" scaled="0"/>
+                </a:gradFill>
+              </a:rPr>
+              <a:t>Content Type</a:t>
+            </a:r>
+          </a:p>
+          <a:p>
+            <a:pPr lvl="1">
+              <a:lnSpc>
+                <a:spcPct val="150000"/>
+              </a:lnSpc>
+            </a:pPr>
+            <a:r>
+              <a:rPr lang="en-US" sz="1400" dirty="0">
+                <a:gradFill>
+                  <a:gsLst>
+                    <a:gs pos="2917">
+                      <a:schemeClr val="tx1"/>
+                    </a:gs>
+                    <a:gs pos="30000">
+                      <a:schemeClr val="tx1"/>
+                    </a:gs>
+                  </a:gsLst>
+                  <a:lin ang="5400000" scaled="0"/>
+                </a:gradFill>
+              </a:rPr>
+              <a:t>Authentication</a:t>
+            </a:r>
+          </a:p>
+          <a:p>
+            <a:pPr lvl="1">
+              <a:lnSpc>
+                <a:spcPct val="150000"/>
+              </a:lnSpc>
+            </a:pPr>
+            <a:r>
+              <a:rPr lang="en-US" sz="1400" dirty="0">
+                <a:gradFill>
+                  <a:gsLst>
+                    <a:gs pos="2917">
+                      <a:schemeClr val="tx1"/>
+                    </a:gs>
+                    <a:gs pos="30000">
+                      <a:schemeClr val="tx1"/>
+                    </a:gs>
+                  </a:gsLst>
+                  <a:lin ang="5400000" scaled="0"/>
+                </a:gradFill>
+              </a:rPr>
+              <a:t>Applying artificial intelligence </a:t>
+            </a:r>
+          </a:p>
+          <a:p>
+            <a:pPr lvl="1">
+              <a:lnSpc>
+                <a:spcPct val="150000"/>
+              </a:lnSpc>
+            </a:pPr>
+            <a:r>
+              <a:rPr lang="en-US" sz="1400" dirty="0">
+                <a:gradFill>
+                  <a:gsLst>
+                    <a:gs pos="2917">
+                      <a:schemeClr val="tx1"/>
+                    </a:gs>
+                    <a:gs pos="30000">
+                      <a:schemeClr val="tx1"/>
+                    </a:gs>
+                  </a:gsLst>
+                  <a:lin ang="5400000" scaled="0"/>
+                </a:gradFill>
+              </a:rPr>
+              <a:t>Performance</a:t>
+            </a:r>
+          </a:p>
+          <a:p>
+            <a:pPr>
+              <a:lnSpc>
+                <a:spcPct val="150000"/>
+              </a:lnSpc>
+            </a:pPr>
+            <a:r>
+              <a:rPr lang="en-US" sz="1400" dirty="0">
+                <a:gradFill>
+                  <a:gsLst>
+                    <a:gs pos="2917">
+                      <a:schemeClr val="tx1"/>
+                    </a:gs>
+                    <a:gs pos="30000">
+                      <a:schemeClr val="tx1"/>
+                    </a:gs>
+                  </a:gsLst>
+                  <a:lin ang="5400000" scaled="0"/>
+                </a:gradFill>
+                <a:cs typeface="+mn-cs"/>
+              </a:rPr>
+              <a:t>The solution that we suggest should be helpful in organizing and collating the data. It helps the users to arrive on the result in a simpler way.</a:t>
+            </a:r>
+          </a:p>
+          <a:p>
+            <a:endParaRPr lang="en-IN" sz="2000" dirty="0"/>
+          </a:p>
+        </p:txBody>
+      </p:sp>
     </p:spTree>
     <p:extLst>
       <p:ext uri="{BB962C8B-B14F-4D97-AF65-F5344CB8AC3E}">
-        <p14:creationId xmlns:p14="http://schemas.microsoft.com/office/powerpoint/2010/main" val="1481317021"/>
+        <p14:creationId xmlns:p14="http://schemas.microsoft.com/office/powerpoint/2010/main" val="1661219852"/>
       </p:ext>
     </p:extLst>
   </p:cSld>
@@ -28040,7 +31241,7 @@
           <p:cNvPr id="2" name="Title 1">
             <a:extLst>
               <a:ext uri="{FF2B5EF4-FFF2-40B4-BE49-F238E27FC236}">
-                <a16:creationId xmlns:a16="http://schemas.microsoft.com/office/drawing/2014/main" id="{92BE1FC7-897F-4923-B824-0B64913A5BBC}"/>
+                <a16:creationId xmlns:a16="http://schemas.microsoft.com/office/drawing/2014/main" id="{5389EFA9-B2C7-486D-BBA2-593F59D6FA8C}"/>
               </a:ext>
             </a:extLst>
           </p:cNvPr>
@@ -28051,24 +31252,34 @@
             <p:ph type="title"/>
           </p:nvPr>
         </p:nvSpPr>
-        <p:spPr/>
+        <p:spPr>
+          <a:xfrm>
+            <a:off x="441197" y="312920"/>
+            <a:ext cx="8263890" cy="415499"/>
+          </a:xfrm>
+          <a:prstGeom prst="rect">
+            <a:avLst/>
+          </a:prstGeom>
+        </p:spPr>
         <p:txBody>
-          <a:bodyPr/>
+          <a:bodyPr wrap="square" anchor="t">
+            <a:normAutofit/>
+          </a:bodyPr>
           <a:lstStyle/>
           <a:p>
             <a:r>
               <a:rPr lang="en-US" dirty="0"/>
-              <a:t>What it does (detail it out)?</a:t>
+              <a:t>Introduction to Solution</a:t>
             </a:r>
           </a:p>
         </p:txBody>
       </p:sp>
       <p:sp>
         <p:nvSpPr>
-          <p:cNvPr id="3" name="Slide Number Placeholder 2">
+          <p:cNvPr id="3" name="Slide Number Placeholder 2" hidden="1">
             <a:extLst>
               <a:ext uri="{FF2B5EF4-FFF2-40B4-BE49-F238E27FC236}">
-                <a16:creationId xmlns:a16="http://schemas.microsoft.com/office/drawing/2014/main" id="{91D6EE68-3801-4537-A046-02005B96209C}"/>
+                <a16:creationId xmlns:a16="http://schemas.microsoft.com/office/drawing/2014/main" id="{7B79D984-8127-4422-A910-5B8E86F7BF41}"/>
               </a:ext>
             </a:extLst>
           </p:cNvPr>
@@ -28081,8 +31292,8 @@
         </p:nvSpPr>
         <p:spPr>
           <a:xfrm>
-            <a:off x="8704263" y="4786313"/>
-            <a:ext cx="439737" cy="325437"/>
+            <a:off x="8661501" y="4786949"/>
+            <a:ext cx="440354" cy="325469"/>
           </a:xfrm>
           <a:prstGeom prst="rect">
             <a:avLst/>
@@ -28092,19 +31303,200 @@
           <a:bodyPr/>
           <a:lstStyle/>
           <a:p>
+            <a:pPr>
+              <a:spcAft>
+                <a:spcPts val="600"/>
+              </a:spcAft>
+            </a:pPr>
             <a:fld id="{B32AB80A-78BA-6B42-BA0D-B44ACF890F5A}" type="slidenum">
               <a:rPr lang="en-US" smtClean="0">
                 <a:solidFill>
                   <a:prstClr val="white"/>
                 </a:solidFill>
               </a:rPr>
-              <a:pPr/>
+              <a:pPr>
+                <a:spcAft>
+                  <a:spcPts val="600"/>
+                </a:spcAft>
+              </a:pPr>
               <a:t>9</a:t>
             </a:fld>
-            <a:endParaRPr lang="en-US" dirty="0">
+            <a:endParaRPr lang="en-US">
               <a:solidFill>
                 <a:prstClr val="white"/>
               </a:solidFill>
+            </a:endParaRPr>
+          </a:p>
+        </p:txBody>
+      </p:sp>
+      <p:sp>
+        <p:nvSpPr>
+          <p:cNvPr id="4" name="TextBox 3">
+            <a:extLst>
+              <a:ext uri="{FF2B5EF4-FFF2-40B4-BE49-F238E27FC236}">
+                <a16:creationId xmlns:a16="http://schemas.microsoft.com/office/drawing/2014/main" id="{CE1A84B8-845A-424B-982B-7022E4477D11}"/>
+              </a:ext>
+            </a:extLst>
+          </p:cNvPr>
+          <p:cNvSpPr txBox="1"/>
+          <p:nvPr/>
+        </p:nvSpPr>
+        <p:spPr>
+          <a:xfrm>
+            <a:off x="381000" y="819150"/>
+            <a:ext cx="8458200" cy="2949141"/>
+          </a:xfrm>
+          <a:prstGeom prst="rect">
+            <a:avLst/>
+          </a:prstGeom>
+          <a:noFill/>
+        </p:spPr>
+        <p:txBody>
+          <a:bodyPr wrap="square" lIns="0" tIns="0" rIns="0" bIns="0" rtlCol="0">
+            <a:spAutoFit/>
+          </a:bodyPr>
+          <a:lstStyle/>
+          <a:p>
+            <a:pPr marL="285750" indent="-285750" algn="just">
+              <a:lnSpc>
+                <a:spcPct val="200000"/>
+              </a:lnSpc>
+              <a:buFont typeface="Arial" panose="020B0604020202020204" pitchFamily="34" charset="0"/>
+              <a:buChar char="•"/>
+            </a:pPr>
+            <a:r>
+              <a:rPr lang="en-US" sz="1400" dirty="0">
+                <a:gradFill>
+                  <a:gsLst>
+                    <a:gs pos="2917">
+                      <a:schemeClr val="tx1"/>
+                    </a:gs>
+                    <a:gs pos="30000">
+                      <a:schemeClr val="tx1"/>
+                    </a:gs>
+                  </a:gsLst>
+                  <a:lin ang="5400000" scaled="0"/>
+                </a:gradFill>
+              </a:rPr>
+              <a:t>We are using the following components in our solution</a:t>
+            </a:r>
+          </a:p>
+          <a:p>
+            <a:pPr marL="742950" lvl="1" indent="-285750" algn="just">
+              <a:lnSpc>
+                <a:spcPct val="200000"/>
+              </a:lnSpc>
+              <a:buFont typeface="Arial" panose="020B0604020202020204" pitchFamily="34" charset="0"/>
+              <a:buChar char="•"/>
+            </a:pPr>
+            <a:r>
+              <a:rPr lang="en-US" sz="1400" dirty="0">
+                <a:gradFill>
+                  <a:gsLst>
+                    <a:gs pos="2917">
+                      <a:schemeClr val="tx1"/>
+                    </a:gs>
+                    <a:gs pos="30000">
+                      <a:schemeClr val="tx1"/>
+                    </a:gs>
+                  </a:gsLst>
+                  <a:lin ang="5400000" scaled="0"/>
+                </a:gradFill>
+              </a:rPr>
+              <a:t>SaaS - Power Apps, Power Virtua Agent, Power BI and SPO</a:t>
+            </a:r>
+          </a:p>
+          <a:p>
+            <a:pPr marL="742950" lvl="1" indent="-285750" algn="just">
+              <a:lnSpc>
+                <a:spcPct val="200000"/>
+              </a:lnSpc>
+              <a:buFont typeface="Arial" panose="020B0604020202020204" pitchFamily="34" charset="0"/>
+              <a:buChar char="•"/>
+            </a:pPr>
+            <a:r>
+              <a:rPr lang="en-US" sz="1400" dirty="0">
+                <a:gradFill>
+                  <a:gsLst>
+                    <a:gs pos="2917">
+                      <a:schemeClr val="tx1"/>
+                    </a:gs>
+                    <a:gs pos="30000">
+                      <a:schemeClr val="tx1"/>
+                    </a:gs>
+                  </a:gsLst>
+                  <a:lin ang="5400000" scaled="0"/>
+                </a:gradFill>
+              </a:rPr>
+              <a:t>PaaS - Azure Cognitive Search, Cognitive Services (Speech to Text, Image to Text, Bing Spell Check), LUIS AI, Azure Media Service, Azure Function, Azure Key Vault, AppInsights and </a:t>
+            </a:r>
+          </a:p>
+          <a:p>
+            <a:pPr lvl="1" algn="just">
+              <a:lnSpc>
+                <a:spcPct val="200000"/>
+              </a:lnSpc>
+            </a:pPr>
+            <a:r>
+              <a:rPr lang="en-US" sz="1400" dirty="0">
+                <a:gradFill>
+                  <a:gsLst>
+                    <a:gs pos="2917">
+                      <a:schemeClr val="tx1"/>
+                    </a:gs>
+                    <a:gs pos="30000">
+                      <a:schemeClr val="tx1"/>
+                    </a:gs>
+                  </a:gsLst>
+                  <a:lin ang="5400000" scaled="0"/>
+                </a:gradFill>
+              </a:rPr>
+              <a:t>      App Service.</a:t>
+            </a:r>
+          </a:p>
+          <a:p>
+            <a:pPr marL="742950" lvl="1" indent="-285750" algn="just">
+              <a:lnSpc>
+                <a:spcPct val="200000"/>
+              </a:lnSpc>
+              <a:buFont typeface="Arial" panose="020B0604020202020204" pitchFamily="34" charset="0"/>
+              <a:buChar char="•"/>
+            </a:pPr>
+            <a:r>
+              <a:rPr lang="en-US" sz="1400" dirty="0">
+                <a:gradFill>
+                  <a:gsLst>
+                    <a:gs pos="2917">
+                      <a:schemeClr val="tx1"/>
+                    </a:gs>
+                    <a:gs pos="30000">
+                      <a:schemeClr val="tx1"/>
+                    </a:gs>
+                  </a:gsLst>
+                  <a:lin ang="5400000" scaled="0"/>
+                </a:gradFill>
+              </a:rPr>
+              <a:t>IaaS - Virtual Machine, MVC Web App, Azure Blob Storage, Azure Cosmos DB and Azure SQL DB</a:t>
+            </a:r>
+          </a:p>
+          <a:p>
+            <a:pPr algn="just">
+              <a:lnSpc>
+                <a:spcPct val="200000"/>
+              </a:lnSpc>
+            </a:pPr>
+            <a:endParaRPr lang="en-US" sz="1400" dirty="0">
+              <a:gradFill>
+                <a:gsLst>
+                  <a:gs pos="2917">
+                    <a:schemeClr val="tx1"/>
+                  </a:gs>
+                  <a:gs pos="30000">
+                    <a:schemeClr val="tx1"/>
+                  </a:gs>
+                </a:gsLst>
+                <a:lin ang="5400000" scaled="0"/>
+              </a:gradFill>
             </a:endParaRPr>
           </a:p>
         </p:txBody>
@@ -28112,7 +31504,7 @@
     </p:spTree>
     <p:extLst>
       <p:ext uri="{BB962C8B-B14F-4D97-AF65-F5344CB8AC3E}">
-        <p14:creationId xmlns:p14="http://schemas.microsoft.com/office/powerpoint/2010/main" val="2788822527"/>
+        <p14:creationId xmlns:p14="http://schemas.microsoft.com/office/powerpoint/2010/main" val="1935301215"/>
       </p:ext>
     </p:extLst>
   </p:cSld>
